--- a/DevopsWorkstream.pptx
+++ b/DevopsWorkstream.pptx
@@ -217,7 +217,7 @@
           <a:p>
             <a:fld id="{03327CA6-12BA-4E25-8D0C-D0BF47BEA956}" type="datetimeFigureOut">
               <a:rPr lang="en-US" smtClean="0"/>
-              <a:t>4/14/2017</a:t>
+              <a:t>4/20/2017</a:t>
             </a:fld>
             <a:endParaRPr lang="en-US"/>
           </a:p>
@@ -382,7 +382,7 @@
           <a:p>
             <a:fld id="{0ADA80A5-7BB0-734F-8C27-B1DC0FB7F823}" type="datetimeFigureOut">
               <a:rPr lang="en-US" smtClean="0"/>
-              <a:t>4/14/2017</a:t>
+              <a:t>4/20/2017</a:t>
             </a:fld>
             <a:endParaRPr lang="en-US"/>
           </a:p>
@@ -13898,7 +13898,6 @@
               <a:rPr lang="en-US" dirty="0"/>
               <a:t>Continuous integration and deployment</a:t>
             </a:r>
-            <a:endParaRPr lang="en-US" dirty="0"/>
           </a:p>
         </p:txBody>
       </p:sp>
@@ -14033,7 +14032,6 @@
               <a:rPr lang="en-US" dirty="0"/>
               <a:t>Level 2 is a nested bullet</a:t>
             </a:r>
-            <a:endParaRPr lang="en-US" dirty="0"/>
           </a:p>
         </p:txBody>
       </p:sp>
@@ -14539,7 +14537,6 @@
               <a:rPr lang="en-US" dirty="0"/>
               <a:t>Scalability and performance</a:t>
             </a:r>
-            <a:endParaRPr lang="en-US" dirty="0"/>
           </a:p>
         </p:txBody>
       </p:sp>
@@ -15083,7 +15080,6 @@
               <a:rPr lang="en-US" dirty="0" smtClean="0"/>
               <a:t>Automate getting the applications up</a:t>
             </a:r>
-            <a:endParaRPr lang="en-US" dirty="0" smtClean="0"/>
           </a:p>
           <a:p>
             <a:pPr lvl="1"/>
@@ -15555,7 +15551,6 @@
               <a:rPr lang="en-US" dirty="0" smtClean="0"/>
               <a:t>Application Health</a:t>
             </a:r>
-            <a:endParaRPr lang="en-US" dirty="0" smtClean="0"/>
           </a:p>
           <a:p>
             <a:pPr lvl="1"/>
@@ -16041,7 +16036,6 @@
               <a:rPr lang="en-US" dirty="0" smtClean="0"/>
               <a:t>Microservice Production-Readiness Dashboard</a:t>
             </a:r>
-            <a:endParaRPr lang="en-US" dirty="0" smtClean="0"/>
           </a:p>
           <a:p>
             <a:pPr lvl="1"/>

--- a/DevopsWorkstream.pptx
+++ b/DevopsWorkstream.pptx
@@ -7,10 +7,10 @@
     <p:sldMasterId id="2147483820" r:id="rId3"/>
   </p:sldMasterIdLst>
   <p:notesMasterIdLst>
-    <p:notesMasterId r:id="rId17"/>
+    <p:notesMasterId r:id="rId18"/>
   </p:notesMasterIdLst>
   <p:handoutMasterIdLst>
-    <p:handoutMasterId r:id="rId18"/>
+    <p:handoutMasterId r:id="rId19"/>
   </p:handoutMasterIdLst>
   <p:sldIdLst>
     <p:sldId id="683" r:id="rId4"/>
@@ -26,6 +26,7 @@
     <p:sldId id="725" r:id="rId14"/>
     <p:sldId id="727" r:id="rId15"/>
     <p:sldId id="728" r:id="rId16"/>
+    <p:sldId id="730" r:id="rId17"/>
   </p:sldIdLst>
   <p:sldSz cx="12192000" cy="6858000"/>
   <p:notesSz cx="6858000" cy="9144000"/>
@@ -217,7 +218,7 @@
           <a:p>
             <a:fld id="{03327CA6-12BA-4E25-8D0C-D0BF47BEA956}" type="datetimeFigureOut">
               <a:rPr lang="en-US" smtClean="0"/>
-              <a:t>4/20/2017</a:t>
+              <a:t>4/21/2017</a:t>
             </a:fld>
             <a:endParaRPr lang="en-US"/>
           </a:p>
@@ -382,7 +383,7 @@
           <a:p>
             <a:fld id="{0ADA80A5-7BB0-734F-8C27-B1DC0FB7F823}" type="datetimeFigureOut">
               <a:rPr lang="en-US" smtClean="0"/>
-              <a:t>4/20/2017</a:t>
+              <a:t>4/21/2017</a:t>
             </a:fld>
             <a:endParaRPr lang="en-US"/>
           </a:p>
@@ -13314,6 +13315,1264 @@
     <p:extLst>
       <p:ext uri="{BB962C8B-B14F-4D97-AF65-F5344CB8AC3E}">
         <p14:creationId xmlns:p14="http://schemas.microsoft.com/office/powerpoint/2010/main" val="917316670"/>
+      </p:ext>
+    </p:extLst>
+  </p:cSld>
+  <p:clrMapOvr>
+    <a:masterClrMapping/>
+  </p:clrMapOvr>
+  <p:timing>
+    <p:tnLst>
+      <p:par>
+        <p:cTn id="1" dur="indefinite" restart="never" nodeType="tmRoot"/>
+      </p:par>
+    </p:tnLst>
+  </p:timing>
+</p:sld>
+</file>
+
+<file path=ppt/slides/slide14.xml><?xml version="1.0" encoding="utf-8"?>
+<p:sld xmlns:a="http://schemas.openxmlformats.org/drawingml/2006/main" xmlns:r="http://schemas.openxmlformats.org/officeDocument/2006/relationships" xmlns:p="http://schemas.openxmlformats.org/presentationml/2006/main">
+  <p:cSld>
+    <p:spTree>
+      <p:nvGrpSpPr>
+        <p:cNvPr id="1" name=""/>
+        <p:cNvGrpSpPr/>
+        <p:nvPr/>
+      </p:nvGrpSpPr>
+      <p:grpSpPr>
+        <a:xfrm>
+          <a:off x="0" y="0"/>
+          <a:ext cx="0" cy="0"/>
+          <a:chOff x="0" y="0"/>
+          <a:chExt cx="0" cy="0"/>
+        </a:xfrm>
+      </p:grpSpPr>
+      <p:sp>
+        <p:nvSpPr>
+          <p:cNvPr id="2" name="Title 1"/>
+          <p:cNvSpPr>
+            <a:spLocks noGrp="1"/>
+          </p:cNvSpPr>
+          <p:nvPr>
+            <p:ph type="title"/>
+          </p:nvPr>
+        </p:nvSpPr>
+        <p:spPr/>
+        <p:txBody>
+          <a:bodyPr/>
+          <a:lstStyle/>
+          <a:p>
+            <a:r>
+              <a:rPr lang="en-US" dirty="0" smtClean="0"/>
+              <a:t>DevOps </a:t>
+            </a:r>
+            <a:r>
+              <a:rPr lang="en-US" dirty="0" err="1" smtClean="0"/>
+              <a:t>WorkStream</a:t>
+            </a:r>
+            <a:r>
+              <a:rPr lang="en-US" dirty="0" smtClean="0"/>
+              <a:t> </a:t>
+            </a:r>
+            <a:r>
+              <a:rPr lang="en-US" dirty="0" smtClean="0"/>
+              <a:t>Agency Demo: Goals</a:t>
+            </a:r>
+            <a:endParaRPr lang="en-US" dirty="0"/>
+          </a:p>
+        </p:txBody>
+      </p:sp>
+      <p:sp>
+        <p:nvSpPr>
+          <p:cNvPr id="12" name="Slide Number Placeholder 11"/>
+          <p:cNvSpPr>
+            <a:spLocks noGrp="1"/>
+          </p:cNvSpPr>
+          <p:nvPr>
+            <p:ph type="sldNum" sz="quarter" idx="4"/>
+          </p:nvPr>
+        </p:nvSpPr>
+        <p:spPr/>
+        <p:txBody>
+          <a:bodyPr/>
+          <a:lstStyle/>
+          <a:p>
+            <a:fld id="{EACE6E22-E655-5947-A8B4-6F095FBA2C12}" type="slidenum">
+              <a:rPr lang="en-US" smtClean="0"/>
+              <a:pPr/>
+              <a:t>13</a:t>
+            </a:fld>
+            <a:endParaRPr lang="en-US"/>
+          </a:p>
+        </p:txBody>
+      </p:sp>
+      <p:sp>
+        <p:nvSpPr>
+          <p:cNvPr id="10" name="Footer Placeholder 9"/>
+          <p:cNvSpPr>
+            <a:spLocks noGrp="1"/>
+          </p:cNvSpPr>
+          <p:nvPr>
+            <p:ph type="ftr" sz="quarter" idx="3"/>
+          </p:nvPr>
+        </p:nvSpPr>
+        <p:spPr/>
+        <p:txBody>
+          <a:bodyPr/>
+          <a:lstStyle/>
+          <a:p>
+            <a:r>
+              <a:rPr lang="en-US" smtClean="0"/>
+              <a:t>This document is confidential and intended solely for the client to whom it is addressed.</a:t>
+            </a:r>
+            <a:endParaRPr lang="en-US"/>
+          </a:p>
+        </p:txBody>
+      </p:sp>
+      <p:sp>
+        <p:nvSpPr>
+          <p:cNvPr id="11" name="Content Placeholder 2"/>
+          <p:cNvSpPr txBox="1">
+            <a:spLocks/>
+          </p:cNvSpPr>
+          <p:nvPr/>
+        </p:nvSpPr>
+        <p:spPr>
+          <a:xfrm>
+            <a:off x="5815914" y="1598141"/>
+            <a:ext cx="5737654" cy="1602260"/>
+          </a:xfrm>
+          <a:prstGeom prst="rect">
+            <a:avLst/>
+          </a:prstGeom>
+        </p:spPr>
+        <p:txBody>
+          <a:bodyPr vert="horz" lIns="91440" tIns="45720" rIns="91440" bIns="45720" rtlCol="0">
+            <a:normAutofit/>
+          </a:bodyPr>
+          <a:lstStyle>
+            <a:lvl1pPr marL="285750" indent="-285750" algn="l" defTabSz="914400" rtl="0" eaLnBrk="1" latinLnBrk="0" hangingPunct="1">
+              <a:lnSpc>
+                <a:spcPct val="100000"/>
+              </a:lnSpc>
+              <a:spcBef>
+                <a:spcPts val="600"/>
+              </a:spcBef>
+              <a:spcAft>
+                <a:spcPts val="0"/>
+              </a:spcAft>
+              <a:buFont typeface="Arial" charset="0"/>
+              <a:buChar char="•"/>
+              <a:defRPr sz="1400" i="0" kern="1200" baseline="0">
+                <a:solidFill>
+                  <a:schemeClr val="tx1"/>
+                </a:solidFill>
+                <a:latin typeface="Calibri" charset="0"/>
+                <a:ea typeface="Calibri" charset="0"/>
+                <a:cs typeface="Calibri" charset="0"/>
+              </a:defRPr>
+            </a:lvl1pPr>
+            <a:lvl2pPr marL="576263" indent="-279400" algn="l" defTabSz="914400" rtl="0" eaLnBrk="1" latinLnBrk="0" hangingPunct="1">
+              <a:lnSpc>
+                <a:spcPct val="100000"/>
+              </a:lnSpc>
+              <a:spcBef>
+                <a:spcPts val="0"/>
+              </a:spcBef>
+              <a:spcAft>
+                <a:spcPts val="0"/>
+              </a:spcAft>
+              <a:buFont typeface="LucidaGrande" charset="0"/>
+              <a:buChar char="-"/>
+              <a:tabLst/>
+              <a:defRPr sz="1400" i="0" kern="1200" cap="none" spc="0" baseline="0">
+                <a:solidFill>
+                  <a:schemeClr val="tx1"/>
+                </a:solidFill>
+                <a:latin typeface="Calibri" charset="0"/>
+                <a:ea typeface="Calibri" charset="0"/>
+                <a:cs typeface="Calibri" charset="0"/>
+              </a:defRPr>
+            </a:lvl2pPr>
+            <a:lvl3pPr marL="0" indent="0" algn="l" defTabSz="914400" rtl="0" eaLnBrk="1" latinLnBrk="0" hangingPunct="1">
+              <a:lnSpc>
+                <a:spcPct val="100000"/>
+              </a:lnSpc>
+              <a:spcBef>
+                <a:spcPts val="2400"/>
+              </a:spcBef>
+              <a:spcAft>
+                <a:spcPts val="900"/>
+              </a:spcAft>
+              <a:buFont typeface="Arial"/>
+              <a:buNone/>
+              <a:tabLst/>
+              <a:defRPr sz="1200" i="1" kern="1200">
+                <a:solidFill>
+                  <a:schemeClr val="tx1"/>
+                </a:solidFill>
+                <a:latin typeface="Georgia" charset="0"/>
+                <a:ea typeface="Georgia" charset="0"/>
+                <a:cs typeface="Georgia" charset="0"/>
+              </a:defRPr>
+            </a:lvl3pPr>
+            <a:lvl4pPr marL="15875" indent="0" algn="l" defTabSz="914400" rtl="0" eaLnBrk="1" latinLnBrk="0" hangingPunct="1">
+              <a:lnSpc>
+                <a:spcPct val="100000"/>
+              </a:lnSpc>
+              <a:spcBef>
+                <a:spcPts val="2400"/>
+              </a:spcBef>
+              <a:buFont typeface="LucidaGrande" charset="0"/>
+              <a:buNone/>
+              <a:tabLst/>
+              <a:defRPr sz="1400" kern="1200" cap="all" spc="100" baseline="0">
+                <a:solidFill>
+                  <a:schemeClr val="accent2"/>
+                </a:solidFill>
+                <a:latin typeface="Oswald" charset="0"/>
+                <a:ea typeface="Oswald" charset="0"/>
+                <a:cs typeface="Oswald" charset="0"/>
+              </a:defRPr>
+            </a:lvl4pPr>
+            <a:lvl5pPr marL="0" indent="0" algn="l" defTabSz="914400" rtl="0" eaLnBrk="1" latinLnBrk="0" hangingPunct="1">
+              <a:lnSpc>
+                <a:spcPct val="100000"/>
+              </a:lnSpc>
+              <a:spcBef>
+                <a:spcPts val="1200"/>
+              </a:spcBef>
+              <a:buFont typeface="Arial"/>
+              <a:buNone/>
+              <a:tabLst/>
+              <a:defRPr sz="1200" i="1" kern="1200">
+                <a:solidFill>
+                  <a:schemeClr val="tx1"/>
+                </a:solidFill>
+                <a:latin typeface="+mj-lt"/>
+                <a:ea typeface="+mn-ea"/>
+                <a:cs typeface="+mn-cs"/>
+              </a:defRPr>
+            </a:lvl5pPr>
+            <a:lvl6pPr marL="2514600" indent="-228600" algn="l" defTabSz="914400" rtl="0" eaLnBrk="1" latinLnBrk="0" hangingPunct="1">
+              <a:lnSpc>
+                <a:spcPct val="90000"/>
+              </a:lnSpc>
+              <a:spcBef>
+                <a:spcPts val="500"/>
+              </a:spcBef>
+              <a:buFont typeface="Arial"/>
+              <a:buChar char="•"/>
+              <a:defRPr sz="1800" kern="1200">
+                <a:solidFill>
+                  <a:schemeClr val="tx1"/>
+                </a:solidFill>
+                <a:latin typeface="+mn-lt"/>
+                <a:ea typeface="+mn-ea"/>
+                <a:cs typeface="+mn-cs"/>
+              </a:defRPr>
+            </a:lvl6pPr>
+            <a:lvl7pPr marL="2971800" indent="-228600" algn="l" defTabSz="914400" rtl="0" eaLnBrk="1" latinLnBrk="0" hangingPunct="1">
+              <a:lnSpc>
+                <a:spcPct val="90000"/>
+              </a:lnSpc>
+              <a:spcBef>
+                <a:spcPts val="500"/>
+              </a:spcBef>
+              <a:buFont typeface="Arial"/>
+              <a:buChar char="•"/>
+              <a:defRPr sz="1800" kern="1200">
+                <a:solidFill>
+                  <a:schemeClr val="tx1"/>
+                </a:solidFill>
+                <a:latin typeface="+mn-lt"/>
+                <a:ea typeface="+mn-ea"/>
+                <a:cs typeface="+mn-cs"/>
+              </a:defRPr>
+            </a:lvl7pPr>
+            <a:lvl8pPr marL="3429000" indent="-228600" algn="l" defTabSz="914400" rtl="0" eaLnBrk="1" latinLnBrk="0" hangingPunct="1">
+              <a:lnSpc>
+                <a:spcPct val="90000"/>
+              </a:lnSpc>
+              <a:spcBef>
+                <a:spcPts val="500"/>
+              </a:spcBef>
+              <a:buFont typeface="Arial"/>
+              <a:buChar char="•"/>
+              <a:defRPr sz="1800" kern="1200">
+                <a:solidFill>
+                  <a:schemeClr val="tx1"/>
+                </a:solidFill>
+                <a:latin typeface="+mn-lt"/>
+                <a:ea typeface="+mn-ea"/>
+                <a:cs typeface="+mn-cs"/>
+              </a:defRPr>
+            </a:lvl8pPr>
+            <a:lvl9pPr marL="3886200" indent="-228600" algn="l" defTabSz="914400" rtl="0" eaLnBrk="1" latinLnBrk="0" hangingPunct="1">
+              <a:lnSpc>
+                <a:spcPct val="90000"/>
+              </a:lnSpc>
+              <a:spcBef>
+                <a:spcPts val="500"/>
+              </a:spcBef>
+              <a:buFont typeface="Arial"/>
+              <a:buChar char="•"/>
+              <a:defRPr sz="1800" kern="1200">
+                <a:solidFill>
+                  <a:schemeClr val="tx1"/>
+                </a:solidFill>
+                <a:latin typeface="+mn-lt"/>
+                <a:ea typeface="+mn-ea"/>
+                <a:cs typeface="+mn-cs"/>
+              </a:defRPr>
+            </a:lvl9pPr>
+          </a:lstStyle>
+          <a:p>
+            <a:pPr lvl="3"/>
+            <a:r>
+              <a:rPr lang="en-US" dirty="0" smtClean="0"/>
+              <a:t>Developer Support</a:t>
+            </a:r>
+          </a:p>
+          <a:p>
+            <a:r>
+              <a:rPr lang="en-US" dirty="0"/>
+              <a:t>All services configured and deployed in Dev/Test/Pre-Prod</a:t>
+            </a:r>
+          </a:p>
+          <a:p>
+            <a:r>
+              <a:rPr lang="en-US" dirty="0"/>
+              <a:t>Running Kafka Message Broker</a:t>
+            </a:r>
+          </a:p>
+          <a:p>
+            <a:pPr marL="0" indent="0">
+              <a:buNone/>
+            </a:pPr>
+            <a:endParaRPr lang="en-US" dirty="0" smtClean="0"/>
+          </a:p>
+          <a:p>
+            <a:pPr lvl="1"/>
+            <a:endParaRPr lang="en-US" dirty="0" smtClean="0"/>
+          </a:p>
+          <a:p>
+            <a:pPr lvl="1"/>
+            <a:endParaRPr lang="en-US" dirty="0" smtClean="0"/>
+          </a:p>
+          <a:p>
+            <a:pPr lvl="1"/>
+            <a:endParaRPr lang="en-US" dirty="0" smtClean="0"/>
+          </a:p>
+          <a:p>
+            <a:pPr marL="296863" lvl="1" indent="0">
+              <a:buFont typeface="LucidaGrande" charset="0"/>
+              <a:buNone/>
+            </a:pPr>
+            <a:endParaRPr lang="en-US" dirty="0" smtClean="0"/>
+          </a:p>
+          <a:p>
+            <a:pPr marL="296863" lvl="1" indent="0">
+              <a:buFont typeface="LucidaGrande" charset="0"/>
+              <a:buNone/>
+            </a:pPr>
+            <a:endParaRPr lang="en-US" dirty="0" smtClean="0"/>
+          </a:p>
+          <a:p>
+            <a:pPr lvl="3"/>
+            <a:endParaRPr lang="en-US" dirty="0"/>
+          </a:p>
+        </p:txBody>
+      </p:sp>
+      <p:sp>
+        <p:nvSpPr>
+          <p:cNvPr id="13" name="Content Placeholder 2"/>
+          <p:cNvSpPr txBox="1">
+            <a:spLocks/>
+          </p:cNvSpPr>
+          <p:nvPr/>
+        </p:nvSpPr>
+        <p:spPr>
+          <a:xfrm>
+            <a:off x="5815914" y="3200401"/>
+            <a:ext cx="5737654" cy="3120245"/>
+          </a:xfrm>
+          <a:prstGeom prst="rect">
+            <a:avLst/>
+          </a:prstGeom>
+        </p:spPr>
+        <p:txBody>
+          <a:bodyPr vert="horz" lIns="91440" tIns="45720" rIns="91440" bIns="45720" rtlCol="0">
+            <a:normAutofit/>
+          </a:bodyPr>
+          <a:lstStyle>
+            <a:lvl1pPr marL="285750" indent="-285750" algn="l" defTabSz="914400" rtl="0" eaLnBrk="1" latinLnBrk="0" hangingPunct="1">
+              <a:lnSpc>
+                <a:spcPct val="100000"/>
+              </a:lnSpc>
+              <a:spcBef>
+                <a:spcPts val="600"/>
+              </a:spcBef>
+              <a:spcAft>
+                <a:spcPts val="0"/>
+              </a:spcAft>
+              <a:buFont typeface="Arial" charset="0"/>
+              <a:buChar char="•"/>
+              <a:defRPr sz="1400" i="0" kern="1200" baseline="0">
+                <a:solidFill>
+                  <a:schemeClr val="tx1"/>
+                </a:solidFill>
+                <a:latin typeface="Calibri" charset="0"/>
+                <a:ea typeface="Calibri" charset="0"/>
+                <a:cs typeface="Calibri" charset="0"/>
+              </a:defRPr>
+            </a:lvl1pPr>
+            <a:lvl2pPr marL="576263" indent="-279400" algn="l" defTabSz="914400" rtl="0" eaLnBrk="1" latinLnBrk="0" hangingPunct="1">
+              <a:lnSpc>
+                <a:spcPct val="100000"/>
+              </a:lnSpc>
+              <a:spcBef>
+                <a:spcPts val="0"/>
+              </a:spcBef>
+              <a:spcAft>
+                <a:spcPts val="0"/>
+              </a:spcAft>
+              <a:buFont typeface="LucidaGrande" charset="0"/>
+              <a:buChar char="-"/>
+              <a:tabLst/>
+              <a:defRPr sz="1400" i="0" kern="1200" cap="none" spc="0" baseline="0">
+                <a:solidFill>
+                  <a:schemeClr val="tx1"/>
+                </a:solidFill>
+                <a:latin typeface="Calibri" charset="0"/>
+                <a:ea typeface="Calibri" charset="0"/>
+                <a:cs typeface="Calibri" charset="0"/>
+              </a:defRPr>
+            </a:lvl2pPr>
+            <a:lvl3pPr marL="0" indent="0" algn="l" defTabSz="914400" rtl="0" eaLnBrk="1" latinLnBrk="0" hangingPunct="1">
+              <a:lnSpc>
+                <a:spcPct val="100000"/>
+              </a:lnSpc>
+              <a:spcBef>
+                <a:spcPts val="2400"/>
+              </a:spcBef>
+              <a:spcAft>
+                <a:spcPts val="900"/>
+              </a:spcAft>
+              <a:buFont typeface="Arial"/>
+              <a:buNone/>
+              <a:tabLst/>
+              <a:defRPr sz="1200" i="1" kern="1200">
+                <a:solidFill>
+                  <a:schemeClr val="tx1"/>
+                </a:solidFill>
+                <a:latin typeface="Georgia" charset="0"/>
+                <a:ea typeface="Georgia" charset="0"/>
+                <a:cs typeface="Georgia" charset="0"/>
+              </a:defRPr>
+            </a:lvl3pPr>
+            <a:lvl4pPr marL="15875" indent="0" algn="l" defTabSz="914400" rtl="0" eaLnBrk="1" latinLnBrk="0" hangingPunct="1">
+              <a:lnSpc>
+                <a:spcPct val="100000"/>
+              </a:lnSpc>
+              <a:spcBef>
+                <a:spcPts val="2400"/>
+              </a:spcBef>
+              <a:buFont typeface="LucidaGrande" charset="0"/>
+              <a:buNone/>
+              <a:tabLst/>
+              <a:defRPr sz="1400" kern="1200" cap="all" spc="100" baseline="0">
+                <a:solidFill>
+                  <a:schemeClr val="accent2"/>
+                </a:solidFill>
+                <a:latin typeface="Oswald" charset="0"/>
+                <a:ea typeface="Oswald" charset="0"/>
+                <a:cs typeface="Oswald" charset="0"/>
+              </a:defRPr>
+            </a:lvl4pPr>
+            <a:lvl5pPr marL="0" indent="0" algn="l" defTabSz="914400" rtl="0" eaLnBrk="1" latinLnBrk="0" hangingPunct="1">
+              <a:lnSpc>
+                <a:spcPct val="100000"/>
+              </a:lnSpc>
+              <a:spcBef>
+                <a:spcPts val="1200"/>
+              </a:spcBef>
+              <a:buFont typeface="Arial"/>
+              <a:buNone/>
+              <a:tabLst/>
+              <a:defRPr sz="1200" i="1" kern="1200">
+                <a:solidFill>
+                  <a:schemeClr val="tx1"/>
+                </a:solidFill>
+                <a:latin typeface="+mj-lt"/>
+                <a:ea typeface="+mn-ea"/>
+                <a:cs typeface="+mn-cs"/>
+              </a:defRPr>
+            </a:lvl5pPr>
+            <a:lvl6pPr marL="2514600" indent="-228600" algn="l" defTabSz="914400" rtl="0" eaLnBrk="1" latinLnBrk="0" hangingPunct="1">
+              <a:lnSpc>
+                <a:spcPct val="90000"/>
+              </a:lnSpc>
+              <a:spcBef>
+                <a:spcPts val="500"/>
+              </a:spcBef>
+              <a:buFont typeface="Arial"/>
+              <a:buChar char="•"/>
+              <a:defRPr sz="1800" kern="1200">
+                <a:solidFill>
+                  <a:schemeClr val="tx1"/>
+                </a:solidFill>
+                <a:latin typeface="+mn-lt"/>
+                <a:ea typeface="+mn-ea"/>
+                <a:cs typeface="+mn-cs"/>
+              </a:defRPr>
+            </a:lvl6pPr>
+            <a:lvl7pPr marL="2971800" indent="-228600" algn="l" defTabSz="914400" rtl="0" eaLnBrk="1" latinLnBrk="0" hangingPunct="1">
+              <a:lnSpc>
+                <a:spcPct val="90000"/>
+              </a:lnSpc>
+              <a:spcBef>
+                <a:spcPts val="500"/>
+              </a:spcBef>
+              <a:buFont typeface="Arial"/>
+              <a:buChar char="•"/>
+              <a:defRPr sz="1800" kern="1200">
+                <a:solidFill>
+                  <a:schemeClr val="tx1"/>
+                </a:solidFill>
+                <a:latin typeface="+mn-lt"/>
+                <a:ea typeface="+mn-ea"/>
+                <a:cs typeface="+mn-cs"/>
+              </a:defRPr>
+            </a:lvl7pPr>
+            <a:lvl8pPr marL="3429000" indent="-228600" algn="l" defTabSz="914400" rtl="0" eaLnBrk="1" latinLnBrk="0" hangingPunct="1">
+              <a:lnSpc>
+                <a:spcPct val="90000"/>
+              </a:lnSpc>
+              <a:spcBef>
+                <a:spcPts val="500"/>
+              </a:spcBef>
+              <a:buFont typeface="Arial"/>
+              <a:buChar char="•"/>
+              <a:defRPr sz="1800" kern="1200">
+                <a:solidFill>
+                  <a:schemeClr val="tx1"/>
+                </a:solidFill>
+                <a:latin typeface="+mn-lt"/>
+                <a:ea typeface="+mn-ea"/>
+                <a:cs typeface="+mn-cs"/>
+              </a:defRPr>
+            </a:lvl8pPr>
+            <a:lvl9pPr marL="3886200" indent="-228600" algn="l" defTabSz="914400" rtl="0" eaLnBrk="1" latinLnBrk="0" hangingPunct="1">
+              <a:lnSpc>
+                <a:spcPct val="90000"/>
+              </a:lnSpc>
+              <a:spcBef>
+                <a:spcPts val="500"/>
+              </a:spcBef>
+              <a:buFont typeface="Arial"/>
+              <a:buChar char="•"/>
+              <a:defRPr sz="1800" kern="1200">
+                <a:solidFill>
+                  <a:schemeClr val="tx1"/>
+                </a:solidFill>
+                <a:latin typeface="+mn-lt"/>
+                <a:ea typeface="+mn-ea"/>
+                <a:cs typeface="+mn-cs"/>
+              </a:defRPr>
+            </a:lvl9pPr>
+          </a:lstStyle>
+          <a:p>
+            <a:pPr lvl="3"/>
+            <a:r>
+              <a:rPr lang="en-US" dirty="0" err="1" smtClean="0"/>
+              <a:t>Devops</a:t>
+            </a:r>
+            <a:endParaRPr lang="en-US" dirty="0" smtClean="0"/>
+          </a:p>
+          <a:p>
+            <a:r>
+              <a:rPr lang="en-US" dirty="0"/>
+              <a:t>Pipeline Status Dashboards per user Role (in Jenkins)</a:t>
+            </a:r>
+          </a:p>
+          <a:p>
+            <a:r>
+              <a:rPr lang="en-US" dirty="0"/>
+              <a:t>Service Status Dashboard (ELK Stack)</a:t>
+            </a:r>
+          </a:p>
+          <a:p>
+            <a:r>
+              <a:rPr lang="en-US" dirty="0"/>
+              <a:t>Service templates for Spring and </a:t>
+            </a:r>
+            <a:r>
+              <a:rPr lang="en-US" dirty="0" err="1"/>
+              <a:t>NodeJS</a:t>
+            </a:r>
+            <a:r>
+              <a:rPr lang="en-US" dirty="0"/>
+              <a:t>/Angular </a:t>
+            </a:r>
+            <a:r>
+              <a:rPr lang="en-US" dirty="0" smtClean="0"/>
+              <a:t>services</a:t>
+            </a:r>
+          </a:p>
+          <a:p>
+            <a:r>
+              <a:rPr lang="en-US" dirty="0" smtClean="0"/>
+              <a:t> Demo </a:t>
+            </a:r>
+            <a:r>
+              <a:rPr lang="en-US" dirty="0"/>
+              <a:t>creating of a new service)</a:t>
+            </a:r>
+          </a:p>
+          <a:p>
+            <a:r>
+              <a:rPr lang="en-US" dirty="0"/>
+              <a:t>Pipeline Development Status Dashboard</a:t>
+            </a:r>
+          </a:p>
+          <a:p>
+            <a:r>
+              <a:rPr lang="en-US" dirty="0"/>
+              <a:t>Microservice Production Readiness Dashboard</a:t>
+            </a:r>
+            <a:endParaRPr lang="en-US" dirty="0" smtClean="0"/>
+          </a:p>
+          <a:p>
+            <a:pPr lvl="1"/>
+            <a:endParaRPr lang="en-US" dirty="0" smtClean="0"/>
+          </a:p>
+          <a:p>
+            <a:pPr lvl="1"/>
+            <a:endParaRPr lang="en-US" dirty="0" smtClean="0"/>
+          </a:p>
+          <a:p>
+            <a:pPr lvl="1"/>
+            <a:endParaRPr lang="en-US" dirty="0" smtClean="0"/>
+          </a:p>
+          <a:p>
+            <a:pPr marL="296863" lvl="1" indent="0">
+              <a:buFont typeface="LucidaGrande" charset="0"/>
+              <a:buNone/>
+            </a:pPr>
+            <a:endParaRPr lang="en-US" dirty="0" smtClean="0"/>
+          </a:p>
+          <a:p>
+            <a:pPr marL="296863" lvl="1" indent="0">
+              <a:buFont typeface="LucidaGrande" charset="0"/>
+              <a:buNone/>
+            </a:pPr>
+            <a:endParaRPr lang="en-US" dirty="0" smtClean="0"/>
+          </a:p>
+          <a:p>
+            <a:pPr lvl="3"/>
+            <a:endParaRPr lang="en-US" dirty="0"/>
+          </a:p>
+        </p:txBody>
+      </p:sp>
+      <p:sp>
+        <p:nvSpPr>
+          <p:cNvPr id="14" name="Content Placeholder 2"/>
+          <p:cNvSpPr txBox="1">
+            <a:spLocks/>
+          </p:cNvSpPr>
+          <p:nvPr/>
+        </p:nvSpPr>
+        <p:spPr>
+          <a:xfrm>
+            <a:off x="1318054" y="1598141"/>
+            <a:ext cx="4497860" cy="1602260"/>
+          </a:xfrm>
+          <a:prstGeom prst="rect">
+            <a:avLst/>
+          </a:prstGeom>
+        </p:spPr>
+        <p:txBody>
+          <a:bodyPr vert="horz" lIns="91440" tIns="45720" rIns="91440" bIns="45720" rtlCol="0">
+            <a:normAutofit/>
+          </a:bodyPr>
+          <a:lstStyle>
+            <a:lvl1pPr marL="285750" indent="-285750" algn="l" defTabSz="914400" rtl="0" eaLnBrk="1" latinLnBrk="0" hangingPunct="1">
+              <a:lnSpc>
+                <a:spcPct val="100000"/>
+              </a:lnSpc>
+              <a:spcBef>
+                <a:spcPts val="600"/>
+              </a:spcBef>
+              <a:spcAft>
+                <a:spcPts val="0"/>
+              </a:spcAft>
+              <a:buFont typeface="Arial" charset="0"/>
+              <a:buChar char="•"/>
+              <a:defRPr sz="1400" i="0" kern="1200" baseline="0">
+                <a:solidFill>
+                  <a:schemeClr val="tx1"/>
+                </a:solidFill>
+                <a:latin typeface="Calibri" charset="0"/>
+                <a:ea typeface="Calibri" charset="0"/>
+                <a:cs typeface="Calibri" charset="0"/>
+              </a:defRPr>
+            </a:lvl1pPr>
+            <a:lvl2pPr marL="576263" indent="-279400" algn="l" defTabSz="914400" rtl="0" eaLnBrk="1" latinLnBrk="0" hangingPunct="1">
+              <a:lnSpc>
+                <a:spcPct val="100000"/>
+              </a:lnSpc>
+              <a:spcBef>
+                <a:spcPts val="0"/>
+              </a:spcBef>
+              <a:spcAft>
+                <a:spcPts val="0"/>
+              </a:spcAft>
+              <a:buFont typeface="LucidaGrande" charset="0"/>
+              <a:buChar char="-"/>
+              <a:tabLst/>
+              <a:defRPr sz="1400" i="0" kern="1200" cap="none" spc="0" baseline="0">
+                <a:solidFill>
+                  <a:schemeClr val="tx1"/>
+                </a:solidFill>
+                <a:latin typeface="Calibri" charset="0"/>
+                <a:ea typeface="Calibri" charset="0"/>
+                <a:cs typeface="Calibri" charset="0"/>
+              </a:defRPr>
+            </a:lvl2pPr>
+            <a:lvl3pPr marL="0" indent="0" algn="l" defTabSz="914400" rtl="0" eaLnBrk="1" latinLnBrk="0" hangingPunct="1">
+              <a:lnSpc>
+                <a:spcPct val="100000"/>
+              </a:lnSpc>
+              <a:spcBef>
+                <a:spcPts val="2400"/>
+              </a:spcBef>
+              <a:spcAft>
+                <a:spcPts val="900"/>
+              </a:spcAft>
+              <a:buFont typeface="Arial"/>
+              <a:buNone/>
+              <a:tabLst/>
+              <a:defRPr sz="1200" i="1" kern="1200">
+                <a:solidFill>
+                  <a:schemeClr val="tx1"/>
+                </a:solidFill>
+                <a:latin typeface="Georgia" charset="0"/>
+                <a:ea typeface="Georgia" charset="0"/>
+                <a:cs typeface="Georgia" charset="0"/>
+              </a:defRPr>
+            </a:lvl3pPr>
+            <a:lvl4pPr marL="15875" indent="0" algn="l" defTabSz="914400" rtl="0" eaLnBrk="1" latinLnBrk="0" hangingPunct="1">
+              <a:lnSpc>
+                <a:spcPct val="100000"/>
+              </a:lnSpc>
+              <a:spcBef>
+                <a:spcPts val="2400"/>
+              </a:spcBef>
+              <a:buFont typeface="LucidaGrande" charset="0"/>
+              <a:buNone/>
+              <a:tabLst/>
+              <a:defRPr sz="1400" kern="1200" cap="all" spc="100" baseline="0">
+                <a:solidFill>
+                  <a:schemeClr val="accent2"/>
+                </a:solidFill>
+                <a:latin typeface="Oswald" charset="0"/>
+                <a:ea typeface="Oswald" charset="0"/>
+                <a:cs typeface="Oswald" charset="0"/>
+              </a:defRPr>
+            </a:lvl4pPr>
+            <a:lvl5pPr marL="0" indent="0" algn="l" defTabSz="914400" rtl="0" eaLnBrk="1" latinLnBrk="0" hangingPunct="1">
+              <a:lnSpc>
+                <a:spcPct val="100000"/>
+              </a:lnSpc>
+              <a:spcBef>
+                <a:spcPts val="1200"/>
+              </a:spcBef>
+              <a:buFont typeface="Arial"/>
+              <a:buNone/>
+              <a:tabLst/>
+              <a:defRPr sz="1200" i="1" kern="1200">
+                <a:solidFill>
+                  <a:schemeClr val="tx1"/>
+                </a:solidFill>
+                <a:latin typeface="+mj-lt"/>
+                <a:ea typeface="+mn-ea"/>
+                <a:cs typeface="+mn-cs"/>
+              </a:defRPr>
+            </a:lvl5pPr>
+            <a:lvl6pPr marL="2514600" indent="-228600" algn="l" defTabSz="914400" rtl="0" eaLnBrk="1" latinLnBrk="0" hangingPunct="1">
+              <a:lnSpc>
+                <a:spcPct val="90000"/>
+              </a:lnSpc>
+              <a:spcBef>
+                <a:spcPts val="500"/>
+              </a:spcBef>
+              <a:buFont typeface="Arial"/>
+              <a:buChar char="•"/>
+              <a:defRPr sz="1800" kern="1200">
+                <a:solidFill>
+                  <a:schemeClr val="tx1"/>
+                </a:solidFill>
+                <a:latin typeface="+mn-lt"/>
+                <a:ea typeface="+mn-ea"/>
+                <a:cs typeface="+mn-cs"/>
+              </a:defRPr>
+            </a:lvl6pPr>
+            <a:lvl7pPr marL="2971800" indent="-228600" algn="l" defTabSz="914400" rtl="0" eaLnBrk="1" latinLnBrk="0" hangingPunct="1">
+              <a:lnSpc>
+                <a:spcPct val="90000"/>
+              </a:lnSpc>
+              <a:spcBef>
+                <a:spcPts val="500"/>
+              </a:spcBef>
+              <a:buFont typeface="Arial"/>
+              <a:buChar char="•"/>
+              <a:defRPr sz="1800" kern="1200">
+                <a:solidFill>
+                  <a:schemeClr val="tx1"/>
+                </a:solidFill>
+                <a:latin typeface="+mn-lt"/>
+                <a:ea typeface="+mn-ea"/>
+                <a:cs typeface="+mn-cs"/>
+              </a:defRPr>
+            </a:lvl7pPr>
+            <a:lvl8pPr marL="3429000" indent="-228600" algn="l" defTabSz="914400" rtl="0" eaLnBrk="1" latinLnBrk="0" hangingPunct="1">
+              <a:lnSpc>
+                <a:spcPct val="90000"/>
+              </a:lnSpc>
+              <a:spcBef>
+                <a:spcPts val="500"/>
+              </a:spcBef>
+              <a:buFont typeface="Arial"/>
+              <a:buChar char="•"/>
+              <a:defRPr sz="1800" kern="1200">
+                <a:solidFill>
+                  <a:schemeClr val="tx1"/>
+                </a:solidFill>
+                <a:latin typeface="+mn-lt"/>
+                <a:ea typeface="+mn-ea"/>
+                <a:cs typeface="+mn-cs"/>
+              </a:defRPr>
+            </a:lvl8pPr>
+            <a:lvl9pPr marL="3886200" indent="-228600" algn="l" defTabSz="914400" rtl="0" eaLnBrk="1" latinLnBrk="0" hangingPunct="1">
+              <a:lnSpc>
+                <a:spcPct val="90000"/>
+              </a:lnSpc>
+              <a:spcBef>
+                <a:spcPts val="500"/>
+              </a:spcBef>
+              <a:buFont typeface="Arial"/>
+              <a:buChar char="•"/>
+              <a:defRPr sz="1800" kern="1200">
+                <a:solidFill>
+                  <a:schemeClr val="tx1"/>
+                </a:solidFill>
+                <a:latin typeface="+mn-lt"/>
+                <a:ea typeface="+mn-ea"/>
+                <a:cs typeface="+mn-cs"/>
+              </a:defRPr>
+            </a:lvl9pPr>
+          </a:lstStyle>
+          <a:p>
+            <a:pPr lvl="3"/>
+            <a:r>
+              <a:rPr lang="en-US" dirty="0" smtClean="0"/>
+              <a:t>Infrastructure</a:t>
+            </a:r>
+          </a:p>
+          <a:p>
+            <a:r>
+              <a:rPr lang="en-US" dirty="0"/>
+              <a:t>Jenkins Users</a:t>
+            </a:r>
+          </a:p>
+          <a:p>
+            <a:r>
+              <a:rPr lang="en-US" dirty="0" err="1"/>
+              <a:t>OpenShift</a:t>
+            </a:r>
+            <a:r>
+              <a:rPr lang="en-US" dirty="0"/>
+              <a:t> Users</a:t>
+            </a:r>
+          </a:p>
+          <a:p>
+            <a:r>
+              <a:rPr lang="en-US" dirty="0"/>
+              <a:t>ELK Stack for Logging/Monitoring</a:t>
+            </a:r>
+            <a:endParaRPr lang="en-US" dirty="0" smtClean="0"/>
+          </a:p>
+          <a:p>
+            <a:pPr lvl="1"/>
+            <a:endParaRPr lang="en-US" dirty="0" smtClean="0"/>
+          </a:p>
+          <a:p>
+            <a:pPr lvl="1"/>
+            <a:endParaRPr lang="en-US" dirty="0" smtClean="0"/>
+          </a:p>
+          <a:p>
+            <a:pPr lvl="1"/>
+            <a:endParaRPr lang="en-US" dirty="0" smtClean="0"/>
+          </a:p>
+          <a:p>
+            <a:pPr marL="296863" lvl="1" indent="0">
+              <a:buFont typeface="LucidaGrande" charset="0"/>
+              <a:buNone/>
+            </a:pPr>
+            <a:endParaRPr lang="en-US" dirty="0" smtClean="0"/>
+          </a:p>
+          <a:p>
+            <a:pPr marL="296863" lvl="1" indent="0">
+              <a:buFont typeface="LucidaGrande" charset="0"/>
+              <a:buNone/>
+            </a:pPr>
+            <a:endParaRPr lang="en-US" dirty="0" smtClean="0"/>
+          </a:p>
+          <a:p>
+            <a:pPr lvl="3"/>
+            <a:endParaRPr lang="en-US" dirty="0"/>
+          </a:p>
+        </p:txBody>
+      </p:sp>
+      <p:sp>
+        <p:nvSpPr>
+          <p:cNvPr id="15" name="Content Placeholder 2"/>
+          <p:cNvSpPr txBox="1">
+            <a:spLocks/>
+          </p:cNvSpPr>
+          <p:nvPr/>
+        </p:nvSpPr>
+        <p:spPr>
+          <a:xfrm>
+            <a:off x="1318054" y="3200401"/>
+            <a:ext cx="4497860" cy="3120246"/>
+          </a:xfrm>
+          <a:prstGeom prst="rect">
+            <a:avLst/>
+          </a:prstGeom>
+        </p:spPr>
+        <p:txBody>
+          <a:bodyPr vert="horz" lIns="91440" tIns="45720" rIns="91440" bIns="45720" rtlCol="0">
+            <a:normAutofit/>
+          </a:bodyPr>
+          <a:lstStyle>
+            <a:lvl1pPr marL="285750" indent="-285750" algn="l" defTabSz="914400" rtl="0" eaLnBrk="1" latinLnBrk="0" hangingPunct="1">
+              <a:lnSpc>
+                <a:spcPct val="100000"/>
+              </a:lnSpc>
+              <a:spcBef>
+                <a:spcPts val="600"/>
+              </a:spcBef>
+              <a:spcAft>
+                <a:spcPts val="0"/>
+              </a:spcAft>
+              <a:buFont typeface="Arial" charset="0"/>
+              <a:buChar char="•"/>
+              <a:defRPr sz="1400" i="0" kern="1200" baseline="0">
+                <a:solidFill>
+                  <a:schemeClr val="tx1"/>
+                </a:solidFill>
+                <a:latin typeface="Calibri" charset="0"/>
+                <a:ea typeface="Calibri" charset="0"/>
+                <a:cs typeface="Calibri" charset="0"/>
+              </a:defRPr>
+            </a:lvl1pPr>
+            <a:lvl2pPr marL="576263" indent="-279400" algn="l" defTabSz="914400" rtl="0" eaLnBrk="1" latinLnBrk="0" hangingPunct="1">
+              <a:lnSpc>
+                <a:spcPct val="100000"/>
+              </a:lnSpc>
+              <a:spcBef>
+                <a:spcPts val="0"/>
+              </a:spcBef>
+              <a:spcAft>
+                <a:spcPts val="0"/>
+              </a:spcAft>
+              <a:buFont typeface="LucidaGrande" charset="0"/>
+              <a:buChar char="-"/>
+              <a:tabLst/>
+              <a:defRPr sz="1400" i="0" kern="1200" cap="none" spc="0" baseline="0">
+                <a:solidFill>
+                  <a:schemeClr val="tx1"/>
+                </a:solidFill>
+                <a:latin typeface="Calibri" charset="0"/>
+                <a:ea typeface="Calibri" charset="0"/>
+                <a:cs typeface="Calibri" charset="0"/>
+              </a:defRPr>
+            </a:lvl2pPr>
+            <a:lvl3pPr marL="0" indent="0" algn="l" defTabSz="914400" rtl="0" eaLnBrk="1" latinLnBrk="0" hangingPunct="1">
+              <a:lnSpc>
+                <a:spcPct val="100000"/>
+              </a:lnSpc>
+              <a:spcBef>
+                <a:spcPts val="2400"/>
+              </a:spcBef>
+              <a:spcAft>
+                <a:spcPts val="900"/>
+              </a:spcAft>
+              <a:buFont typeface="Arial"/>
+              <a:buNone/>
+              <a:tabLst/>
+              <a:defRPr sz="1200" i="1" kern="1200">
+                <a:solidFill>
+                  <a:schemeClr val="tx1"/>
+                </a:solidFill>
+                <a:latin typeface="Georgia" charset="0"/>
+                <a:ea typeface="Georgia" charset="0"/>
+                <a:cs typeface="Georgia" charset="0"/>
+              </a:defRPr>
+            </a:lvl3pPr>
+            <a:lvl4pPr marL="15875" indent="0" algn="l" defTabSz="914400" rtl="0" eaLnBrk="1" latinLnBrk="0" hangingPunct="1">
+              <a:lnSpc>
+                <a:spcPct val="100000"/>
+              </a:lnSpc>
+              <a:spcBef>
+                <a:spcPts val="2400"/>
+              </a:spcBef>
+              <a:buFont typeface="LucidaGrande" charset="0"/>
+              <a:buNone/>
+              <a:tabLst/>
+              <a:defRPr sz="1400" kern="1200" cap="all" spc="100" baseline="0">
+                <a:solidFill>
+                  <a:schemeClr val="accent2"/>
+                </a:solidFill>
+                <a:latin typeface="Oswald" charset="0"/>
+                <a:ea typeface="Oswald" charset="0"/>
+                <a:cs typeface="Oswald" charset="0"/>
+              </a:defRPr>
+            </a:lvl4pPr>
+            <a:lvl5pPr marL="0" indent="0" algn="l" defTabSz="914400" rtl="0" eaLnBrk="1" latinLnBrk="0" hangingPunct="1">
+              <a:lnSpc>
+                <a:spcPct val="100000"/>
+              </a:lnSpc>
+              <a:spcBef>
+                <a:spcPts val="1200"/>
+              </a:spcBef>
+              <a:buFont typeface="Arial"/>
+              <a:buNone/>
+              <a:tabLst/>
+              <a:defRPr sz="1200" i="1" kern="1200">
+                <a:solidFill>
+                  <a:schemeClr val="tx1"/>
+                </a:solidFill>
+                <a:latin typeface="+mj-lt"/>
+                <a:ea typeface="+mn-ea"/>
+                <a:cs typeface="+mn-cs"/>
+              </a:defRPr>
+            </a:lvl5pPr>
+            <a:lvl6pPr marL="2514600" indent="-228600" algn="l" defTabSz="914400" rtl="0" eaLnBrk="1" latinLnBrk="0" hangingPunct="1">
+              <a:lnSpc>
+                <a:spcPct val="90000"/>
+              </a:lnSpc>
+              <a:spcBef>
+                <a:spcPts val="500"/>
+              </a:spcBef>
+              <a:buFont typeface="Arial"/>
+              <a:buChar char="•"/>
+              <a:defRPr sz="1800" kern="1200">
+                <a:solidFill>
+                  <a:schemeClr val="tx1"/>
+                </a:solidFill>
+                <a:latin typeface="+mn-lt"/>
+                <a:ea typeface="+mn-ea"/>
+                <a:cs typeface="+mn-cs"/>
+              </a:defRPr>
+            </a:lvl6pPr>
+            <a:lvl7pPr marL="2971800" indent="-228600" algn="l" defTabSz="914400" rtl="0" eaLnBrk="1" latinLnBrk="0" hangingPunct="1">
+              <a:lnSpc>
+                <a:spcPct val="90000"/>
+              </a:lnSpc>
+              <a:spcBef>
+                <a:spcPts val="500"/>
+              </a:spcBef>
+              <a:buFont typeface="Arial"/>
+              <a:buChar char="•"/>
+              <a:defRPr sz="1800" kern="1200">
+                <a:solidFill>
+                  <a:schemeClr val="tx1"/>
+                </a:solidFill>
+                <a:latin typeface="+mn-lt"/>
+                <a:ea typeface="+mn-ea"/>
+                <a:cs typeface="+mn-cs"/>
+              </a:defRPr>
+            </a:lvl7pPr>
+            <a:lvl8pPr marL="3429000" indent="-228600" algn="l" defTabSz="914400" rtl="0" eaLnBrk="1" latinLnBrk="0" hangingPunct="1">
+              <a:lnSpc>
+                <a:spcPct val="90000"/>
+              </a:lnSpc>
+              <a:spcBef>
+                <a:spcPts val="500"/>
+              </a:spcBef>
+              <a:buFont typeface="Arial"/>
+              <a:buChar char="•"/>
+              <a:defRPr sz="1800" kern="1200">
+                <a:solidFill>
+                  <a:schemeClr val="tx1"/>
+                </a:solidFill>
+                <a:latin typeface="+mn-lt"/>
+                <a:ea typeface="+mn-ea"/>
+                <a:cs typeface="+mn-cs"/>
+              </a:defRPr>
+            </a:lvl8pPr>
+            <a:lvl9pPr marL="3886200" indent="-228600" algn="l" defTabSz="914400" rtl="0" eaLnBrk="1" latinLnBrk="0" hangingPunct="1">
+              <a:lnSpc>
+                <a:spcPct val="90000"/>
+              </a:lnSpc>
+              <a:spcBef>
+                <a:spcPts val="500"/>
+              </a:spcBef>
+              <a:buFont typeface="Arial"/>
+              <a:buChar char="•"/>
+              <a:defRPr sz="1800" kern="1200">
+                <a:solidFill>
+                  <a:schemeClr val="tx1"/>
+                </a:solidFill>
+                <a:latin typeface="+mn-lt"/>
+                <a:ea typeface="+mn-ea"/>
+                <a:cs typeface="+mn-cs"/>
+              </a:defRPr>
+            </a:lvl9pPr>
+          </a:lstStyle>
+          <a:p>
+            <a:pPr lvl="3"/>
+            <a:r>
+              <a:rPr lang="en-US" dirty="0" smtClean="0"/>
+              <a:t>Pipeline</a:t>
+            </a:r>
+          </a:p>
+          <a:p>
+            <a:r>
+              <a:rPr lang="en-US" dirty="0"/>
+              <a:t>Dev/Test/Pre-Prod Pipeline Deployment</a:t>
+            </a:r>
+          </a:p>
+          <a:p>
+            <a:r>
+              <a:rPr lang="en-US" dirty="0"/>
+              <a:t>Test Stages</a:t>
+            </a:r>
+            <a:r>
+              <a:rPr lang="en-US" dirty="0" smtClean="0"/>
+              <a:t>:</a:t>
+            </a:r>
+          </a:p>
+          <a:p>
+            <a:pPr lvl="1"/>
+            <a:r>
+              <a:rPr lang="en-US" dirty="0" smtClean="0"/>
+              <a:t>Unit</a:t>
+            </a:r>
+          </a:p>
+          <a:p>
+            <a:pPr lvl="1"/>
+            <a:r>
+              <a:rPr lang="en-US" dirty="0" smtClean="0"/>
+              <a:t>Lint</a:t>
+            </a:r>
+          </a:p>
+          <a:p>
+            <a:pPr lvl="1"/>
+            <a:r>
+              <a:rPr lang="en-US" dirty="0" smtClean="0"/>
+              <a:t>Coverage</a:t>
+            </a:r>
+          </a:p>
+          <a:p>
+            <a:pPr lvl="1"/>
+            <a:r>
+              <a:rPr lang="en-US" dirty="0" smtClean="0"/>
+              <a:t>Functional</a:t>
+            </a:r>
+          </a:p>
+          <a:p>
+            <a:pPr lvl="1"/>
+            <a:r>
+              <a:rPr lang="en-US" dirty="0" smtClean="0"/>
+              <a:t>UI </a:t>
+            </a:r>
+            <a:r>
+              <a:rPr lang="en-US" dirty="0"/>
+              <a:t>Tests</a:t>
+            </a:r>
+          </a:p>
+          <a:p>
+            <a:r>
+              <a:rPr lang="en-US" dirty="0"/>
+              <a:t>Security Stages: </a:t>
+            </a:r>
+            <a:endParaRPr lang="en-US" dirty="0" smtClean="0"/>
+          </a:p>
+          <a:p>
+            <a:pPr lvl="1"/>
+            <a:r>
+              <a:rPr lang="en-US" dirty="0" smtClean="0"/>
+              <a:t>Code Scan</a:t>
+            </a:r>
+          </a:p>
+          <a:p>
+            <a:pPr lvl="1"/>
+            <a:r>
+              <a:rPr lang="en-US" dirty="0" smtClean="0"/>
+              <a:t>Container </a:t>
+            </a:r>
+            <a:r>
+              <a:rPr lang="en-US" dirty="0"/>
+              <a:t>Image </a:t>
+            </a:r>
+            <a:r>
+              <a:rPr lang="en-US" dirty="0" smtClean="0"/>
+              <a:t>Scan</a:t>
+            </a:r>
+          </a:p>
+          <a:p>
+            <a:pPr lvl="1"/>
+            <a:r>
+              <a:rPr lang="en-US" dirty="0" smtClean="0"/>
+              <a:t>End </a:t>
+            </a:r>
+            <a:r>
+              <a:rPr lang="en-US" dirty="0"/>
+              <a:t>Point Tests</a:t>
+            </a:r>
+            <a:endParaRPr lang="en-US" dirty="0" smtClean="0"/>
+          </a:p>
+          <a:p>
+            <a:pPr lvl="1"/>
+            <a:endParaRPr lang="en-US" dirty="0" smtClean="0"/>
+          </a:p>
+          <a:p>
+            <a:pPr lvl="1"/>
+            <a:endParaRPr lang="en-US" dirty="0" smtClean="0"/>
+          </a:p>
+          <a:p>
+            <a:pPr lvl="1"/>
+            <a:endParaRPr lang="en-US" dirty="0" smtClean="0"/>
+          </a:p>
+          <a:p>
+            <a:pPr marL="296863" lvl="1" indent="0">
+              <a:buFont typeface="LucidaGrande" charset="0"/>
+              <a:buNone/>
+            </a:pPr>
+            <a:endParaRPr lang="en-US" dirty="0" smtClean="0"/>
+          </a:p>
+          <a:p>
+            <a:pPr marL="296863" lvl="1" indent="0">
+              <a:buFont typeface="LucidaGrande" charset="0"/>
+              <a:buNone/>
+            </a:pPr>
+            <a:endParaRPr lang="en-US" dirty="0" smtClean="0"/>
+          </a:p>
+          <a:p>
+            <a:pPr lvl="3"/>
+            <a:endParaRPr lang="en-US" dirty="0"/>
+          </a:p>
+        </p:txBody>
+      </p:sp>
+    </p:spTree>
+    <p:extLst>
+      <p:ext uri="{BB962C8B-B14F-4D97-AF65-F5344CB8AC3E}">
+        <p14:creationId xmlns:p14="http://schemas.microsoft.com/office/powerpoint/2010/main" val="725870948"/>
       </p:ext>
     </p:extLst>
   </p:cSld>

--- a/DevopsWorkstream.pptx
+++ b/DevopsWorkstream.pptx
@@ -7,10 +7,10 @@
     <p:sldMasterId id="2147483820" r:id="rId3"/>
   </p:sldMasterIdLst>
   <p:notesMasterIdLst>
-    <p:notesMasterId r:id="rId18"/>
+    <p:notesMasterId r:id="rId21"/>
   </p:notesMasterIdLst>
   <p:handoutMasterIdLst>
-    <p:handoutMasterId r:id="rId19"/>
+    <p:handoutMasterId r:id="rId22"/>
   </p:handoutMasterIdLst>
   <p:sldIdLst>
     <p:sldId id="683" r:id="rId4"/>
@@ -27,6 +27,9 @@
     <p:sldId id="727" r:id="rId15"/>
     <p:sldId id="728" r:id="rId16"/>
     <p:sldId id="730" r:id="rId17"/>
+    <p:sldId id="732" r:id="rId18"/>
+    <p:sldId id="733" r:id="rId19"/>
+    <p:sldId id="734" r:id="rId20"/>
   </p:sldIdLst>
   <p:sldSz cx="12192000" cy="6858000"/>
   <p:notesSz cx="6858000" cy="9144000"/>
@@ -218,7 +221,7 @@
           <a:p>
             <a:fld id="{03327CA6-12BA-4E25-8D0C-D0BF47BEA956}" type="datetimeFigureOut">
               <a:rPr lang="en-US" smtClean="0"/>
-              <a:t>4/21/2017</a:t>
+              <a:t>5/15/2017</a:t>
             </a:fld>
             <a:endParaRPr lang="en-US"/>
           </a:p>
@@ -383,7 +386,7 @@
           <a:p>
             <a:fld id="{0ADA80A5-7BB0-734F-8C27-B1DC0FB7F823}" type="datetimeFigureOut">
               <a:rPr lang="en-US" smtClean="0"/>
-              <a:t>4/21/2017</a:t>
+              <a:t>5/15/2017</a:t>
             </a:fld>
             <a:endParaRPr lang="en-US"/>
           </a:p>
@@ -447,38 +450,37 @@
           <a:p>
             <a:pPr lvl="0"/>
             <a:r>
-              <a:rPr lang="en-US" smtClean="0"/>
+              <a:rPr lang="en-US"/>
               <a:t>Click to edit Master text styles</a:t>
             </a:r>
           </a:p>
           <a:p>
             <a:pPr lvl="1"/>
             <a:r>
-              <a:rPr lang="en-US" smtClean="0"/>
+              <a:rPr lang="en-US"/>
               <a:t>Second level</a:t>
             </a:r>
           </a:p>
           <a:p>
             <a:pPr lvl="2"/>
             <a:r>
-              <a:rPr lang="en-US" smtClean="0"/>
+              <a:rPr lang="en-US"/>
               <a:t>Third level</a:t>
             </a:r>
           </a:p>
           <a:p>
             <a:pPr lvl="3"/>
             <a:r>
-              <a:rPr lang="en-US" smtClean="0"/>
+              <a:rPr lang="en-US"/>
               <a:t>Fourth level</a:t>
             </a:r>
           </a:p>
           <a:p>
             <a:pPr lvl="4"/>
             <a:r>
-              <a:rPr lang="en-US" smtClean="0"/>
+              <a:rPr lang="en-US"/>
               <a:t>Fifth level</a:t>
             </a:r>
-            <a:endParaRPr lang="en-US"/>
           </a:p>
         </p:txBody>
       </p:sp>
@@ -753,10 +755,9 @@
           <a:lstStyle/>
           <a:p>
             <a:r>
-              <a:rPr lang="en-US" smtClean="0"/>
+              <a:rPr lang="en-US"/>
               <a:t>Click icon to add picture</a:t>
             </a:r>
-            <a:endParaRPr lang="en-US"/>
           </a:p>
         </p:txBody>
       </p:sp>
@@ -794,18 +795,13 @@
           </a:lstStyle>
           <a:p>
             <a:r>
-              <a:rPr lang="en-US" sz="7000" spc="300" dirty="0" smtClean="0">
+              <a:rPr lang="en-US" sz="7000" spc="300" dirty="0">
                 <a:solidFill>
                   <a:schemeClr val="bg1"/>
                 </a:solidFill>
               </a:rPr>
               <a:t>Click to Edit Title</a:t>
             </a:r>
-            <a:endParaRPr lang="en-US" sz="7000" spc="300" dirty="0">
-              <a:solidFill>
-                <a:schemeClr val="bg1"/>
-              </a:solidFill>
-            </a:endParaRPr>
           </a:p>
         </p:txBody>
       </p:sp>
@@ -876,7 +872,7 @@
           </a:lstStyle>
           <a:p>
             <a:r>
-              <a:rPr lang="en-US" smtClean="0"/>
+              <a:rPr lang="en-US"/>
               <a:t>Click to edit Master subtitle style</a:t>
             </a:r>
             <a:endParaRPr lang="en-US" dirty="0"/>
@@ -959,7 +955,7 @@
           <a:p>
             <a:pPr lvl="0"/>
             <a:r>
-              <a:rPr lang="en-US" dirty="0" smtClean="0"/>
+              <a:rPr lang="en-US" dirty="0"/>
               <a:t>Month Year</a:t>
             </a:r>
           </a:p>
@@ -1031,13 +1027,6 @@
   <p:clrMapOvr>
     <a:masterClrMapping/>
   </p:clrMapOvr>
-  <p:timing>
-    <p:tnLst>
-      <p:par>
-        <p:cTn id="1" dur="indefinite" restart="never" nodeType="tmRoot"/>
-      </p:par>
-    </p:tnLst>
-  </p:timing>
 </p:sldLayout>
 </file>
 
@@ -1092,7 +1081,7 @@
           <a:p>
             <a:pPr lvl="0"/>
             <a:r>
-              <a:rPr lang="en-US" smtClean="0"/>
+              <a:rPr lang="en-US"/>
               <a:t>Edit Master text styles</a:t>
             </a:r>
           </a:p>
@@ -1114,10 +1103,9 @@
           <a:lstStyle/>
           <a:p>
             <a:r>
-              <a:rPr lang="en-US" dirty="0" smtClean="0"/>
+              <a:rPr lang="en-US" dirty="0"/>
               <a:t>Agenda</a:t>
             </a:r>
-            <a:endParaRPr lang="en-US" dirty="0"/>
           </a:p>
         </p:txBody>
       </p:sp>
@@ -1145,10 +1133,9 @@
           <a:lstStyle/>
           <a:p>
             <a:r>
-              <a:rPr lang="en-US" smtClean="0"/>
+              <a:rPr lang="en-US"/>
               <a:t>Click icon to add picture</a:t>
             </a:r>
-            <a:endParaRPr lang="en-US"/>
           </a:p>
         </p:txBody>
       </p:sp>
@@ -1229,7 +1216,7 @@
           </a:lstStyle>
           <a:p>
             <a:r>
-              <a:rPr lang="en-US" smtClean="0"/>
+              <a:rPr lang="en-US"/>
               <a:t>This document is confidential and intended solely for the client to whom it is addressed.</a:t>
             </a:r>
             <a:endParaRPr lang="en-US" dirty="0"/>
@@ -1322,14 +1309,14 @@
           <a:p>
             <a:pPr lvl="0"/>
             <a:r>
-              <a:rPr lang="en-US" dirty="0" smtClean="0"/>
+              <a:rPr lang="en-US" dirty="0"/>
               <a:t>Section goes here</a:t>
             </a:r>
           </a:p>
           <a:p>
             <a:pPr lvl="1"/>
             <a:r>
-              <a:rPr lang="en-US" dirty="0" smtClean="0"/>
+              <a:rPr lang="en-US" dirty="0"/>
               <a:t>Mini topic goes here</a:t>
             </a:r>
           </a:p>
@@ -1355,10 +1342,9 @@
           </a:lstStyle>
           <a:p>
             <a:r>
-              <a:rPr lang="en-US" dirty="0" smtClean="0"/>
+              <a:rPr lang="en-US" dirty="0"/>
               <a:t>Table of contents</a:t>
             </a:r>
-            <a:endParaRPr lang="en-US" dirty="0"/>
           </a:p>
         </p:txBody>
       </p:sp>
@@ -1386,10 +1372,9 @@
           <a:lstStyle/>
           <a:p>
             <a:r>
-              <a:rPr lang="en-US" smtClean="0"/>
+              <a:rPr lang="en-US"/>
               <a:t>Click icon to add picture</a:t>
             </a:r>
-            <a:endParaRPr lang="en-US"/>
           </a:p>
         </p:txBody>
       </p:sp>
@@ -1470,7 +1455,7 @@
           </a:lstStyle>
           <a:p>
             <a:r>
-              <a:rPr lang="en-US" smtClean="0"/>
+              <a:rPr lang="en-US"/>
               <a:t>This document is confidential and intended solely for the client to whom it is addressed.</a:t>
             </a:r>
             <a:endParaRPr lang="en-US" dirty="0"/>
@@ -1522,10 +1507,9 @@
           </a:lstStyle>
           <a:p>
             <a:r>
-              <a:rPr lang="en-US" dirty="0" smtClean="0"/>
+              <a:rPr lang="en-US" dirty="0"/>
               <a:t>Thank you</a:t>
             </a:r>
-            <a:endParaRPr lang="en-US" dirty="0"/>
           </a:p>
         </p:txBody>
       </p:sp>
@@ -1585,7 +1569,7 @@
           <a:p>
             <a:pPr lvl="0"/>
             <a:r>
-              <a:rPr lang="en-US" dirty="0" smtClean="0"/>
+              <a:rPr lang="en-US" dirty="0"/>
               <a:t>For more information about XXX, contact…</a:t>
             </a:r>
           </a:p>
@@ -1616,10 +1600,9 @@
           <a:lstStyle/>
           <a:p>
             <a:r>
-              <a:rPr lang="en-US" smtClean="0"/>
+              <a:rPr lang="en-US"/>
               <a:t>Click icon to add picture</a:t>
             </a:r>
-            <a:endParaRPr lang="en-US"/>
           </a:p>
         </p:txBody>
       </p:sp>
@@ -1682,35 +1665,35 @@
           <a:p>
             <a:pPr lvl="0"/>
             <a:r>
-              <a:rPr lang="en-US" dirty="0" smtClean="0"/>
+              <a:rPr lang="en-US" dirty="0"/>
               <a:t>FIRST LASTNAME</a:t>
             </a:r>
           </a:p>
           <a:p>
             <a:pPr lvl="1"/>
             <a:r>
-              <a:rPr lang="en-US" dirty="0" smtClean="0"/>
+              <a:rPr lang="en-US" dirty="0"/>
               <a:t>Title Second Level</a:t>
             </a:r>
           </a:p>
           <a:p>
             <a:pPr lvl="1"/>
             <a:r>
-              <a:rPr lang="en-US" dirty="0" smtClean="0"/>
+              <a:rPr lang="en-US" dirty="0"/>
               <a:t>Title Second Level</a:t>
             </a:r>
           </a:p>
           <a:p>
             <a:pPr lvl="1"/>
             <a:r>
-              <a:rPr lang="en-US" dirty="0" smtClean="0"/>
+              <a:rPr lang="en-US" dirty="0"/>
               <a:t>Email Second Level</a:t>
             </a:r>
           </a:p>
           <a:p>
             <a:pPr lvl="1"/>
             <a:r>
-              <a:rPr lang="en-US" dirty="0" smtClean="0"/>
+              <a:rPr lang="en-US" dirty="0"/>
               <a:t>Phone Second Level</a:t>
             </a:r>
           </a:p>
@@ -1741,10 +1724,9 @@
           <a:lstStyle/>
           <a:p>
             <a:r>
-              <a:rPr lang="en-US" smtClean="0"/>
+              <a:rPr lang="en-US"/>
               <a:t>Click icon to add picture</a:t>
             </a:r>
-            <a:endParaRPr lang="en-US"/>
           </a:p>
         </p:txBody>
       </p:sp>
@@ -1769,10 +1751,9 @@
           <a:lstStyle/>
           <a:p>
             <a:r>
-              <a:rPr lang="en-US" smtClean="0"/>
+              <a:rPr lang="en-US"/>
               <a:t>Click icon to add picture</a:t>
             </a:r>
-            <a:endParaRPr lang="en-US"/>
           </a:p>
         </p:txBody>
       </p:sp>
@@ -1797,10 +1778,9 @@
           <a:lstStyle/>
           <a:p>
             <a:r>
-              <a:rPr lang="en-US" smtClean="0"/>
+              <a:rPr lang="en-US"/>
               <a:t>Click icon to add picture</a:t>
             </a:r>
-            <a:endParaRPr lang="en-US"/>
           </a:p>
         </p:txBody>
       </p:sp>
@@ -1836,10 +1816,9 @@
           <a:p>
             <a:pPr lvl="0"/>
             <a:r>
-              <a:rPr lang="en-US" dirty="0" smtClean="0"/>
+              <a:rPr lang="en-US" dirty="0"/>
               <a:t>BOOZALLEN.COM/CAPABILITY</a:t>
             </a:r>
-            <a:endParaRPr lang="en-US" dirty="0"/>
           </a:p>
         </p:txBody>
       </p:sp>
@@ -1902,35 +1881,35 @@
           <a:p>
             <a:pPr lvl="0"/>
             <a:r>
-              <a:rPr lang="en-US" dirty="0" smtClean="0"/>
+              <a:rPr lang="en-US" dirty="0"/>
               <a:t>FIRST LASTNAME</a:t>
             </a:r>
           </a:p>
           <a:p>
             <a:pPr lvl="1"/>
             <a:r>
-              <a:rPr lang="en-US" dirty="0" smtClean="0"/>
+              <a:rPr lang="en-US" dirty="0"/>
               <a:t>Title Second Level</a:t>
             </a:r>
           </a:p>
           <a:p>
             <a:pPr lvl="1"/>
             <a:r>
-              <a:rPr lang="en-US" dirty="0" smtClean="0"/>
+              <a:rPr lang="en-US" dirty="0"/>
               <a:t>Title Second Level</a:t>
             </a:r>
           </a:p>
           <a:p>
             <a:pPr lvl="1"/>
             <a:r>
-              <a:rPr lang="en-US" dirty="0" smtClean="0"/>
+              <a:rPr lang="en-US" dirty="0"/>
               <a:t>Email Second Level</a:t>
             </a:r>
           </a:p>
           <a:p>
             <a:pPr lvl="1"/>
             <a:r>
-              <a:rPr lang="en-US" dirty="0" smtClean="0"/>
+              <a:rPr lang="en-US" dirty="0"/>
               <a:t>Phone Second Level</a:t>
             </a:r>
           </a:p>
@@ -1999,35 +1978,35 @@
           <a:p>
             <a:pPr lvl="0"/>
             <a:r>
-              <a:rPr lang="en-US" dirty="0" smtClean="0"/>
+              <a:rPr lang="en-US" dirty="0"/>
               <a:t>FIRST LASTNAME</a:t>
             </a:r>
           </a:p>
           <a:p>
             <a:pPr lvl="1"/>
             <a:r>
-              <a:rPr lang="en-US" dirty="0" smtClean="0"/>
+              <a:rPr lang="en-US" dirty="0"/>
               <a:t>Title Second Level</a:t>
             </a:r>
           </a:p>
           <a:p>
             <a:pPr lvl="1"/>
             <a:r>
-              <a:rPr lang="en-US" dirty="0" smtClean="0"/>
+              <a:rPr lang="en-US" dirty="0"/>
               <a:t>Title Second Level</a:t>
             </a:r>
           </a:p>
           <a:p>
             <a:pPr lvl="1"/>
             <a:r>
-              <a:rPr lang="en-US" dirty="0" smtClean="0"/>
+              <a:rPr lang="en-US" dirty="0"/>
               <a:t>Email Second Level</a:t>
             </a:r>
           </a:p>
           <a:p>
             <a:pPr lvl="1"/>
             <a:r>
-              <a:rPr lang="en-US" dirty="0" smtClean="0"/>
+              <a:rPr lang="en-US" dirty="0"/>
               <a:t>Phone Second Level</a:t>
             </a:r>
           </a:p>
@@ -2096,35 +2075,35 @@
           <a:p>
             <a:pPr lvl="0"/>
             <a:r>
-              <a:rPr lang="en-US" dirty="0" smtClean="0"/>
+              <a:rPr lang="en-US" dirty="0"/>
               <a:t>FIRST LASTNAME</a:t>
             </a:r>
           </a:p>
           <a:p>
             <a:pPr lvl="1"/>
             <a:r>
-              <a:rPr lang="en-US" dirty="0" smtClean="0"/>
+              <a:rPr lang="en-US" dirty="0"/>
               <a:t>Title Second Level</a:t>
             </a:r>
           </a:p>
           <a:p>
             <a:pPr lvl="1"/>
             <a:r>
-              <a:rPr lang="en-US" dirty="0" smtClean="0"/>
+              <a:rPr lang="en-US" dirty="0"/>
               <a:t>Title Second Level</a:t>
             </a:r>
           </a:p>
           <a:p>
             <a:pPr lvl="1"/>
             <a:r>
-              <a:rPr lang="en-US" dirty="0" smtClean="0"/>
+              <a:rPr lang="en-US" dirty="0"/>
               <a:t>Email Second Level</a:t>
             </a:r>
           </a:p>
           <a:p>
             <a:pPr lvl="1"/>
             <a:r>
-              <a:rPr lang="en-US" dirty="0" smtClean="0"/>
+              <a:rPr lang="en-US" dirty="0"/>
               <a:t>Phone Second Level</a:t>
             </a:r>
           </a:p>
@@ -2158,10 +2137,9 @@
           <a:lstStyle/>
           <a:p>
             <a:r>
-              <a:rPr lang="en-US" smtClean="0"/>
+              <a:rPr lang="en-US"/>
               <a:t>Click icon to add picture</a:t>
             </a:r>
-            <a:endParaRPr lang="en-US"/>
           </a:p>
         </p:txBody>
       </p:sp>
@@ -2242,7 +2220,7 @@
           </a:lstStyle>
           <a:p>
             <a:r>
-              <a:rPr lang="en-US" smtClean="0"/>
+              <a:rPr lang="en-US"/>
               <a:t>This document is confidential and intended solely for the client to whom it is addressed.</a:t>
             </a:r>
             <a:endParaRPr lang="en-US" dirty="0"/>
@@ -2360,7 +2338,7 @@
           </a:lstStyle>
           <a:p>
             <a:r>
-              <a:rPr lang="en-US" smtClean="0"/>
+              <a:rPr lang="en-US"/>
               <a:t>Click to edit Master title style</a:t>
             </a:r>
             <a:endParaRPr lang="en-US" dirty="0"/>
@@ -2411,17 +2389,16 @@
           <a:p>
             <a:pPr lvl="0"/>
             <a:r>
-              <a:rPr lang="en-US" dirty="0" smtClean="0"/>
+              <a:rPr lang="en-US" dirty="0"/>
               <a:t>SUBHEAD GOES HERE</a:t>
             </a:r>
           </a:p>
           <a:p>
             <a:pPr lvl="1"/>
             <a:r>
-              <a:rPr lang="en-US" dirty="0" smtClean="0"/>
+              <a:rPr lang="en-US" dirty="0"/>
               <a:t>Level 1 text goes here to explain the charts or infographics</a:t>
             </a:r>
-            <a:endParaRPr lang="en-US" dirty="0"/>
           </a:p>
         </p:txBody>
       </p:sp>
@@ -2461,7 +2438,7 @@
           <a:p>
             <a:pPr lvl="0"/>
             <a:r>
-              <a:rPr lang="en-US" dirty="0" smtClean="0"/>
+              <a:rPr lang="en-US" dirty="0"/>
               <a:t>Level 5 is a footnote or a place for source information.</a:t>
             </a:r>
           </a:p>
@@ -2488,10 +2465,9 @@
           <a:lstStyle/>
           <a:p>
             <a:r>
-              <a:rPr lang="en-US" smtClean="0"/>
+              <a:rPr lang="en-US"/>
               <a:t>Click icon to add chart</a:t>
             </a:r>
-            <a:endParaRPr lang="en-US"/>
           </a:p>
         </p:txBody>
       </p:sp>
@@ -2516,10 +2492,9 @@
           <a:lstStyle/>
           <a:p>
             <a:r>
-              <a:rPr lang="en-US" smtClean="0"/>
+              <a:rPr lang="en-US"/>
               <a:t>Click icon to add chart</a:t>
             </a:r>
-            <a:endParaRPr lang="en-US"/>
           </a:p>
         </p:txBody>
       </p:sp>
@@ -2544,10 +2519,9 @@
           <a:lstStyle/>
           <a:p>
             <a:r>
-              <a:rPr lang="en-US" smtClean="0"/>
+              <a:rPr lang="en-US"/>
               <a:t>Click icon to add chart</a:t>
             </a:r>
-            <a:endParaRPr lang="en-US"/>
           </a:p>
         </p:txBody>
       </p:sp>
@@ -2572,10 +2546,9 @@
           <a:lstStyle/>
           <a:p>
             <a:r>
-              <a:rPr lang="en-US" smtClean="0"/>
+              <a:rPr lang="en-US"/>
               <a:t>Click icon to add chart</a:t>
             </a:r>
-            <a:endParaRPr lang="en-US"/>
           </a:p>
         </p:txBody>
       </p:sp>
@@ -2656,7 +2629,7 @@
           </a:lstStyle>
           <a:p>
             <a:r>
-              <a:rPr lang="en-US" smtClean="0"/>
+              <a:rPr lang="en-US"/>
               <a:t>This document is confidential and intended solely for the client to whom it is addressed.</a:t>
             </a:r>
             <a:endParaRPr lang="en-US" dirty="0"/>
@@ -2774,7 +2747,7 @@
           </a:lstStyle>
           <a:p>
             <a:r>
-              <a:rPr lang="en-US" smtClean="0"/>
+              <a:rPr lang="en-US"/>
               <a:t>Click to edit Master title style</a:t>
             </a:r>
             <a:endParaRPr lang="en-US" dirty="0"/>
@@ -2825,17 +2798,16 @@
           <a:p>
             <a:pPr lvl="0"/>
             <a:r>
-              <a:rPr lang="en-US" dirty="0" smtClean="0"/>
+              <a:rPr lang="en-US" dirty="0"/>
               <a:t>SUBHEAD GOES HERE</a:t>
             </a:r>
           </a:p>
           <a:p>
             <a:pPr lvl="1"/>
             <a:r>
-              <a:rPr lang="en-US" dirty="0" smtClean="0"/>
+              <a:rPr lang="en-US" dirty="0"/>
               <a:t>Level 1 text goes here to explain the charts or infographics</a:t>
             </a:r>
-            <a:endParaRPr lang="en-US" dirty="0"/>
           </a:p>
         </p:txBody>
       </p:sp>
@@ -2916,7 +2888,7 @@
           </a:lstStyle>
           <a:p>
             <a:r>
-              <a:rPr lang="en-US" smtClean="0"/>
+              <a:rPr lang="en-US"/>
               <a:t>This document is confidential and intended solely for the client to whom it is addressed.</a:t>
             </a:r>
             <a:endParaRPr lang="en-US" dirty="0"/>
@@ -2972,10 +2944,9 @@
           <a:lstStyle/>
           <a:p>
             <a:r>
-              <a:rPr lang="en-US" smtClean="0"/>
+              <a:rPr lang="en-US"/>
               <a:t>Click icon to add picture</a:t>
             </a:r>
-            <a:endParaRPr lang="en-US"/>
           </a:p>
         </p:txBody>
       </p:sp>
@@ -3068,7 +3039,7 @@
               <a:defRPr/>
             </a:pPr>
             <a:r>
-              <a:rPr lang="en-US" dirty="0" smtClean="0"/>
+              <a:rPr lang="en-US" dirty="0"/>
               <a:t>PULL QUOTE GOES HERE. USE A SPOT color TO CALL OUT CERTAIN WORDS. PULL QUOTE GOES HERE. USE A SPOT color TO CALL OUT CERTAIN WORDS. PULL QUOTE GOES HERE. USE A SPOT color TO CALL OUT CERTAIN WORDS. </a:t>
             </a:r>
           </a:p>
@@ -3151,7 +3122,7 @@
           </a:lstStyle>
           <a:p>
             <a:r>
-              <a:rPr lang="en-US" smtClean="0"/>
+              <a:rPr lang="en-US"/>
               <a:t>This document is confidential and intended solely for the client to whom it is addressed.</a:t>
             </a:r>
             <a:endParaRPr lang="en-US" dirty="0"/>
@@ -3207,10 +3178,9 @@
           <a:lstStyle/>
           <a:p>
             <a:r>
-              <a:rPr lang="en-US" smtClean="0"/>
+              <a:rPr lang="en-US"/>
               <a:t>Click icon to add picture</a:t>
             </a:r>
-            <a:endParaRPr lang="en-US"/>
           </a:p>
         </p:txBody>
       </p:sp>
@@ -3310,7 +3280,7 @@
               <a:defRPr/>
             </a:pPr>
             <a:r>
-              <a:rPr lang="en-US" dirty="0" smtClean="0"/>
+              <a:rPr lang="en-US" dirty="0"/>
               <a:t>LEVEL 1 TITLE</a:t>
             </a:r>
           </a:p>
@@ -3333,14 +3303,14 @@
               <a:defRPr/>
             </a:pPr>
             <a:r>
-              <a:rPr lang="en-US" dirty="0" smtClean="0"/>
+              <a:rPr lang="en-US" dirty="0"/>
               <a:t>“Pull quote goes here. All text should be white. Pull quote goes here. All text should be white. Pull quote goes here. </a:t>
             </a:r>
             <a:br>
-              <a:rPr lang="en-US" dirty="0" smtClean="0"/>
+              <a:rPr lang="en-US" dirty="0"/>
             </a:br>
             <a:r>
-              <a:rPr lang="en-US" dirty="0" smtClean="0"/>
+              <a:rPr lang="en-US" dirty="0"/>
               <a:t>All text should be white.”</a:t>
             </a:r>
           </a:p>
@@ -3363,7 +3333,7 @@
               <a:defRPr/>
             </a:pPr>
             <a:r>
-              <a:rPr lang="en-US" dirty="0" smtClean="0"/>
+              <a:rPr lang="en-US" dirty="0"/>
               <a:t>PERSON BEING QUOTED</a:t>
             </a:r>
           </a:p>
@@ -3446,7 +3416,7 @@
           </a:lstStyle>
           <a:p>
             <a:r>
-              <a:rPr lang="en-US" smtClean="0"/>
+              <a:rPr lang="en-US"/>
               <a:t>This document is confidential and intended solely for the client to whom it is addressed.</a:t>
             </a:r>
             <a:endParaRPr lang="en-US" dirty="0"/>
@@ -3549,10 +3519,9 @@
           </a:lstStyle>
           <a:p>
             <a:r>
-              <a:rPr lang="en-US" dirty="0" smtClean="0"/>
+              <a:rPr lang="en-US" dirty="0"/>
               <a:t>Section Heading</a:t>
             </a:r>
-            <a:endParaRPr lang="en-US" dirty="0"/>
           </a:p>
         </p:txBody>
       </p:sp>
@@ -3601,10 +3570,9 @@
           <a:lstStyle/>
           <a:p>
             <a:r>
-              <a:rPr lang="en-US" smtClean="0"/>
+              <a:rPr lang="en-US"/>
               <a:t>This document is confidential and intended solely for the client to whom it is addressed.</a:t>
             </a:r>
-            <a:endParaRPr lang="en-US"/>
           </a:p>
         </p:txBody>
       </p:sp>
@@ -3757,7 +3725,7 @@
           <a:p>
             <a:pPr lvl="0"/>
             <a:r>
-              <a:rPr lang="en-US" dirty="0" smtClean="0"/>
+              <a:rPr lang="en-US" dirty="0"/>
               <a:t>Optional subhead goes here</a:t>
             </a:r>
           </a:p>
@@ -3855,10 +3823,9 @@
           <a:lstStyle/>
           <a:p>
             <a:r>
-              <a:rPr lang="en-US" smtClean="0"/>
+              <a:rPr lang="en-US"/>
               <a:t>Click to edit Master title style</a:t>
             </a:r>
-            <a:endParaRPr lang="en-US"/>
           </a:p>
         </p:txBody>
       </p:sp>
@@ -3879,38 +3846,37 @@
           <a:p>
             <a:pPr lvl="0"/>
             <a:r>
-              <a:rPr lang="en-US" dirty="0" smtClean="0"/>
+              <a:rPr lang="en-US" dirty="0"/>
               <a:t>Level 1 text. Bullet is optional and may be removed. Click “indent more” to access additional type styles.</a:t>
             </a:r>
           </a:p>
           <a:p>
             <a:pPr lvl="1"/>
             <a:r>
-              <a:rPr lang="en-US" dirty="0" smtClean="0"/>
+              <a:rPr lang="en-US" dirty="0"/>
               <a:t>Level 2 nested bullet</a:t>
             </a:r>
           </a:p>
           <a:p>
             <a:pPr lvl="2"/>
             <a:r>
-              <a:rPr lang="en-US" dirty="0" smtClean="0"/>
+              <a:rPr lang="en-US" dirty="0"/>
               <a:t>Third level optional descriptive paragraph</a:t>
             </a:r>
           </a:p>
           <a:p>
             <a:pPr lvl="3"/>
             <a:r>
-              <a:rPr lang="en-US" dirty="0" smtClean="0"/>
+              <a:rPr lang="en-US" dirty="0"/>
               <a:t>Fourth level optional subhead</a:t>
             </a:r>
           </a:p>
           <a:p>
             <a:pPr lvl="4"/>
             <a:r>
-              <a:rPr lang="en-US" dirty="0" smtClean="0"/>
+              <a:rPr lang="en-US" dirty="0"/>
               <a:t>Fifth level source info</a:t>
             </a:r>
-            <a:endParaRPr lang="en-US" dirty="0"/>
           </a:p>
         </p:txBody>
       </p:sp>
@@ -3982,10 +3948,9 @@
           </a:lstStyle>
           <a:p>
             <a:r>
-              <a:rPr lang="en-US" smtClean="0"/>
+              <a:rPr lang="en-US"/>
               <a:t>This document is confidential and intended solely for the client to whom it is addressed.</a:t>
             </a:r>
-            <a:endParaRPr lang="en-US"/>
           </a:p>
         </p:txBody>
       </p:sp>
@@ -4070,10 +4035,9 @@
           <a:lstStyle/>
           <a:p>
             <a:r>
-              <a:rPr lang="en-US" smtClean="0"/>
+              <a:rPr lang="en-US"/>
               <a:t>Click to edit Master title style</a:t>
             </a:r>
-            <a:endParaRPr lang="en-US"/>
           </a:p>
         </p:txBody>
       </p:sp>
@@ -4099,38 +4063,37 @@
           <a:p>
             <a:pPr lvl="0"/>
             <a:r>
-              <a:rPr lang="en-US" dirty="0" smtClean="0"/>
+              <a:rPr lang="en-US" dirty="0"/>
               <a:t>Level 1 text. Bullet is optional and may be removed. Click “indent more” to access additional type styles.</a:t>
             </a:r>
           </a:p>
           <a:p>
             <a:pPr lvl="1"/>
             <a:r>
-              <a:rPr lang="en-US" dirty="0" smtClean="0"/>
+              <a:rPr lang="en-US" dirty="0"/>
               <a:t>Level 2 nested bullet</a:t>
             </a:r>
           </a:p>
           <a:p>
             <a:pPr lvl="2"/>
             <a:r>
-              <a:rPr lang="en-US" dirty="0" smtClean="0"/>
+              <a:rPr lang="en-US" dirty="0"/>
               <a:t>Third level optional descriptive paragraph</a:t>
             </a:r>
           </a:p>
           <a:p>
             <a:pPr lvl="3"/>
             <a:r>
-              <a:rPr lang="en-US" dirty="0" smtClean="0"/>
+              <a:rPr lang="en-US" dirty="0"/>
               <a:t>Fourth level optional subhead</a:t>
             </a:r>
           </a:p>
           <a:p>
             <a:pPr lvl="4"/>
             <a:r>
-              <a:rPr lang="en-US" dirty="0" smtClean="0"/>
+              <a:rPr lang="en-US" dirty="0"/>
               <a:t>Fifth level source info</a:t>
             </a:r>
-            <a:endParaRPr lang="en-US" dirty="0"/>
           </a:p>
         </p:txBody>
       </p:sp>
@@ -4156,38 +4119,37 @@
           <a:p>
             <a:pPr lvl="0"/>
             <a:r>
-              <a:rPr lang="en-US" dirty="0" smtClean="0"/>
+              <a:rPr lang="en-US" dirty="0"/>
               <a:t>Level 1 text. Bullet is optional and may be removed. Click “indent more” to access additional type styles.</a:t>
             </a:r>
           </a:p>
           <a:p>
             <a:pPr lvl="1"/>
             <a:r>
-              <a:rPr lang="en-US" dirty="0" smtClean="0"/>
+              <a:rPr lang="en-US" dirty="0"/>
               <a:t>Level 2 nested bullet</a:t>
             </a:r>
           </a:p>
           <a:p>
             <a:pPr lvl="2"/>
             <a:r>
-              <a:rPr lang="en-US" dirty="0" smtClean="0"/>
+              <a:rPr lang="en-US" dirty="0"/>
               <a:t>Third level optional descriptive paragraph</a:t>
             </a:r>
           </a:p>
           <a:p>
             <a:pPr lvl="3"/>
             <a:r>
-              <a:rPr lang="en-US" dirty="0" smtClean="0"/>
+              <a:rPr lang="en-US" dirty="0"/>
               <a:t>Fourth level optional subhead</a:t>
             </a:r>
           </a:p>
           <a:p>
             <a:pPr lvl="4"/>
             <a:r>
-              <a:rPr lang="en-US" dirty="0" smtClean="0"/>
+              <a:rPr lang="en-US" dirty="0"/>
               <a:t>Fifth level source info</a:t>
             </a:r>
-            <a:endParaRPr lang="en-US" dirty="0"/>
           </a:p>
         </p:txBody>
       </p:sp>
@@ -4259,10 +4221,9 @@
           </a:lstStyle>
           <a:p>
             <a:r>
-              <a:rPr lang="en-US" smtClean="0"/>
+              <a:rPr lang="en-US"/>
               <a:t>This document is confidential and intended solely for the client to whom it is addressed.</a:t>
             </a:r>
-            <a:endParaRPr lang="en-US"/>
           </a:p>
         </p:txBody>
       </p:sp>
@@ -4411,10 +4372,9 @@
           <a:lstStyle/>
           <a:p>
             <a:r>
-              <a:rPr lang="en-US" smtClean="0"/>
+              <a:rPr lang="en-US"/>
               <a:t>Click icon to add picture</a:t>
             </a:r>
-            <a:endParaRPr lang="en-US"/>
           </a:p>
         </p:txBody>
       </p:sp>
@@ -4452,18 +4412,13 @@
           </a:lstStyle>
           <a:p>
             <a:r>
-              <a:rPr lang="en-US" sz="7000" spc="300" dirty="0" smtClean="0">
+              <a:rPr lang="en-US" sz="7000" spc="300" dirty="0">
                 <a:solidFill>
                   <a:schemeClr val="bg1"/>
                 </a:solidFill>
               </a:rPr>
               <a:t>Click to Edit Title</a:t>
             </a:r>
-            <a:endParaRPr lang="en-US" sz="7000" spc="300" dirty="0">
-              <a:solidFill>
-                <a:schemeClr val="bg1"/>
-              </a:solidFill>
-            </a:endParaRPr>
           </a:p>
         </p:txBody>
       </p:sp>
@@ -4534,7 +4489,7 @@
           </a:lstStyle>
           <a:p>
             <a:r>
-              <a:rPr lang="en-US" smtClean="0"/>
+              <a:rPr lang="en-US"/>
               <a:t>Click to edit Master subtitle style</a:t>
             </a:r>
             <a:endParaRPr lang="en-US" dirty="0"/>
@@ -4617,7 +4572,7 @@
           <a:p>
             <a:pPr lvl="0"/>
             <a:r>
-              <a:rPr lang="en-US" dirty="0" smtClean="0"/>
+              <a:rPr lang="en-US" dirty="0"/>
               <a:t>Month Year</a:t>
             </a:r>
           </a:p>
@@ -4649,18 +4604,13 @@
           <a:p>
             <a:pPr algn="ctr"/>
             <a:r>
-              <a:rPr lang="en-US" sz="750" cap="all" spc="100" smtClean="0">
+              <a:rPr lang="en-US" sz="750" cap="all" spc="100">
                 <a:solidFill>
                   <a:schemeClr val="bg1"/>
                 </a:solidFill>
               </a:rPr>
               <a:t>Booz Allen Hamilton internal</a:t>
             </a:r>
-            <a:endParaRPr lang="en-US" sz="750" cap="all" spc="100">
-              <a:solidFill>
-                <a:schemeClr val="bg1"/>
-              </a:solidFill>
-            </a:endParaRPr>
           </a:p>
         </p:txBody>
       </p:sp>
@@ -4730,13 +4680,6 @@
   <p:clrMapOvr>
     <a:masterClrMapping/>
   </p:clrMapOvr>
-  <p:timing>
-    <p:tnLst>
-      <p:par>
-        <p:cTn id="1" dur="indefinite" restart="never" nodeType="tmRoot"/>
-      </p:par>
-    </p:tnLst>
-  </p:timing>
 </p:sldLayout>
 </file>
 
@@ -4773,10 +4716,9 @@
           <a:lstStyle/>
           <a:p>
             <a:r>
-              <a:rPr lang="en-US" smtClean="0"/>
+              <a:rPr lang="en-US"/>
               <a:t>Click to edit Master title style</a:t>
             </a:r>
-            <a:endParaRPr lang="en-US"/>
           </a:p>
         </p:txBody>
       </p:sp>
@@ -4802,38 +4744,37 @@
           <a:p>
             <a:pPr lvl="0"/>
             <a:r>
-              <a:rPr lang="en-US" dirty="0" smtClean="0"/>
+              <a:rPr lang="en-US" dirty="0"/>
               <a:t>Level 1 text. Bullet is optional and may be removed. Click “indent more” to access additional type styles.</a:t>
             </a:r>
           </a:p>
           <a:p>
             <a:pPr lvl="1"/>
             <a:r>
-              <a:rPr lang="en-US" dirty="0" smtClean="0"/>
+              <a:rPr lang="en-US" dirty="0"/>
               <a:t>Level 2 nested bullet</a:t>
             </a:r>
           </a:p>
           <a:p>
             <a:pPr lvl="2"/>
             <a:r>
-              <a:rPr lang="en-US" dirty="0" smtClean="0"/>
+              <a:rPr lang="en-US" dirty="0"/>
               <a:t>Third level optional descriptive paragraph</a:t>
             </a:r>
           </a:p>
           <a:p>
             <a:pPr lvl="3"/>
             <a:r>
-              <a:rPr lang="en-US" dirty="0" smtClean="0"/>
+              <a:rPr lang="en-US" dirty="0"/>
               <a:t>Fourth level optional subhead</a:t>
             </a:r>
           </a:p>
           <a:p>
             <a:pPr lvl="4"/>
             <a:r>
-              <a:rPr lang="en-US" dirty="0" smtClean="0"/>
+              <a:rPr lang="en-US" dirty="0"/>
               <a:t>Fifth level source info</a:t>
             </a:r>
-            <a:endParaRPr lang="en-US" dirty="0"/>
           </a:p>
         </p:txBody>
       </p:sp>
@@ -4859,38 +4800,37 @@
           <a:p>
             <a:pPr lvl="0"/>
             <a:r>
-              <a:rPr lang="en-US" dirty="0" smtClean="0"/>
+              <a:rPr lang="en-US" dirty="0"/>
               <a:t>Level 1 text. Bullet is optional and may be removed. Click “indent more” to access additional type styles.</a:t>
             </a:r>
           </a:p>
           <a:p>
             <a:pPr lvl="1"/>
             <a:r>
-              <a:rPr lang="en-US" dirty="0" smtClean="0"/>
+              <a:rPr lang="en-US" dirty="0"/>
               <a:t>Level 2 nested bullet</a:t>
             </a:r>
           </a:p>
           <a:p>
             <a:pPr lvl="2"/>
             <a:r>
-              <a:rPr lang="en-US" dirty="0" smtClean="0"/>
+              <a:rPr lang="en-US" dirty="0"/>
               <a:t>Third level optional descriptive paragraph</a:t>
             </a:r>
           </a:p>
           <a:p>
             <a:pPr lvl="3"/>
             <a:r>
-              <a:rPr lang="en-US" dirty="0" smtClean="0"/>
+              <a:rPr lang="en-US" dirty="0"/>
               <a:t>Fourth level optional subhead</a:t>
             </a:r>
           </a:p>
           <a:p>
             <a:pPr lvl="4"/>
             <a:r>
-              <a:rPr lang="en-US" dirty="0" smtClean="0"/>
+              <a:rPr lang="en-US" dirty="0"/>
               <a:t>Fifth level source info</a:t>
             </a:r>
-            <a:endParaRPr lang="en-US" dirty="0"/>
           </a:p>
         </p:txBody>
       </p:sp>
@@ -4916,38 +4856,37 @@
           <a:p>
             <a:pPr lvl="0"/>
             <a:r>
-              <a:rPr lang="en-US" dirty="0" smtClean="0"/>
+              <a:rPr lang="en-US" dirty="0"/>
               <a:t>Level 1 text. Bullet is optional and may be removed. Click “indent more” to access additional type styles.</a:t>
             </a:r>
           </a:p>
           <a:p>
             <a:pPr lvl="1"/>
             <a:r>
-              <a:rPr lang="en-US" dirty="0" smtClean="0"/>
+              <a:rPr lang="en-US" dirty="0"/>
               <a:t>Level 2 nested bullet</a:t>
             </a:r>
           </a:p>
           <a:p>
             <a:pPr lvl="2"/>
             <a:r>
-              <a:rPr lang="en-US" dirty="0" smtClean="0"/>
+              <a:rPr lang="en-US" dirty="0"/>
               <a:t>Third level optional descriptive paragraph</a:t>
             </a:r>
           </a:p>
           <a:p>
             <a:pPr lvl="3"/>
             <a:r>
-              <a:rPr lang="en-US" dirty="0" smtClean="0"/>
+              <a:rPr lang="en-US" dirty="0"/>
               <a:t>Fourth level optional subhead</a:t>
             </a:r>
           </a:p>
           <a:p>
             <a:pPr lvl="4"/>
             <a:r>
-              <a:rPr lang="en-US" dirty="0" smtClean="0"/>
+              <a:rPr lang="en-US" dirty="0"/>
               <a:t>Fifth level source info</a:t>
             </a:r>
-            <a:endParaRPr lang="en-US" dirty="0"/>
           </a:p>
         </p:txBody>
       </p:sp>
@@ -5019,10 +4958,9 @@
           </a:lstStyle>
           <a:p>
             <a:r>
-              <a:rPr lang="en-US" smtClean="0"/>
+              <a:rPr lang="en-US"/>
               <a:t>This document is confidential and intended solely for the client to whom it is addressed.</a:t>
             </a:r>
-            <a:endParaRPr lang="en-US"/>
           </a:p>
         </p:txBody>
       </p:sp>
@@ -5102,10 +5040,9 @@
           <a:lstStyle/>
           <a:p>
             <a:r>
-              <a:rPr lang="en-US" smtClean="0"/>
+              <a:rPr lang="en-US"/>
               <a:t>Click to edit Master title style</a:t>
             </a:r>
-            <a:endParaRPr lang="en-US"/>
           </a:p>
         </p:txBody>
       </p:sp>
@@ -5131,38 +5068,37 @@
           <a:p>
             <a:pPr lvl="0"/>
             <a:r>
-              <a:rPr lang="en-US" dirty="0" smtClean="0"/>
+              <a:rPr lang="en-US" dirty="0"/>
               <a:t>Level 1 text. Bullet is optional and may be removed. Click “indent more” to access additional type styles.</a:t>
             </a:r>
           </a:p>
           <a:p>
             <a:pPr lvl="1"/>
             <a:r>
-              <a:rPr lang="en-US" dirty="0" smtClean="0"/>
+              <a:rPr lang="en-US" dirty="0"/>
               <a:t>Level 2 nested bullet</a:t>
             </a:r>
           </a:p>
           <a:p>
             <a:pPr lvl="2"/>
             <a:r>
-              <a:rPr lang="en-US" dirty="0" smtClean="0"/>
+              <a:rPr lang="en-US" dirty="0"/>
               <a:t>Third level optional descriptive paragraph</a:t>
             </a:r>
           </a:p>
           <a:p>
             <a:pPr lvl="3"/>
             <a:r>
-              <a:rPr lang="en-US" dirty="0" smtClean="0"/>
+              <a:rPr lang="en-US" dirty="0"/>
               <a:t>Fourth level optional subhead</a:t>
             </a:r>
           </a:p>
           <a:p>
             <a:pPr lvl="4"/>
             <a:r>
-              <a:rPr lang="en-US" dirty="0" smtClean="0"/>
+              <a:rPr lang="en-US" dirty="0"/>
               <a:t>Fifth level source info</a:t>
             </a:r>
-            <a:endParaRPr lang="en-US" dirty="0"/>
           </a:p>
         </p:txBody>
       </p:sp>
@@ -5258,10 +5194,9 @@
           </a:lstStyle>
           <a:p>
             <a:r>
-              <a:rPr lang="en-US" smtClean="0"/>
+              <a:rPr lang="en-US"/>
               <a:t>This document is confidential and intended solely for the client to whom it is addressed.</a:t>
             </a:r>
-            <a:endParaRPr lang="en-US"/>
           </a:p>
         </p:txBody>
       </p:sp>
@@ -5341,10 +5276,9 @@
           <a:lstStyle/>
           <a:p>
             <a:r>
-              <a:rPr lang="en-US" smtClean="0"/>
+              <a:rPr lang="en-US"/>
               <a:t>Click to edit Master title style</a:t>
             </a:r>
-            <a:endParaRPr lang="en-US"/>
           </a:p>
         </p:txBody>
       </p:sp>
@@ -5370,38 +5304,37 @@
           <a:p>
             <a:pPr lvl="0"/>
             <a:r>
-              <a:rPr lang="en-US" dirty="0" smtClean="0"/>
+              <a:rPr lang="en-US" dirty="0"/>
               <a:t>Level 1 text. Bullet is optional and may be removed. Click “indent more” to access additional type styles.</a:t>
             </a:r>
           </a:p>
           <a:p>
             <a:pPr lvl="1"/>
             <a:r>
-              <a:rPr lang="en-US" dirty="0" smtClean="0"/>
+              <a:rPr lang="en-US" dirty="0"/>
               <a:t>Level 2 nested bullet</a:t>
             </a:r>
           </a:p>
           <a:p>
             <a:pPr lvl="2"/>
             <a:r>
-              <a:rPr lang="en-US" dirty="0" smtClean="0"/>
+              <a:rPr lang="en-US" dirty="0"/>
               <a:t>Third level optional descriptive paragraph</a:t>
             </a:r>
           </a:p>
           <a:p>
             <a:pPr lvl="3"/>
             <a:r>
-              <a:rPr lang="en-US" dirty="0" smtClean="0"/>
+              <a:rPr lang="en-US" dirty="0"/>
               <a:t>Fourth level optional subhead</a:t>
             </a:r>
           </a:p>
           <a:p>
             <a:pPr lvl="4"/>
             <a:r>
-              <a:rPr lang="en-US" dirty="0" smtClean="0"/>
+              <a:rPr lang="en-US" dirty="0"/>
               <a:t>Fifth level source info</a:t>
             </a:r>
-            <a:endParaRPr lang="en-US" dirty="0"/>
           </a:p>
         </p:txBody>
       </p:sp>
@@ -5497,10 +5430,9 @@
           </a:lstStyle>
           <a:p>
             <a:r>
-              <a:rPr lang="en-US" smtClean="0"/>
+              <a:rPr lang="en-US"/>
               <a:t>This document is confidential and intended solely for the client to whom it is addressed.</a:t>
             </a:r>
-            <a:endParaRPr lang="en-US"/>
           </a:p>
         </p:txBody>
       </p:sp>
@@ -5580,10 +5512,9 @@
           <a:lstStyle/>
           <a:p>
             <a:r>
-              <a:rPr lang="en-US" smtClean="0"/>
+              <a:rPr lang="en-US"/>
               <a:t>Click to edit Master title style</a:t>
             </a:r>
-            <a:endParaRPr lang="en-US"/>
           </a:p>
         </p:txBody>
       </p:sp>
@@ -5644,7 +5575,7 @@
           <a:p>
             <a:pPr lvl="0"/>
             <a:r>
-              <a:rPr lang="en-US" dirty="0" smtClean="0"/>
+              <a:rPr lang="en-US" dirty="0"/>
               <a:t>Click to edit Master text styles</a:t>
             </a:r>
           </a:p>
@@ -5718,10 +5649,9 @@
           </a:lstStyle>
           <a:p>
             <a:r>
-              <a:rPr lang="en-US" smtClean="0"/>
+              <a:rPr lang="en-US"/>
               <a:t>This document is confidential and intended solely for the client to whom it is addressed.</a:t>
             </a:r>
-            <a:endParaRPr lang="en-US"/>
           </a:p>
         </p:txBody>
       </p:sp>
@@ -5825,10 +5755,9 @@
           <a:lstStyle/>
           <a:p>
             <a:r>
-              <a:rPr lang="en-US" smtClean="0"/>
+              <a:rPr lang="en-US"/>
               <a:t>Click to edit Master title style</a:t>
             </a:r>
-            <a:endParaRPr lang="en-US"/>
           </a:p>
         </p:txBody>
       </p:sp>
@@ -5863,7 +5792,7 @@
           <a:p>
             <a:pPr lvl="0"/>
             <a:r>
-              <a:rPr lang="en-US" dirty="0" smtClean="0"/>
+              <a:rPr lang="en-US" dirty="0"/>
               <a:t>Click to edit Master text styles</a:t>
             </a:r>
           </a:p>
@@ -5937,10 +5866,9 @@
           </a:lstStyle>
           <a:p>
             <a:r>
-              <a:rPr lang="en-US" smtClean="0"/>
+              <a:rPr lang="en-US"/>
               <a:t>This document is confidential and intended solely for the client to whom it is addressed.</a:t>
             </a:r>
-            <a:endParaRPr lang="en-US"/>
           </a:p>
         </p:txBody>
       </p:sp>
@@ -6020,10 +5948,9 @@
           <a:lstStyle/>
           <a:p>
             <a:r>
-              <a:rPr lang="en-US" smtClean="0"/>
+              <a:rPr lang="en-US"/>
               <a:t>Click to edit Master title style</a:t>
             </a:r>
-            <a:endParaRPr lang="en-US"/>
           </a:p>
         </p:txBody>
       </p:sp>
@@ -6095,10 +6022,9 @@
           </a:lstStyle>
           <a:p>
             <a:r>
-              <a:rPr lang="en-US" smtClean="0"/>
+              <a:rPr lang="en-US"/>
               <a:t>This document is confidential and intended solely for the client to whom it is addressed.</a:t>
             </a:r>
-            <a:endParaRPr lang="en-US"/>
           </a:p>
         </p:txBody>
       </p:sp>
@@ -6178,10 +6104,9 @@
           <a:lstStyle/>
           <a:p>
             <a:r>
-              <a:rPr lang="en-US" smtClean="0"/>
+              <a:rPr lang="en-US"/>
               <a:t>Click to edit Master title style</a:t>
             </a:r>
-            <a:endParaRPr lang="en-US"/>
           </a:p>
         </p:txBody>
       </p:sp>
@@ -6231,14 +6156,14 @@
           <a:p>
             <a:pPr lvl="0"/>
             <a:r>
-              <a:rPr lang="en-US" dirty="0" smtClean="0"/>
+              <a:rPr lang="en-US" dirty="0"/>
               <a:t>Level 1 text. Bullet is optional and may be removed. Click “indent more” to access additional type styles.</a:t>
             </a:r>
           </a:p>
           <a:p>
             <a:pPr lvl="1"/>
             <a:r>
-              <a:rPr lang="en-US" dirty="0" smtClean="0"/>
+              <a:rPr lang="en-US" dirty="0"/>
               <a:t>Level 2 headline</a:t>
             </a:r>
           </a:p>
@@ -6312,10 +6237,9 @@
           </a:lstStyle>
           <a:p>
             <a:r>
-              <a:rPr lang="en-US" smtClean="0"/>
+              <a:rPr lang="en-US"/>
               <a:t>This document is confidential and intended solely for the client to whom it is addressed.</a:t>
             </a:r>
-            <a:endParaRPr lang="en-US"/>
           </a:p>
         </p:txBody>
       </p:sp>
@@ -6395,10 +6319,9 @@
           <a:lstStyle/>
           <a:p>
             <a:r>
-              <a:rPr lang="en-US" smtClean="0"/>
+              <a:rPr lang="en-US"/>
               <a:t>Click to edit Master title style</a:t>
             </a:r>
-            <a:endParaRPr lang="en-US"/>
           </a:p>
         </p:txBody>
       </p:sp>
@@ -6456,7 +6379,7 @@
           <a:p>
             <a:pPr lvl="0"/>
             <a:r>
-              <a:rPr lang="en-US" dirty="0" smtClean="0"/>
+              <a:rPr lang="en-US" dirty="0"/>
               <a:t>Level 1 text. Bullet is optional and may be removed. Click “indent more” to access additional type styles</a:t>
             </a:r>
           </a:p>
@@ -6530,10 +6453,9 @@
           </a:lstStyle>
           <a:p>
             <a:r>
-              <a:rPr lang="en-US" smtClean="0"/>
+              <a:rPr lang="en-US"/>
               <a:t>This document is confidential and intended solely for the client to whom it is addressed.</a:t>
             </a:r>
-            <a:endParaRPr lang="en-US"/>
           </a:p>
         </p:txBody>
       </p:sp>
@@ -6682,10 +6604,9 @@
           <a:lstStyle/>
           <a:p>
             <a:r>
-              <a:rPr lang="en-US" smtClean="0"/>
+              <a:rPr lang="en-US"/>
               <a:t>Click icon to add picture</a:t>
             </a:r>
-            <a:endParaRPr lang="en-US"/>
           </a:p>
         </p:txBody>
       </p:sp>
@@ -6723,18 +6644,13 @@
           </a:lstStyle>
           <a:p>
             <a:r>
-              <a:rPr lang="en-US" sz="7000" spc="300" dirty="0" smtClean="0">
+              <a:rPr lang="en-US" sz="7000" spc="300" dirty="0">
                 <a:solidFill>
                   <a:schemeClr val="bg1"/>
                 </a:solidFill>
               </a:rPr>
               <a:t>Click to Edit Title</a:t>
             </a:r>
-            <a:endParaRPr lang="en-US" sz="7000" spc="300" dirty="0">
-              <a:solidFill>
-                <a:schemeClr val="bg1"/>
-              </a:solidFill>
-            </a:endParaRPr>
           </a:p>
         </p:txBody>
       </p:sp>
@@ -6805,7 +6721,7 @@
           </a:lstStyle>
           <a:p>
             <a:r>
-              <a:rPr lang="en-US" smtClean="0"/>
+              <a:rPr lang="en-US"/>
               <a:t>Click to edit Master subtitle style</a:t>
             </a:r>
             <a:endParaRPr lang="en-US" dirty="0"/>
@@ -6888,7 +6804,7 @@
           <a:p>
             <a:pPr lvl="0"/>
             <a:r>
-              <a:rPr lang="en-US" dirty="0" smtClean="0"/>
+              <a:rPr lang="en-US" dirty="0"/>
               <a:t>Month Year</a:t>
             </a:r>
           </a:p>
@@ -6964,13 +6880,6 @@
   <p:clrMapOvr>
     <a:masterClrMapping/>
   </p:clrMapOvr>
-  <p:timing>
-    <p:tnLst>
-      <p:par>
-        <p:cTn id="1" dur="indefinite" restart="never" nodeType="tmRoot"/>
-      </p:par>
-    </p:tnLst>
-  </p:timing>
 </p:sldLayout>
 </file>
 
@@ -7068,7 +6977,7 @@
           </a:lstStyle>
           <a:p>
             <a:r>
-              <a:rPr lang="en-US" smtClean="0"/>
+              <a:rPr lang="en-US"/>
               <a:t>This document is confidential and intended solely for the client to whom it is addressed.</a:t>
             </a:r>
             <a:endParaRPr lang="en-US" dirty="0"/>
@@ -7225,10 +7134,9 @@
           <a:lstStyle/>
           <a:p>
             <a:r>
-              <a:rPr lang="en-US" smtClean="0"/>
+              <a:rPr lang="en-US"/>
               <a:t>Click icon to add picture</a:t>
             </a:r>
-            <a:endParaRPr lang="en-US"/>
           </a:p>
         </p:txBody>
       </p:sp>
@@ -7266,18 +7174,13 @@
           </a:lstStyle>
           <a:p>
             <a:r>
-              <a:rPr lang="en-US" sz="7000" spc="300" dirty="0" smtClean="0">
+              <a:rPr lang="en-US" sz="7000" spc="300" dirty="0">
                 <a:solidFill>
                   <a:schemeClr val="bg1"/>
                 </a:solidFill>
               </a:rPr>
               <a:t>Click to Edit Title</a:t>
             </a:r>
-            <a:endParaRPr lang="en-US" sz="7000" spc="300" dirty="0">
-              <a:solidFill>
-                <a:schemeClr val="bg1"/>
-              </a:solidFill>
-            </a:endParaRPr>
           </a:p>
         </p:txBody>
       </p:sp>
@@ -7348,7 +7251,7 @@
           </a:lstStyle>
           <a:p>
             <a:r>
-              <a:rPr lang="en-US" smtClean="0"/>
+              <a:rPr lang="en-US"/>
               <a:t>Click to edit Master subtitle style</a:t>
             </a:r>
             <a:endParaRPr lang="en-US" dirty="0"/>
@@ -7431,7 +7334,7 @@
           <a:p>
             <a:pPr lvl="0"/>
             <a:r>
-              <a:rPr lang="en-US" dirty="0" smtClean="0"/>
+              <a:rPr lang="en-US" dirty="0"/>
               <a:t>Month Year</a:t>
             </a:r>
           </a:p>
@@ -7463,7 +7366,7 @@
           <a:p>
             <a:pPr algn="ctr"/>
             <a:r>
-              <a:rPr lang="en-US" sz="750" cap="all" spc="100" smtClean="0">
+              <a:rPr lang="en-US" sz="750" cap="all" spc="100">
                 <a:solidFill>
                   <a:schemeClr val="bg1"/>
                 </a:solidFill>
@@ -7471,18 +7374,13 @@
               <a:t>Booz Allen Hamilton </a:t>
             </a:r>
             <a:r>
-              <a:rPr lang="en-US" sz="750" cap="all" spc="100" smtClean="0">
+              <a:rPr lang="en-US" sz="750" cap="all" spc="100">
                 <a:solidFill>
                   <a:srgbClr val="F7A81B"/>
                 </a:solidFill>
               </a:rPr>
               <a:t>restricted</a:t>
             </a:r>
-            <a:endParaRPr lang="en-US" sz="750" cap="all" spc="100">
-              <a:solidFill>
-                <a:srgbClr val="F7A81B"/>
-              </a:solidFill>
-            </a:endParaRPr>
           </a:p>
         </p:txBody>
       </p:sp>
@@ -7552,13 +7450,6 @@
   <p:clrMapOvr>
     <a:masterClrMapping/>
   </p:clrMapOvr>
-  <p:timing>
-    <p:tnLst>
-      <p:par>
-        <p:cTn id="1" dur="indefinite" restart="never" nodeType="tmRoot"/>
-      </p:par>
-    </p:tnLst>
-  </p:timing>
 </p:sldLayout>
 </file>
 
@@ -7669,7 +7560,7 @@
               <a:defRPr/>
             </a:pPr>
             <a:r>
-              <a:rPr lang="en-US" dirty="0" smtClean="0"/>
+              <a:rPr lang="en-US" dirty="0"/>
               <a:t>LEVEL 1 TITLE</a:t>
             </a:r>
           </a:p>
@@ -7692,14 +7583,14 @@
               <a:defRPr/>
             </a:pPr>
             <a:r>
-              <a:rPr lang="en-US" dirty="0" smtClean="0"/>
+              <a:rPr lang="en-US" dirty="0"/>
               <a:t>“Pull quote goes here. All text should be white. Pull quote goes here. All text should be white. Pull quote goes here.</a:t>
             </a:r>
             <a:br>
-              <a:rPr lang="en-US" dirty="0" smtClean="0"/>
+              <a:rPr lang="en-US" dirty="0"/>
             </a:br>
             <a:r>
-              <a:rPr lang="en-US" dirty="0" smtClean="0"/>
+              <a:rPr lang="en-US" dirty="0"/>
               <a:t>All text should be white.”</a:t>
             </a:r>
           </a:p>
@@ -7722,7 +7613,7 @@
               <a:defRPr/>
             </a:pPr>
             <a:r>
-              <a:rPr lang="en-US" dirty="0" smtClean="0"/>
+              <a:rPr lang="en-US" dirty="0"/>
               <a:t>PERSON BEING QUOTED</a:t>
             </a:r>
           </a:p>
@@ -7805,7 +7696,7 @@
           </a:lstStyle>
           <a:p>
             <a:r>
-              <a:rPr lang="en-US" smtClean="0"/>
+              <a:rPr lang="en-US"/>
               <a:t>This document is confidential and intended solely for the client to whom it is addressed.</a:t>
             </a:r>
             <a:endParaRPr lang="en-US" dirty="0"/>
@@ -7964,7 +7855,7 @@
               <a:defRPr/>
             </a:pPr>
             <a:r>
-              <a:rPr lang="en-US" dirty="0" smtClean="0"/>
+              <a:rPr lang="en-US" dirty="0"/>
               <a:t>PULL QUOTE GOES HERE. USE A SPOT color TO CALL OUT CERTAIN WORDS. PULL QUOTE GOES HERE. USE A SPOT color TO CALL OUT CERTAIN WORDS. PULL QUOTE GOES HERE. USE A SPOT color TO CALL OUT CERTAIN WORDS. </a:t>
             </a:r>
           </a:p>
@@ -8047,7 +7938,7 @@
           </a:lstStyle>
           <a:p>
             <a:r>
-              <a:rPr lang="en-US" smtClean="0"/>
+              <a:rPr lang="en-US"/>
               <a:t>This document is confidential and intended solely for the client to whom it is addressed.</a:t>
             </a:r>
             <a:endParaRPr lang="en-US" dirty="0"/>
@@ -8199,10 +8090,9 @@
           <a:lstStyle/>
           <a:p>
             <a:r>
-              <a:rPr lang="en-US" smtClean="0"/>
+              <a:rPr lang="en-US"/>
               <a:t>Click icon to add picture</a:t>
             </a:r>
-            <a:endParaRPr lang="en-US"/>
           </a:p>
         </p:txBody>
       </p:sp>
@@ -8240,18 +8130,13 @@
           </a:lstStyle>
           <a:p>
             <a:r>
-              <a:rPr lang="en-US" sz="7000" spc="300" dirty="0" smtClean="0">
+              <a:rPr lang="en-US" sz="7000" spc="300" dirty="0">
                 <a:solidFill>
                   <a:schemeClr val="bg1"/>
                 </a:solidFill>
               </a:rPr>
               <a:t>Click to Edit Title</a:t>
             </a:r>
-            <a:endParaRPr lang="en-US" sz="7000" spc="300" dirty="0">
-              <a:solidFill>
-                <a:schemeClr val="bg1"/>
-              </a:solidFill>
-            </a:endParaRPr>
           </a:p>
         </p:txBody>
       </p:sp>
@@ -8322,7 +8207,7 @@
           </a:lstStyle>
           <a:p>
             <a:r>
-              <a:rPr lang="en-US" smtClean="0"/>
+              <a:rPr lang="en-US"/>
               <a:t>Click to edit Master subtitle style</a:t>
             </a:r>
             <a:endParaRPr lang="en-US" dirty="0"/>
@@ -8405,7 +8290,7 @@
           <a:p>
             <a:pPr lvl="0"/>
             <a:r>
-              <a:rPr lang="en-US" dirty="0" smtClean="0"/>
+              <a:rPr lang="en-US" dirty="0"/>
               <a:t>Month Year</a:t>
             </a:r>
           </a:p>
@@ -8447,13 +8332,6 @@
   <p:clrMapOvr>
     <a:masterClrMapping/>
   </p:clrMapOvr>
-  <p:timing>
-    <p:tnLst>
-      <p:par>
-        <p:cTn id="1" dur="indefinite" restart="never" nodeType="tmRoot"/>
-      </p:par>
-    </p:tnLst>
-  </p:timing>
 </p:sldLayout>
 </file>
 
@@ -8532,7 +8410,7 @@
           <a:p>
             <a:pPr lvl="0"/>
             <a:r>
-              <a:rPr lang="en-US" dirty="0" smtClean="0"/>
+              <a:rPr lang="en-US" dirty="0"/>
               <a:t>DIVIDER HEADING</a:t>
             </a:r>
           </a:p>
@@ -8544,13 +8422,6 @@
   <p:clrMapOvr>
     <a:masterClrMapping/>
   </p:clrMapOvr>
-  <p:timing>
-    <p:tnLst>
-      <p:par>
-        <p:cTn id="1" dur="indefinite" restart="never" nodeType="tmRoot"/>
-      </p:par>
-    </p:tnLst>
-  </p:timing>
 </p:sldLayout>
 </file>
 
@@ -8607,35 +8478,35 @@
           <a:p>
             <a:pPr lvl="0"/>
             <a:r>
-              <a:rPr lang="en-US" smtClean="0"/>
+              <a:rPr lang="en-US"/>
               <a:t>Edit Master text styles</a:t>
             </a:r>
           </a:p>
           <a:p>
             <a:pPr lvl="1"/>
             <a:r>
-              <a:rPr lang="en-US" smtClean="0"/>
+              <a:rPr lang="en-US"/>
               <a:t>Second level</a:t>
             </a:r>
           </a:p>
           <a:p>
             <a:pPr lvl="2"/>
             <a:r>
-              <a:rPr lang="en-US" smtClean="0"/>
+              <a:rPr lang="en-US"/>
               <a:t>Third level</a:t>
             </a:r>
           </a:p>
           <a:p>
             <a:pPr lvl="3"/>
             <a:r>
-              <a:rPr lang="en-US" smtClean="0"/>
+              <a:rPr lang="en-US"/>
               <a:t>Fourth level</a:t>
             </a:r>
           </a:p>
           <a:p>
             <a:pPr lvl="4"/>
             <a:r>
-              <a:rPr lang="en-US" smtClean="0"/>
+              <a:rPr lang="en-US"/>
               <a:t>Fifth level</a:t>
             </a:r>
             <a:endParaRPr lang="en-US" dirty="0"/>
@@ -8658,10 +8529,9 @@
           <a:lstStyle/>
           <a:p>
             <a:r>
-              <a:rPr lang="en-US" smtClean="0"/>
+              <a:rPr lang="en-US"/>
               <a:t>Click to edit Master title style</a:t>
             </a:r>
-            <a:endParaRPr lang="en-US"/>
           </a:p>
         </p:txBody>
       </p:sp>
@@ -8689,10 +8559,9 @@
           <a:lstStyle/>
           <a:p>
             <a:r>
-              <a:rPr lang="en-US" smtClean="0"/>
+              <a:rPr lang="en-US"/>
               <a:t>Click icon to add picture</a:t>
             </a:r>
-            <a:endParaRPr lang="en-US"/>
           </a:p>
         </p:txBody>
       </p:sp>
@@ -8773,7 +8642,7 @@
           </a:lstStyle>
           <a:p>
             <a:r>
-              <a:rPr lang="en-US" smtClean="0"/>
+              <a:rPr lang="en-US"/>
               <a:t>This document is confidential and intended solely for the client to whom it is addressed.</a:t>
             </a:r>
             <a:endParaRPr lang="en-US" dirty="0"/>
@@ -8827,35 +8696,35 @@
           <a:p>
             <a:pPr lvl="0"/>
             <a:r>
-              <a:rPr lang="en-US" smtClean="0"/>
+              <a:rPr lang="en-US"/>
               <a:t>Edit Master text styles</a:t>
             </a:r>
           </a:p>
           <a:p>
             <a:pPr lvl="1"/>
             <a:r>
-              <a:rPr lang="en-US" smtClean="0"/>
+              <a:rPr lang="en-US"/>
               <a:t>Second level</a:t>
             </a:r>
           </a:p>
           <a:p>
             <a:pPr lvl="2"/>
             <a:r>
-              <a:rPr lang="en-US" smtClean="0"/>
+              <a:rPr lang="en-US"/>
               <a:t>Third level</a:t>
             </a:r>
           </a:p>
           <a:p>
             <a:pPr lvl="3"/>
             <a:r>
-              <a:rPr lang="en-US" smtClean="0"/>
+              <a:rPr lang="en-US"/>
               <a:t>Fourth level</a:t>
             </a:r>
           </a:p>
           <a:p>
             <a:pPr lvl="4"/>
             <a:r>
-              <a:rPr lang="en-US" smtClean="0"/>
+              <a:rPr lang="en-US"/>
               <a:t>Fifth level</a:t>
             </a:r>
             <a:endParaRPr lang="en-US" dirty="0"/>
@@ -8878,10 +8747,9 @@
           <a:lstStyle/>
           <a:p>
             <a:r>
-              <a:rPr lang="en-US" smtClean="0"/>
+              <a:rPr lang="en-US"/>
               <a:t>Click to edit Master title style</a:t>
             </a:r>
-            <a:endParaRPr lang="en-US"/>
           </a:p>
         </p:txBody>
       </p:sp>
@@ -8907,35 +8775,35 @@
           <a:p>
             <a:pPr lvl="0"/>
             <a:r>
-              <a:rPr lang="en-US" smtClean="0"/>
+              <a:rPr lang="en-US"/>
               <a:t>Edit Master text styles</a:t>
             </a:r>
           </a:p>
           <a:p>
             <a:pPr lvl="1"/>
             <a:r>
-              <a:rPr lang="en-US" smtClean="0"/>
+              <a:rPr lang="en-US"/>
               <a:t>Second level</a:t>
             </a:r>
           </a:p>
           <a:p>
             <a:pPr lvl="2"/>
             <a:r>
-              <a:rPr lang="en-US" smtClean="0"/>
+              <a:rPr lang="en-US"/>
               <a:t>Third level</a:t>
             </a:r>
           </a:p>
           <a:p>
             <a:pPr lvl="3"/>
             <a:r>
-              <a:rPr lang="en-US" smtClean="0"/>
+              <a:rPr lang="en-US"/>
               <a:t>Fourth level</a:t>
             </a:r>
           </a:p>
           <a:p>
             <a:pPr lvl="4"/>
             <a:r>
-              <a:rPr lang="en-US" smtClean="0"/>
+              <a:rPr lang="en-US"/>
               <a:t>Fifth level</a:t>
             </a:r>
             <a:endParaRPr lang="en-US" dirty="0"/>
@@ -8966,10 +8834,9 @@
           <a:lstStyle/>
           <a:p>
             <a:r>
-              <a:rPr lang="en-US" smtClean="0"/>
+              <a:rPr lang="en-US"/>
               <a:t>Click icon to add picture</a:t>
             </a:r>
-            <a:endParaRPr lang="en-US"/>
           </a:p>
         </p:txBody>
       </p:sp>
@@ -9050,7 +8917,7 @@
           </a:lstStyle>
           <a:p>
             <a:r>
-              <a:rPr lang="en-US" smtClean="0"/>
+              <a:rPr lang="en-US"/>
               <a:t>This document is confidential and intended solely for the client to whom it is addressed.</a:t>
             </a:r>
             <a:endParaRPr lang="en-US" dirty="0"/>
@@ -9113,7 +8980,7 @@
           <a:p>
             <a:pPr lvl="0"/>
             <a:r>
-              <a:rPr lang="en-US" smtClean="0"/>
+              <a:rPr lang="en-US"/>
               <a:t>Edit Master text styles</a:t>
             </a:r>
           </a:p>
@@ -9135,10 +9002,9 @@
           <a:lstStyle/>
           <a:p>
             <a:r>
-              <a:rPr lang="en-US" smtClean="0"/>
+              <a:rPr lang="en-US"/>
               <a:t>Click to edit Master title style</a:t>
             </a:r>
-            <a:endParaRPr lang="en-US"/>
           </a:p>
         </p:txBody>
       </p:sp>
@@ -9166,10 +9032,9 @@
           <a:lstStyle/>
           <a:p>
             <a:r>
-              <a:rPr lang="en-US" smtClean="0"/>
+              <a:rPr lang="en-US"/>
               <a:t>Click icon to add picture</a:t>
             </a:r>
-            <a:endParaRPr lang="en-US"/>
           </a:p>
         </p:txBody>
       </p:sp>
@@ -9250,7 +9115,7 @@
           </a:lstStyle>
           <a:p>
             <a:r>
-              <a:rPr lang="en-US" smtClean="0"/>
+              <a:rPr lang="en-US"/>
               <a:t>This document is confidential and intended solely for the client to whom it is addressed.</a:t>
             </a:r>
             <a:endParaRPr lang="en-US" dirty="0"/>
@@ -9313,7 +9178,7 @@
           <a:p>
             <a:pPr lvl="0"/>
             <a:r>
-              <a:rPr lang="en-US" smtClean="0"/>
+              <a:rPr lang="en-US"/>
               <a:t>Edit Master text styles</a:t>
             </a:r>
           </a:p>
@@ -9335,10 +9200,9 @@
           <a:lstStyle/>
           <a:p>
             <a:r>
-              <a:rPr lang="en-US" smtClean="0"/>
+              <a:rPr lang="en-US"/>
               <a:t>Click to edit Master title style</a:t>
             </a:r>
-            <a:endParaRPr lang="en-US"/>
           </a:p>
         </p:txBody>
       </p:sp>
@@ -9363,10 +9227,9 @@
           <a:lstStyle/>
           <a:p>
             <a:r>
-              <a:rPr lang="en-US" smtClean="0"/>
+              <a:rPr lang="en-US"/>
               <a:t>Click icon to add chart</a:t>
             </a:r>
-            <a:endParaRPr lang="en-US"/>
           </a:p>
         </p:txBody>
       </p:sp>
@@ -9391,10 +9254,9 @@
           <a:lstStyle/>
           <a:p>
             <a:r>
-              <a:rPr lang="en-US" smtClean="0"/>
+              <a:rPr lang="en-US"/>
               <a:t>Click icon to add chart</a:t>
             </a:r>
-            <a:endParaRPr lang="en-US"/>
           </a:p>
         </p:txBody>
       </p:sp>
@@ -9422,10 +9284,9 @@
           <a:lstStyle/>
           <a:p>
             <a:r>
-              <a:rPr lang="en-US" smtClean="0"/>
+              <a:rPr lang="en-US"/>
               <a:t>Click icon to add picture</a:t>
             </a:r>
-            <a:endParaRPr lang="en-US"/>
           </a:p>
         </p:txBody>
       </p:sp>
@@ -9506,7 +9367,7 @@
           </a:lstStyle>
           <a:p>
             <a:r>
-              <a:rPr lang="en-US" smtClean="0"/>
+              <a:rPr lang="en-US"/>
               <a:t>This document is confidential and intended solely for the client to whom it is addressed.</a:t>
             </a:r>
             <a:endParaRPr lang="en-US" dirty="0"/>
@@ -9576,7 +9437,7 @@
           <a:p>
             <a:pPr algn="ctr"/>
             <a:r>
-              <a:rPr lang="en-US" sz="1200" smtClean="0">
+              <a:rPr lang="en-US" sz="1200">
                 <a:solidFill>
                   <a:schemeClr val="bg1"/>
                 </a:solidFill>
@@ -9663,7 +9524,7 @@
           </a:lstStyle>
           <a:p>
             <a:r>
-              <a:rPr lang="en-US" smtClean="0"/>
+              <a:rPr lang="en-US"/>
               <a:t>This document is confidential and intended solely for the client to whom it is addressed.</a:t>
             </a:r>
             <a:endParaRPr lang="en-US" dirty="0"/>
@@ -9696,7 +9557,7 @@
           <a:lstStyle/>
           <a:p>
             <a:r>
-              <a:rPr lang="en-US" smtClean="0"/>
+              <a:rPr lang="en-US"/>
               <a:t>Click to edit Master title style</a:t>
             </a:r>
             <a:endParaRPr lang="en-US" dirty="0"/>
@@ -9730,38 +9591,38 @@
           <a:p>
             <a:pPr lvl="0"/>
             <a:r>
-              <a:rPr lang="en-US" dirty="0" smtClean="0"/>
+              <a:rPr lang="en-US" dirty="0"/>
               <a:t>Level 1 text bullet</a:t>
             </a:r>
           </a:p>
           <a:p>
             <a:pPr lvl="1"/>
             <a:r>
-              <a:rPr lang="en-US" dirty="0" smtClean="0"/>
+              <a:rPr lang="en-US" dirty="0"/>
               <a:t>Level 2 nested bullet</a:t>
             </a:r>
           </a:p>
           <a:p>
             <a:pPr lvl="2"/>
             <a:r>
-              <a:rPr lang="en-US" dirty="0" smtClean="0"/>
+              <a:rPr lang="en-US" dirty="0"/>
               <a:t>Third level optional paragraph description</a:t>
             </a:r>
           </a:p>
           <a:p>
             <a:pPr lvl="3"/>
             <a:r>
-              <a:rPr lang="en-US" dirty="0" smtClean="0"/>
+              <a:rPr lang="en-US" dirty="0"/>
               <a:t>Fourth level optional subhead</a:t>
             </a:r>
           </a:p>
           <a:p>
             <a:pPr lvl="4"/>
             <a:r>
-              <a:rPr lang="en-US" sz="1400" i="1" dirty="0" smtClean="0"/>
+              <a:rPr lang="en-US" sz="1400" i="1" dirty="0"/>
               <a:t>Level 5 source info</a:t>
             </a:r>
-            <a:endParaRPr lang="en-US" dirty="0" smtClean="0"/>
+            <a:endParaRPr lang="en-US" dirty="0"/>
           </a:p>
         </p:txBody>
       </p:sp>
@@ -10168,10 +10029,9 @@
           <a:lstStyle/>
           <a:p>
             <a:r>
-              <a:rPr lang="en-US" dirty="0" smtClean="0"/>
+              <a:rPr lang="en-US" dirty="0"/>
               <a:t>Click to edit Master title style</a:t>
             </a:r>
-            <a:endParaRPr lang="en-US" dirty="0"/>
           </a:p>
         </p:txBody>
       </p:sp>
@@ -10202,38 +10062,37 @@
           <a:p>
             <a:pPr lvl="0"/>
             <a:r>
-              <a:rPr lang="en-US" dirty="0" smtClean="0"/>
+              <a:rPr lang="en-US" dirty="0"/>
               <a:t>Level 1 text. Bullet is optional and may be removed. Click “indent more” to access additional type styles.</a:t>
             </a:r>
           </a:p>
           <a:p>
             <a:pPr lvl="1"/>
             <a:r>
-              <a:rPr lang="en-US" dirty="0" smtClean="0"/>
+              <a:rPr lang="en-US" dirty="0"/>
               <a:t>Level 2 nested bullet</a:t>
             </a:r>
           </a:p>
           <a:p>
             <a:pPr lvl="2"/>
             <a:r>
-              <a:rPr lang="en-US" dirty="0" smtClean="0"/>
+              <a:rPr lang="en-US" dirty="0"/>
               <a:t>Third level optional descriptive paragraph</a:t>
             </a:r>
           </a:p>
           <a:p>
             <a:pPr lvl="3"/>
             <a:r>
-              <a:rPr lang="en-US" dirty="0" smtClean="0"/>
+              <a:rPr lang="en-US" dirty="0"/>
               <a:t>Fourth level optional subhead</a:t>
             </a:r>
           </a:p>
           <a:p>
             <a:pPr lvl="4"/>
             <a:r>
-              <a:rPr lang="en-US" dirty="0" smtClean="0"/>
+              <a:rPr lang="en-US" dirty="0"/>
               <a:t>Fifth level source info</a:t>
             </a:r>
-            <a:endParaRPr lang="en-US" dirty="0"/>
           </a:p>
         </p:txBody>
       </p:sp>
@@ -10270,7 +10129,7 @@
           <a:p>
             <a:pPr algn="ctr"/>
             <a:r>
-              <a:rPr lang="en-US" sz="1200" smtClean="0">
+              <a:rPr lang="en-US" sz="1200">
                 <a:solidFill>
                   <a:schemeClr val="accent1"/>
                 </a:solidFill>
@@ -10383,10 +10242,9 @@
           </a:lstStyle>
           <a:p>
             <a:r>
-              <a:rPr lang="en-US" smtClean="0"/>
+              <a:rPr lang="en-US"/>
               <a:t>This document is confidential and intended solely for the client to whom it is addressed.</a:t>
             </a:r>
-            <a:endParaRPr lang="en-US"/>
           </a:p>
         </p:txBody>
       </p:sp>
@@ -10822,7 +10680,7 @@
               <a:defRPr/>
             </a:pPr>
             <a:r>
-              <a:rPr lang="en-US" dirty="0" smtClean="0"/>
+              <a:rPr lang="en-US" dirty="0"/>
               <a:t>LEVEL 1 TITLE</a:t>
             </a:r>
           </a:p>
@@ -10845,14 +10703,14 @@
               <a:defRPr/>
             </a:pPr>
             <a:r>
-              <a:rPr lang="en-US" dirty="0" smtClean="0"/>
+              <a:rPr lang="en-US" dirty="0"/>
               <a:t>“Pull quote goes here. All text should be white. Pull quote goes here. All text should be white. Pull quote goes here. </a:t>
             </a:r>
             <a:br>
-              <a:rPr lang="en-US" dirty="0" smtClean="0"/>
+              <a:rPr lang="en-US" dirty="0"/>
             </a:br>
             <a:r>
-              <a:rPr lang="en-US" dirty="0" smtClean="0"/>
+              <a:rPr lang="en-US" dirty="0"/>
               <a:t>All text should be white.”</a:t>
             </a:r>
           </a:p>
@@ -10875,7 +10733,7 @@
               <a:defRPr/>
             </a:pPr>
             <a:r>
-              <a:rPr lang="en-US" dirty="0" smtClean="0"/>
+              <a:rPr lang="en-US" dirty="0"/>
               <a:t>PERSON BEING QUOTED</a:t>
             </a:r>
           </a:p>
@@ -10943,7 +10801,7 @@
           <a:p>
             <a:pPr algn="ctr"/>
             <a:r>
-              <a:rPr lang="en-US" sz="1200" smtClean="0">
+              <a:rPr lang="en-US" sz="1200">
                 <a:solidFill>
                   <a:schemeClr val="accent2"/>
                 </a:solidFill>
@@ -11030,7 +10888,7 @@
           </a:lstStyle>
           <a:p>
             <a:r>
-              <a:rPr lang="en-US" smtClean="0"/>
+              <a:rPr lang="en-US"/>
               <a:t>This document is confidential and intended solely for the client to whom it is addressed.</a:t>
             </a:r>
             <a:endParaRPr lang="en-US" dirty="0"/>
@@ -11448,10 +11306,9 @@
           <a:lstStyle/>
           <a:p>
             <a:r>
-              <a:rPr lang="en-US" dirty="0" smtClean="0"/>
+              <a:rPr lang="en-US" dirty="0"/>
               <a:t>DevOps</a:t>
             </a:r>
-            <a:endParaRPr lang="en-US" dirty="0"/>
           </a:p>
         </p:txBody>
       </p:sp>
@@ -11471,14 +11328,13 @@
           <a:lstStyle/>
           <a:p>
             <a:r>
-              <a:rPr lang="en-US" dirty="0" err="1" smtClean="0"/>
+              <a:rPr lang="en-US" dirty="0" err="1"/>
               <a:t>Workstream</a:t>
             </a:r>
             <a:r>
-              <a:rPr lang="en-US" dirty="0" smtClean="0"/>
+              <a:rPr lang="en-US" dirty="0"/>
               <a:t> Project Plan</a:t>
             </a:r>
-            <a:endParaRPr lang="en-US" dirty="0"/>
           </a:p>
         </p:txBody>
       </p:sp>
@@ -11498,10 +11354,9 @@
           <a:lstStyle/>
           <a:p>
             <a:r>
-              <a:rPr lang="en-US" dirty="0" smtClean="0"/>
+              <a:rPr lang="en-US" dirty="0"/>
               <a:t>April 2017</a:t>
             </a:r>
-            <a:endParaRPr lang="en-US" dirty="0"/>
           </a:p>
         </p:txBody>
       </p:sp>
@@ -11638,23 +11493,22 @@
             <a:lstStyle/>
             <a:p>
               <a:r>
-                <a:rPr lang="en-US" dirty="0" smtClean="0"/>
+                <a:rPr lang="en-US" dirty="0"/>
                 <a:t>To replace the current photo, click on it and hit “delete.” Drag your new image into the photo placeholder box. </a:t>
               </a:r>
+            </a:p>
+            <a:p>
               <a:endParaRPr lang="en-US" dirty="0"/>
             </a:p>
             <a:p>
-              <a:endParaRPr lang="en-US" dirty="0" smtClean="0"/>
-            </a:p>
-            <a:p>
               <a:r>
-                <a:rPr lang="en-US" dirty="0" smtClean="0">
+                <a:rPr lang="en-US" dirty="0">
                   <a:hlinkClick r:id="rId4"/>
                 </a:rPr>
                 <a:t>Click here to access photo library</a:t>
               </a:r>
               <a:r>
-                <a:rPr lang="en-US" dirty="0" smtClean="0"/>
+                <a:rPr lang="en-US" dirty="0"/>
                 <a:t>.</a:t>
               </a:r>
             </a:p>
@@ -11684,11 +11538,7 @@
             <a:p>
               <a:r>
                 <a:rPr lang="en-US" dirty="0"/>
-                <a:t>Photos may </a:t>
-              </a:r>
-              <a:r>
-                <a:rPr lang="en-US" dirty="0" smtClean="0"/>
-                <a:t>feature:</a:t>
+                <a:t>Photos may feature:</a:t>
               </a:r>
             </a:p>
             <a:p>
@@ -11697,7 +11547,7 @@
                 <a:buChar char="•"/>
               </a:pPr>
               <a:r>
-                <a:rPr lang="en-US" dirty="0" smtClean="0"/>
+                <a:rPr lang="en-US" dirty="0"/>
                 <a:t>Employees</a:t>
               </a:r>
             </a:p>
@@ -11708,19 +11558,7 @@
               </a:pPr>
               <a:r>
                 <a:rPr lang="en-US" dirty="0"/>
-                <a:t>P</a:t>
-              </a:r>
-              <a:r>
-                <a:rPr lang="en-US" dirty="0" smtClean="0"/>
-                <a:t>eople </a:t>
-              </a:r>
-              <a:r>
-                <a:rPr lang="en-US" dirty="0"/>
-                <a:t>benefiting from our </a:t>
-              </a:r>
-              <a:r>
-                <a:rPr lang="en-US" dirty="0" smtClean="0"/>
-                <a:t>solutions</a:t>
+                <a:t>People benefiting from our solutions</a:t>
               </a:r>
             </a:p>
             <a:p>
@@ -11729,18 +11567,9 @@
                 <a:buChar char="•"/>
               </a:pPr>
               <a:r>
-                <a:rPr lang="en-US" dirty="0" smtClean="0"/>
-                <a:t>A human element, such as a </a:t>
+                <a:rPr lang="en-US" dirty="0"/>
+                <a:t>A human element, such as a close up of a hand or a person in the distance</a:t>
               </a:r>
-              <a:r>
-                <a:rPr lang="en-US" dirty="0"/>
-                <a:t>close up of a hand or a person in the </a:t>
-              </a:r>
-              <a:r>
-                <a:rPr lang="en-US" dirty="0" smtClean="0"/>
-                <a:t>distance</a:t>
-              </a:r>
-              <a:endParaRPr lang="en-US" dirty="0"/>
             </a:p>
           </p:txBody>
         </p:sp>
@@ -11767,14 +11596,14 @@
             <a:lstStyle/>
             <a:p>
               <a:r>
-                <a:rPr lang="en-US" dirty="0" smtClean="0"/>
+                <a:rPr lang="en-US" dirty="0"/>
                 <a:t>Use this cover for </a:t>
               </a:r>
               <a:br>
-                <a:rPr lang="en-US" dirty="0" smtClean="0"/>
+                <a:rPr lang="en-US" dirty="0"/>
               </a:br>
               <a:r>
-                <a:rPr lang="en-US" dirty="0" smtClean="0"/>
+                <a:rPr lang="en-US" dirty="0"/>
                 <a:t>most presentations</a:t>
               </a:r>
             </a:p>
@@ -11791,13 +11620,6 @@
   <p:clrMapOvr>
     <a:overrideClrMapping bg1="lt1" tx1="dk1" bg2="lt2" tx2="dk2" accent1="accent1" accent2="accent2" accent3="accent3" accent4="accent4" accent5="accent5" accent6="accent6" hlink="hlink" folHlink="folHlink"/>
   </p:clrMapOvr>
-  <p:timing>
-    <p:tnLst>
-      <p:par>
-        <p:cTn id="1" dur="indefinite" restart="never" nodeType="tmRoot"/>
-      </p:par>
-    </p:tnLst>
-  </p:timing>
 </p:sld>
 </file>
 
@@ -11834,10 +11656,9 @@
           <a:lstStyle/>
           <a:p>
             <a:r>
-              <a:rPr lang="en-US" dirty="0" smtClean="0"/>
+              <a:rPr lang="en-US" dirty="0"/>
               <a:t>Deployment to an agency – Rolling out DevOps Process</a:t>
             </a:r>
-            <a:endParaRPr lang="en-US" dirty="0"/>
           </a:p>
         </p:txBody>
       </p:sp>
@@ -11881,10 +11702,9 @@
           <a:lstStyle/>
           <a:p>
             <a:r>
-              <a:rPr lang="en-US" smtClean="0"/>
+              <a:rPr lang="en-US"/>
               <a:t>This document is confidential and intended solely for the client to whom it is addressed.</a:t>
             </a:r>
-            <a:endParaRPr lang="en-US"/>
           </a:p>
         </p:txBody>
       </p:sp>
@@ -12090,17 +11910,17 @@
               <a:buChar char="•"/>
             </a:pPr>
             <a:r>
-              <a:rPr lang="en-US" dirty="0" smtClean="0"/>
+              <a:rPr lang="en-US" dirty="0"/>
               <a:t>People </a:t>
             </a:r>
           </a:p>
           <a:p>
             <a:r>
-              <a:rPr lang="en-US" dirty="0" smtClean="0"/>
+              <a:rPr lang="en-US" dirty="0"/>
               <a:t>Manual </a:t>
             </a:r>
             <a:r>
-              <a:rPr lang="en-US" dirty="0" smtClean="0">
+              <a:rPr lang="en-US" dirty="0">
                 <a:sym typeface="Wingdings" panose="05000000000000000000" pitchFamily="2" charset="2"/>
               </a:rPr>
               <a:t> Automation  - Retraining Staff</a:t>
@@ -12108,16 +11928,16 @@
           </a:p>
           <a:p>
             <a:r>
-              <a:rPr lang="en-US" dirty="0" smtClean="0">
+              <a:rPr lang="en-US" dirty="0">
                 <a:sym typeface="Wingdings" panose="05000000000000000000" pitchFamily="2" charset="2"/>
               </a:rPr>
               <a:t>On-boarding Guides</a:t>
             </a:r>
-            <a:endParaRPr lang="en-US" dirty="0" smtClean="0"/>
-          </a:p>
-          <a:p>
-            <a:r>
-              <a:rPr lang="en-US" dirty="0" smtClean="0"/>
+            <a:endParaRPr lang="en-US" dirty="0"/>
+          </a:p>
+          <a:p>
+            <a:r>
+              <a:rPr lang="en-US" dirty="0"/>
               <a:t>Tie in change staff into the pipeline configuration process</a:t>
             </a:r>
           </a:p>
@@ -12127,33 +11947,31 @@
               <a:buChar char="•"/>
             </a:pPr>
             <a:r>
-              <a:rPr lang="en-US" dirty="0" smtClean="0"/>
+              <a:rPr lang="en-US" dirty="0"/>
               <a:t>Infrastructure</a:t>
             </a:r>
-            <a:endParaRPr lang="en-US" dirty="0"/>
-          </a:p>
-          <a:p>
-            <a:r>
-              <a:rPr lang="en-US" dirty="0" smtClean="0"/>
+          </a:p>
+          <a:p>
+            <a:r>
+              <a:rPr lang="en-US" dirty="0"/>
               <a:t>Standing up minimum viable environment</a:t>
             </a:r>
           </a:p>
           <a:p>
             <a:r>
-              <a:rPr lang="en-US" dirty="0" smtClean="0"/>
+              <a:rPr lang="en-US" dirty="0"/>
               <a:t>Deployment Scripts</a:t>
             </a:r>
           </a:p>
           <a:p>
             <a:r>
-              <a:rPr lang="en-US" dirty="0" smtClean="0"/>
+              <a:rPr lang="en-US" dirty="0"/>
               <a:t>Using hardened base images</a:t>
             </a:r>
-            <a:endParaRPr lang="en-US" dirty="0"/>
-          </a:p>
-          <a:p>
-            <a:r>
-              <a:rPr lang="en-US" dirty="0" smtClean="0"/>
+          </a:p>
+          <a:p>
+            <a:r>
+              <a:rPr lang="en-US" dirty="0"/>
               <a:t>Ability to use tools that are already at the agency</a:t>
             </a:r>
           </a:p>
@@ -12163,23 +11981,19 @@
               <a:buChar char="•"/>
             </a:pPr>
             <a:r>
-              <a:rPr lang="en-US" dirty="0" smtClean="0"/>
+              <a:rPr lang="en-US" dirty="0"/>
               <a:t>Policy</a:t>
             </a:r>
           </a:p>
           <a:p>
             <a:r>
               <a:rPr lang="en-US" dirty="0"/>
-              <a:t>Automation of policy enforcement with the pipeline </a:t>
-            </a:r>
-            <a:r>
-              <a:rPr lang="en-US" dirty="0" smtClean="0"/>
-              <a:t>architecture</a:t>
-            </a:r>
-          </a:p>
-          <a:p>
-            <a:r>
-              <a:rPr lang="en-US" dirty="0" smtClean="0"/>
+              <a:t>Automation of policy enforcement with the pipeline architecture</a:t>
+            </a:r>
+          </a:p>
+          <a:p>
+            <a:r>
+              <a:rPr lang="en-US" dirty="0"/>
               <a:t>Being able to prove that </a:t>
             </a:r>
           </a:p>
@@ -12201,13 +12015,6 @@
   <p:clrMapOvr>
     <a:masterClrMapping/>
   </p:clrMapOvr>
-  <p:timing>
-    <p:tnLst>
-      <p:par>
-        <p:cTn id="1" dur="indefinite" restart="never" nodeType="tmRoot"/>
-      </p:par>
-    </p:tnLst>
-  </p:timing>
 </p:sld>
 </file>
 
@@ -12244,10 +12051,9 @@
           <a:lstStyle/>
           <a:p>
             <a:r>
-              <a:rPr lang="en-US" dirty="0" smtClean="0"/>
+              <a:rPr lang="en-US" dirty="0"/>
               <a:t>Deployment to an agency – Effects on Current Organization</a:t>
             </a:r>
-            <a:endParaRPr lang="en-US" dirty="0"/>
           </a:p>
         </p:txBody>
       </p:sp>
@@ -12291,10 +12097,9 @@
           <a:lstStyle/>
           <a:p>
             <a:r>
-              <a:rPr lang="en-US" smtClean="0"/>
+              <a:rPr lang="en-US"/>
               <a:t>This document is confidential and intended solely for the client to whom it is addressed.</a:t>
             </a:r>
-            <a:endParaRPr lang="en-US"/>
           </a:p>
         </p:txBody>
       </p:sp>
@@ -12500,17 +12305,17 @@
               <a:buChar char="•"/>
             </a:pPr>
             <a:r>
-              <a:rPr lang="en-US" dirty="0" smtClean="0"/>
+              <a:rPr lang="en-US" dirty="0"/>
               <a:t>People </a:t>
             </a:r>
           </a:p>
           <a:p>
             <a:r>
-              <a:rPr lang="en-US" dirty="0" smtClean="0"/>
+              <a:rPr lang="en-US" dirty="0"/>
               <a:t>Manual </a:t>
             </a:r>
             <a:r>
-              <a:rPr lang="en-US" dirty="0" smtClean="0">
+              <a:rPr lang="en-US" dirty="0">
                 <a:sym typeface="Wingdings" panose="05000000000000000000" pitchFamily="2" charset="2"/>
               </a:rPr>
               <a:t> Automation  - Retraining Staff</a:t>
@@ -12518,22 +12323,22 @@
           </a:p>
           <a:p>
             <a:r>
-              <a:rPr lang="en-US" dirty="0" smtClean="0">
+              <a:rPr lang="en-US" dirty="0">
                 <a:sym typeface="Wingdings" panose="05000000000000000000" pitchFamily="2" charset="2"/>
               </a:rPr>
               <a:t>On-boarding Guides</a:t>
             </a:r>
-            <a:endParaRPr lang="en-US" dirty="0" smtClean="0"/>
-          </a:p>
-          <a:p>
-            <a:r>
-              <a:rPr lang="en-US" dirty="0" smtClean="0"/>
+            <a:endParaRPr lang="en-US" dirty="0"/>
+          </a:p>
+          <a:p>
+            <a:r>
+              <a:rPr lang="en-US" dirty="0"/>
               <a:t>Tie in change staff into the pipeline configuration process</a:t>
             </a:r>
           </a:p>
           <a:p>
             <a:r>
-              <a:rPr lang="en-US" dirty="0" smtClean="0"/>
+              <a:rPr lang="en-US" dirty="0"/>
               <a:t>Manual intervention is replaced with automated response and escalation notifications</a:t>
             </a:r>
           </a:p>
@@ -12543,13 +12348,13 @@
               <a:buChar char="•"/>
             </a:pPr>
             <a:r>
-              <a:rPr lang="en-US" dirty="0" smtClean="0"/>
+              <a:rPr lang="en-US" dirty="0"/>
               <a:t>Infrastructure</a:t>
             </a:r>
           </a:p>
           <a:p>
             <a:r>
-              <a:rPr lang="en-US" dirty="0" smtClean="0"/>
+              <a:rPr lang="en-US" dirty="0"/>
               <a:t>Changes required to stand up a minimum viable environment</a:t>
             </a:r>
           </a:p>
@@ -12559,24 +12364,24 @@
               <a:buChar char="•"/>
             </a:pPr>
             <a:r>
-              <a:rPr lang="en-US" dirty="0" smtClean="0"/>
+              <a:rPr lang="en-US" dirty="0"/>
               <a:t>Policy</a:t>
             </a:r>
           </a:p>
           <a:p>
             <a:r>
-              <a:rPr lang="en-US" dirty="0" smtClean="0"/>
+              <a:rPr lang="en-US" dirty="0"/>
               <a:t>Being able to prove that pipeline fills policy requirements, organizational software lifecycle policy changes</a:t>
             </a:r>
           </a:p>
           <a:p>
             <a:r>
-              <a:rPr lang="en-US" dirty="0" smtClean="0"/>
+              <a:rPr lang="en-US" dirty="0"/>
               <a:t>Tie in management into the monitoring dashboards</a:t>
             </a:r>
           </a:p>
           <a:p>
-            <a:endParaRPr lang="en-US" dirty="0" smtClean="0"/>
+            <a:endParaRPr lang="en-US" dirty="0"/>
           </a:p>
           <a:p>
             <a:pPr marL="0" indent="0">
@@ -12596,13 +12401,6 @@
   <p:clrMapOvr>
     <a:masterClrMapping/>
   </p:clrMapOvr>
-  <p:timing>
-    <p:tnLst>
-      <p:par>
-        <p:cTn id="1" dur="indefinite" restart="never" nodeType="tmRoot"/>
-      </p:par>
-    </p:tnLst>
-  </p:timing>
 </p:sld>
 </file>
 
@@ -12639,18 +12437,17 @@
           <a:lstStyle/>
           <a:p>
             <a:r>
-              <a:rPr lang="en-US" dirty="0" smtClean="0"/>
+              <a:rPr lang="en-US" dirty="0"/>
               <a:t>DevOps </a:t>
             </a:r>
             <a:r>
-              <a:rPr lang="en-US" dirty="0" err="1" smtClean="0"/>
+              <a:rPr lang="en-US" dirty="0" err="1"/>
               <a:t>WorkStream</a:t>
             </a:r>
             <a:r>
-              <a:rPr lang="en-US" dirty="0" smtClean="0"/>
+              <a:rPr lang="en-US" dirty="0"/>
               <a:t> </a:t>
             </a:r>
-            <a:endParaRPr lang="en-US" dirty="0"/>
           </a:p>
         </p:txBody>
       </p:sp>
@@ -12694,10 +12491,9 @@
           <a:lstStyle/>
           <a:p>
             <a:r>
-              <a:rPr lang="en-US" smtClean="0"/>
+              <a:rPr lang="en-US"/>
               <a:t>This document is confidential and intended solely for the client to whom it is addressed.</a:t>
             </a:r>
-            <a:endParaRPr lang="en-US"/>
           </a:p>
         </p:txBody>
       </p:sp>
@@ -12725,43 +12521,42 @@
           <a:p>
             <a:pPr lvl="3"/>
             <a:r>
-              <a:rPr lang="en-US" dirty="0" smtClean="0"/>
+              <a:rPr lang="en-US" dirty="0"/>
               <a:t>Client Objectives</a:t>
             </a:r>
+          </a:p>
+          <a:p>
+            <a:r>
+              <a:rPr lang="en-US" dirty="0"/>
+              <a:t>Continuous Integration and Deployment</a:t>
+            </a:r>
+          </a:p>
+          <a:p>
+            <a:r>
+              <a:rPr lang="en-US" dirty="0"/>
+              <a:t>Scalability and Performance</a:t>
+            </a:r>
+          </a:p>
+          <a:p>
+            <a:r>
+              <a:rPr lang="en-US" dirty="0"/>
+              <a:t>Fault Tolerance and Catastrophe-Preparedness</a:t>
+            </a:r>
+          </a:p>
+          <a:p>
+            <a:r>
+              <a:rPr lang="en-US" dirty="0"/>
+              <a:t>Security and Monitoring</a:t>
+            </a:r>
+          </a:p>
+          <a:p>
+            <a:r>
+              <a:rPr lang="en-US" dirty="0"/>
+              <a:t>Deployment to an Agency</a:t>
+            </a:r>
+          </a:p>
+          <a:p>
             <a:endParaRPr lang="en-US" dirty="0"/>
-          </a:p>
-          <a:p>
-            <a:r>
-              <a:rPr lang="en-US" dirty="0" smtClean="0"/>
-              <a:t>Continuous Integration and Deployment</a:t>
-            </a:r>
-          </a:p>
-          <a:p>
-            <a:r>
-              <a:rPr lang="en-US" dirty="0" smtClean="0"/>
-              <a:t>Scalability and Performance</a:t>
-            </a:r>
-          </a:p>
-          <a:p>
-            <a:r>
-              <a:rPr lang="en-US" dirty="0" smtClean="0"/>
-              <a:t>Fault Tolerance and Catastrophe-Preparedness</a:t>
-            </a:r>
-          </a:p>
-          <a:p>
-            <a:r>
-              <a:rPr lang="en-US" dirty="0" smtClean="0"/>
-              <a:t>Security and Monitoring</a:t>
-            </a:r>
-          </a:p>
-          <a:p>
-            <a:r>
-              <a:rPr lang="en-US" dirty="0" smtClean="0"/>
-              <a:t>Deployment to an Agency</a:t>
-            </a:r>
-          </a:p>
-          <a:p>
-            <a:endParaRPr lang="en-US" dirty="0" smtClean="0"/>
           </a:p>
           <a:p>
             <a:pPr lvl="1"/>
@@ -12769,17 +12564,11 @@
           </a:p>
           <a:p>
             <a:pPr lvl="1"/>
-            <a:endParaRPr lang="en-US" dirty="0" smtClean="0"/>
+            <a:endParaRPr lang="en-US" dirty="0"/>
           </a:p>
           <a:p>
             <a:pPr lvl="1"/>
             <a:endParaRPr lang="en-US" dirty="0"/>
-          </a:p>
-          <a:p>
-            <a:pPr marL="296863" lvl="1" indent="0">
-              <a:buNone/>
-            </a:pPr>
-            <a:endParaRPr lang="en-US" dirty="0" smtClean="0"/>
           </a:p>
           <a:p>
             <a:pPr marL="296863" lvl="1" indent="0">
@@ -12788,6 +12577,12 @@
             <a:endParaRPr lang="en-US" dirty="0"/>
           </a:p>
           <a:p>
+            <a:pPr marL="296863" lvl="1" indent="0">
+              <a:buNone/>
+            </a:pPr>
+            <a:endParaRPr lang="en-US" dirty="0"/>
+          </a:p>
+          <a:p>
             <a:pPr lvl="3"/>
             <a:endParaRPr lang="en-US" dirty="0"/>
           </a:p>
@@ -12817,125 +12612,123 @@
           <a:p>
             <a:pPr lvl="3"/>
             <a:r>
-              <a:rPr lang="en-US" dirty="0" smtClean="0"/>
+              <a:rPr lang="en-US" dirty="0"/>
               <a:t>DevOps Key task areas</a:t>
             </a:r>
+          </a:p>
+          <a:p>
+            <a:r>
+              <a:rPr lang="en-US" dirty="0"/>
+              <a:t>Infrastructure Configuration</a:t>
+            </a:r>
+          </a:p>
+          <a:p>
+            <a:pPr lvl="1"/>
+            <a:r>
+              <a:rPr lang="en-US" dirty="0"/>
+              <a:t>Configuring Jenkins for HA</a:t>
+            </a:r>
+          </a:p>
+          <a:p>
+            <a:pPr lvl="1"/>
+            <a:r>
+              <a:rPr lang="en-US" dirty="0"/>
+              <a:t>Scripted Deployment of OS and Jenkins</a:t>
+            </a:r>
+          </a:p>
+          <a:p>
+            <a:pPr lvl="1"/>
+            <a:r>
+              <a:rPr lang="en-US" dirty="0"/>
+              <a:t>Scripted Configuration of OS and Jenkins</a:t>
+            </a:r>
+          </a:p>
+          <a:p>
+            <a:pPr lvl="1"/>
+            <a:r>
+              <a:rPr lang="en-US" dirty="0"/>
+              <a:t>Tool Installation (Security, Testing and Monitoring)</a:t>
+            </a:r>
+          </a:p>
+          <a:p>
+            <a:pPr lvl="1"/>
+            <a:r>
+              <a:rPr lang="en-US" dirty="0"/>
+              <a:t>Configuring </a:t>
+            </a:r>
+            <a:r>
+              <a:rPr lang="en-US" dirty="0" err="1"/>
+              <a:t>OpenShift</a:t>
+            </a:r>
+            <a:r>
+              <a:rPr lang="en-US" dirty="0"/>
+              <a:t> as a secure deployment environment</a:t>
+            </a:r>
+          </a:p>
+          <a:p>
+            <a:pPr lvl="1"/>
+            <a:r>
+              <a:rPr lang="en-US" dirty="0"/>
+              <a:t>Configuring </a:t>
+            </a:r>
+            <a:r>
+              <a:rPr lang="en-US" dirty="0" err="1"/>
+              <a:t>OpenShift</a:t>
+            </a:r>
+            <a:r>
+              <a:rPr lang="en-US" dirty="0"/>
+              <a:t> and AWS for Horizontal HA</a:t>
+            </a:r>
+          </a:p>
+          <a:p>
+            <a:pPr lvl="1"/>
             <a:endParaRPr lang="en-US" dirty="0"/>
           </a:p>
           <a:p>
             <a:r>
-              <a:rPr lang="en-US" dirty="0" smtClean="0"/>
-              <a:t>Infrastructure Configuration</a:t>
+              <a:rPr lang="en-US" dirty="0"/>
+              <a:t>Development Support </a:t>
             </a:r>
           </a:p>
           <a:p>
             <a:pPr lvl="1"/>
             <a:r>
-              <a:rPr lang="en-US" dirty="0" smtClean="0"/>
-              <a:t>Configuring Jenkins for HA</a:t>
+              <a:rPr lang="en-US" dirty="0"/>
+              <a:t>Standing up tools</a:t>
             </a:r>
           </a:p>
           <a:p>
             <a:pPr lvl="1"/>
             <a:r>
-              <a:rPr lang="en-US" dirty="0" smtClean="0"/>
-              <a:t>Scripted Deployment of OS and Jenkins</a:t>
+              <a:rPr lang="en-US" dirty="0"/>
+              <a:t>Setting up new services</a:t>
             </a:r>
           </a:p>
           <a:p>
             <a:pPr lvl="1"/>
             <a:r>
-              <a:rPr lang="en-US" dirty="0" smtClean="0"/>
-              <a:t>Scripted Configuration of OS and Jenkins</a:t>
+              <a:rPr lang="en-US" dirty="0"/>
+              <a:t>Migration of legacy services into new environment</a:t>
             </a:r>
           </a:p>
           <a:p>
             <a:pPr lvl="1"/>
             <a:r>
-              <a:rPr lang="en-US" dirty="0" smtClean="0"/>
-              <a:t>Tool Installation (Security, Testing and Monitoring)</a:t>
+              <a:rPr lang="en-US" dirty="0"/>
+              <a:t>Standing up databases in new environments</a:t>
             </a:r>
           </a:p>
           <a:p>
             <a:pPr lvl="1"/>
             <a:r>
-              <a:rPr lang="en-US" dirty="0" smtClean="0"/>
-              <a:t>Configuring </a:t>
-            </a:r>
-            <a:r>
-              <a:rPr lang="en-US" dirty="0" err="1" smtClean="0"/>
-              <a:t>OpenShift</a:t>
-            </a:r>
-            <a:r>
-              <a:rPr lang="en-US" dirty="0" smtClean="0"/>
-              <a:t> as a secure deployment environment</a:t>
-            </a:r>
-            <a:endParaRPr lang="en-US" dirty="0"/>
+              <a:rPr lang="en-US" dirty="0"/>
+              <a:t>Scripting database reset and test data populations</a:t>
+            </a:r>
           </a:p>
           <a:p>
             <a:pPr lvl="1"/>
             <a:r>
-              <a:rPr lang="en-US" dirty="0" smtClean="0"/>
-              <a:t>Configuring </a:t>
-            </a:r>
-            <a:r>
-              <a:rPr lang="en-US" dirty="0" err="1" smtClean="0"/>
-              <a:t>OpenShift</a:t>
-            </a:r>
-            <a:r>
-              <a:rPr lang="en-US" dirty="0" smtClean="0"/>
-              <a:t> and AWS for Horizontal HA</a:t>
-            </a:r>
-          </a:p>
-          <a:p>
-            <a:pPr lvl="1"/>
-            <a:endParaRPr lang="en-US" dirty="0" smtClean="0"/>
-          </a:p>
-          <a:p>
-            <a:r>
-              <a:rPr lang="en-US" dirty="0" smtClean="0"/>
-              <a:t>Development Support </a:t>
-            </a:r>
-          </a:p>
-          <a:p>
-            <a:pPr lvl="1"/>
-            <a:r>
-              <a:rPr lang="en-US" dirty="0" smtClean="0"/>
-              <a:t>Standing up tools</a:t>
-            </a:r>
-          </a:p>
-          <a:p>
-            <a:pPr lvl="1"/>
-            <a:r>
-              <a:rPr lang="en-US" dirty="0" smtClean="0"/>
-              <a:t>Setting up new services</a:t>
-            </a:r>
-          </a:p>
-          <a:p>
-            <a:pPr lvl="1"/>
-            <a:r>
-              <a:rPr lang="en-US" dirty="0" smtClean="0"/>
-              <a:t>Migration of legacy services into new environment</a:t>
-            </a:r>
-          </a:p>
-          <a:p>
-            <a:pPr lvl="1"/>
-            <a:r>
-              <a:rPr lang="en-US" dirty="0" smtClean="0"/>
-              <a:t>Standing up databases in new environments</a:t>
-            </a:r>
-          </a:p>
-          <a:p>
-            <a:pPr lvl="1"/>
-            <a:r>
-              <a:rPr lang="en-US" dirty="0" smtClean="0"/>
-              <a:t>Scripting database reset and test data populations</a:t>
-            </a:r>
-          </a:p>
-          <a:p>
-            <a:pPr lvl="1"/>
-            <a:r>
-              <a:rPr lang="en-US" dirty="0" smtClean="0"/>
+              <a:rPr lang="en-US" dirty="0"/>
               <a:t>Configuring services for Scaling and Availability</a:t>
             </a:r>
           </a:p>
@@ -12943,13 +12736,13 @@
             <a:pPr marL="296863" lvl="1" indent="0">
               <a:buNone/>
             </a:pPr>
-            <a:endParaRPr lang="en-US" dirty="0" smtClean="0"/>
+            <a:endParaRPr lang="en-US" dirty="0"/>
           </a:p>
           <a:p>
             <a:pPr marL="296863" lvl="1" indent="0">
               <a:buNone/>
             </a:pPr>
-            <a:endParaRPr lang="en-US" dirty="0" smtClean="0"/>
+            <a:endParaRPr lang="en-US" dirty="0"/>
           </a:p>
         </p:txBody>
       </p:sp>
@@ -12963,13 +12756,6 @@
   <p:clrMapOvr>
     <a:masterClrMapping/>
   </p:clrMapOvr>
-  <p:timing>
-    <p:tnLst>
-      <p:par>
-        <p:cTn id="1" dur="indefinite" restart="never" nodeType="tmRoot"/>
-      </p:par>
-    </p:tnLst>
-  </p:timing>
 </p:sld>
 </file>
 
@@ -13006,18 +12792,17 @@
           <a:lstStyle/>
           <a:p>
             <a:r>
-              <a:rPr lang="en-US" dirty="0" smtClean="0"/>
+              <a:rPr lang="en-US" dirty="0"/>
               <a:t>DevOps </a:t>
             </a:r>
             <a:r>
-              <a:rPr lang="en-US" dirty="0" err="1" smtClean="0"/>
+              <a:rPr lang="en-US" dirty="0" err="1"/>
               <a:t>WorkStream</a:t>
             </a:r>
             <a:r>
-              <a:rPr lang="en-US" dirty="0" smtClean="0"/>
+              <a:rPr lang="en-US" dirty="0"/>
               <a:t> (Cont.) </a:t>
             </a:r>
-            <a:endParaRPr lang="en-US" dirty="0"/>
           </a:p>
         </p:txBody>
       </p:sp>
@@ -13061,10 +12846,9 @@
           <a:lstStyle/>
           <a:p>
             <a:r>
-              <a:rPr lang="en-US" smtClean="0"/>
+              <a:rPr lang="en-US"/>
               <a:t>This document is confidential and intended solely for the client to whom it is addressed.</a:t>
             </a:r>
-            <a:endParaRPr lang="en-US"/>
           </a:p>
         </p:txBody>
       </p:sp>
@@ -13092,43 +12876,42 @@
           <a:p>
             <a:pPr lvl="3"/>
             <a:r>
-              <a:rPr lang="en-US" dirty="0" smtClean="0"/>
+              <a:rPr lang="en-US" dirty="0"/>
               <a:t>Client Objectives</a:t>
             </a:r>
+          </a:p>
+          <a:p>
+            <a:r>
+              <a:rPr lang="en-US" dirty="0"/>
+              <a:t>Continuous Integration and Deployment</a:t>
+            </a:r>
+          </a:p>
+          <a:p>
+            <a:r>
+              <a:rPr lang="en-US" dirty="0"/>
+              <a:t>Scalability and Performance</a:t>
+            </a:r>
+          </a:p>
+          <a:p>
+            <a:r>
+              <a:rPr lang="en-US" dirty="0"/>
+              <a:t>Fault Tolerance and Catastrophe-Preparedness</a:t>
+            </a:r>
+          </a:p>
+          <a:p>
+            <a:r>
+              <a:rPr lang="en-US" dirty="0"/>
+              <a:t>Security and Monitoring</a:t>
+            </a:r>
+          </a:p>
+          <a:p>
+            <a:r>
+              <a:rPr lang="en-US" dirty="0"/>
+              <a:t>Deployment to an Agency</a:t>
+            </a:r>
+          </a:p>
+          <a:p>
             <a:endParaRPr lang="en-US" dirty="0"/>
-          </a:p>
-          <a:p>
-            <a:r>
-              <a:rPr lang="en-US" dirty="0" smtClean="0"/>
-              <a:t>Continuous Integration and Deployment</a:t>
-            </a:r>
-          </a:p>
-          <a:p>
-            <a:r>
-              <a:rPr lang="en-US" dirty="0" smtClean="0"/>
-              <a:t>Scalability and Performance</a:t>
-            </a:r>
-          </a:p>
-          <a:p>
-            <a:r>
-              <a:rPr lang="en-US" dirty="0" smtClean="0"/>
-              <a:t>Fault Tolerance and Catastrophe-Preparedness</a:t>
-            </a:r>
-          </a:p>
-          <a:p>
-            <a:r>
-              <a:rPr lang="en-US" dirty="0" smtClean="0"/>
-              <a:t>Security and Monitoring</a:t>
-            </a:r>
-          </a:p>
-          <a:p>
-            <a:r>
-              <a:rPr lang="en-US" dirty="0" smtClean="0"/>
-              <a:t>Deployment to an Agency</a:t>
-            </a:r>
-          </a:p>
-          <a:p>
-            <a:endParaRPr lang="en-US" dirty="0" smtClean="0"/>
           </a:p>
           <a:p>
             <a:pPr lvl="1"/>
@@ -13136,17 +12919,11 @@
           </a:p>
           <a:p>
             <a:pPr lvl="1"/>
-            <a:endParaRPr lang="en-US" dirty="0" smtClean="0"/>
+            <a:endParaRPr lang="en-US" dirty="0"/>
           </a:p>
           <a:p>
             <a:pPr lvl="1"/>
             <a:endParaRPr lang="en-US" dirty="0"/>
-          </a:p>
-          <a:p>
-            <a:pPr marL="296863" lvl="1" indent="0">
-              <a:buNone/>
-            </a:pPr>
-            <a:endParaRPr lang="en-US" dirty="0" smtClean="0"/>
           </a:p>
           <a:p>
             <a:pPr marL="296863" lvl="1" indent="0">
@@ -13155,6 +12932,12 @@
             <a:endParaRPr lang="en-US" dirty="0"/>
           </a:p>
           <a:p>
+            <a:pPr marL="296863" lvl="1" indent="0">
+              <a:buNone/>
+            </a:pPr>
+            <a:endParaRPr lang="en-US" dirty="0"/>
+          </a:p>
+          <a:p>
             <a:pPr lvl="3"/>
             <a:endParaRPr lang="en-US" dirty="0"/>
           </a:p>
@@ -13184,116 +12967,107 @@
           <a:p>
             <a:pPr lvl="3"/>
             <a:r>
-              <a:rPr lang="en-US" dirty="0" smtClean="0"/>
+              <a:rPr lang="en-US" dirty="0"/>
               <a:t>DevOps Key task areas</a:t>
             </a:r>
+          </a:p>
+          <a:p>
+            <a:r>
+              <a:rPr lang="en-US" dirty="0"/>
+              <a:t>Pipeline Development</a:t>
+            </a:r>
+          </a:p>
+          <a:p>
+            <a:pPr lvl="1"/>
+            <a:r>
+              <a:rPr lang="en-US" dirty="0"/>
+              <a:t>Security Stages</a:t>
+            </a:r>
+          </a:p>
+          <a:p>
+            <a:pPr lvl="1"/>
+            <a:r>
+              <a:rPr lang="en-US" dirty="0"/>
+              <a:t>Testing Stages</a:t>
+            </a:r>
+          </a:p>
+          <a:p>
+            <a:pPr lvl="1"/>
+            <a:r>
+              <a:rPr lang="en-US" dirty="0"/>
+              <a:t>Templates for Service Types</a:t>
+            </a:r>
+          </a:p>
+          <a:p>
+            <a:pPr lvl="1"/>
+            <a:r>
+              <a:rPr lang="en-US" dirty="0"/>
+              <a:t>Development Environment Provisioning</a:t>
+            </a:r>
+          </a:p>
+          <a:p>
+            <a:pPr lvl="1"/>
+            <a:r>
+              <a:rPr lang="en-US" dirty="0"/>
+              <a:t>Adding Enhancements to the Pipelines (resource provisioning)</a:t>
+            </a:r>
+          </a:p>
+          <a:p>
+            <a:pPr lvl="1"/>
+            <a:r>
+              <a:rPr lang="en-US" dirty="0"/>
+              <a:t>Ongoing Elimination of Technical Debt</a:t>
+            </a:r>
+          </a:p>
+          <a:p>
+            <a:pPr lvl="1"/>
+            <a:r>
+              <a:rPr lang="en-US" dirty="0"/>
+              <a:t>Pipeline Architecture Development</a:t>
+            </a:r>
+          </a:p>
+          <a:p>
+            <a:pPr lvl="1"/>
             <a:endParaRPr lang="en-US" dirty="0"/>
           </a:p>
           <a:p>
             <a:r>
-              <a:rPr lang="en-US" dirty="0" smtClean="0"/>
-              <a:t>Pipeline Development</a:t>
+              <a:rPr lang="en-US" dirty="0"/>
+              <a:t>DevOps: Monitoring/Dashboards/Governance</a:t>
             </a:r>
           </a:p>
           <a:p>
             <a:pPr lvl="1"/>
             <a:r>
-              <a:rPr lang="en-US" dirty="0" smtClean="0"/>
-              <a:t>Security Stages</a:t>
+              <a:rPr lang="en-US" dirty="0"/>
+              <a:t>Develop Team Roles</a:t>
             </a:r>
           </a:p>
           <a:p>
             <a:pPr lvl="1"/>
             <a:r>
-              <a:rPr lang="en-US" dirty="0" smtClean="0"/>
-              <a:t>Testing Stages</a:t>
+              <a:rPr lang="en-US" dirty="0"/>
+              <a:t>Configuring Tools for Monitoring and Dashboards</a:t>
             </a:r>
           </a:p>
           <a:p>
             <a:pPr lvl="1"/>
             <a:r>
-              <a:rPr lang="en-US" dirty="0" smtClean="0"/>
-              <a:t>Templates for Service Types</a:t>
+              <a:rPr lang="en-US" dirty="0"/>
+              <a:t>Detailed Guides</a:t>
             </a:r>
           </a:p>
           <a:p>
             <a:pPr lvl="1"/>
             <a:r>
-              <a:rPr lang="en-US" dirty="0" smtClean="0"/>
-              <a:t>Development Environment Provisioning</a:t>
+              <a:rPr lang="en-US" dirty="0"/>
+              <a:t>Microservice ‘production readiness’ Dashboards</a:t>
             </a:r>
           </a:p>
           <a:p>
             <a:pPr lvl="1"/>
             <a:r>
-              <a:rPr lang="en-US" dirty="0" smtClean="0"/>
-              <a:t>Adding Enhancements to the Pipelines (resource provisioning)</a:t>
-            </a:r>
-          </a:p>
-          <a:p>
-            <a:pPr lvl="1"/>
-            <a:r>
-              <a:rPr lang="en-US" dirty="0" smtClean="0"/>
-              <a:t>Ongoing Elimination of Technical </a:t>
-            </a:r>
-            <a:r>
-              <a:rPr lang="en-US" dirty="0"/>
-              <a:t>D</a:t>
-            </a:r>
-            <a:r>
-              <a:rPr lang="en-US" dirty="0" smtClean="0"/>
-              <a:t>ebt</a:t>
-            </a:r>
-          </a:p>
-          <a:p>
-            <a:pPr lvl="1"/>
-            <a:r>
-              <a:rPr lang="en-US" dirty="0" smtClean="0"/>
-              <a:t>Pipeline Architecture Development</a:t>
-            </a:r>
-          </a:p>
-          <a:p>
-            <a:pPr lvl="1"/>
-            <a:endParaRPr lang="en-US" dirty="0" smtClean="0"/>
-          </a:p>
-          <a:p>
-            <a:r>
-              <a:rPr lang="en-US" dirty="0" smtClean="0"/>
-              <a:t>DevOps: Monitoring/Dashboards/Governance</a:t>
-            </a:r>
-          </a:p>
-          <a:p>
-            <a:pPr lvl="1"/>
-            <a:r>
-              <a:rPr lang="en-US" dirty="0" smtClean="0"/>
-              <a:t>Develop Team Roles</a:t>
-            </a:r>
-          </a:p>
-          <a:p>
-            <a:pPr lvl="1"/>
-            <a:r>
-              <a:rPr lang="en-US" dirty="0" smtClean="0"/>
-              <a:t>Configuring Tools for Monitoring and Dashboards</a:t>
-            </a:r>
-          </a:p>
-          <a:p>
-            <a:pPr lvl="1"/>
-            <a:r>
-              <a:rPr lang="en-US" dirty="0" smtClean="0"/>
-              <a:t>Detailed Guides</a:t>
-            </a:r>
-          </a:p>
-          <a:p>
-            <a:pPr lvl="1"/>
-            <a:r>
-              <a:rPr lang="en-US" dirty="0" smtClean="0"/>
-              <a:t>Microservice ‘production readiness’ Dashboards</a:t>
-            </a:r>
-          </a:p>
-          <a:p>
-            <a:pPr lvl="1"/>
-            <a:r>
-              <a:rPr lang="en-US" dirty="0" smtClean="0"/>
+              <a:rPr lang="en-US" dirty="0"/>
               <a:t>Infrastructure Diagrams</a:t>
             </a:r>
           </a:p>
@@ -13301,13 +13075,13 @@
             <a:pPr marL="296863" lvl="1" indent="0">
               <a:buNone/>
             </a:pPr>
-            <a:endParaRPr lang="en-US" dirty="0" smtClean="0"/>
+            <a:endParaRPr lang="en-US" dirty="0"/>
           </a:p>
           <a:p>
             <a:pPr marL="296863" lvl="1" indent="0">
               <a:buNone/>
             </a:pPr>
-            <a:endParaRPr lang="en-US" dirty="0" smtClean="0"/>
+            <a:endParaRPr lang="en-US" dirty="0"/>
           </a:p>
         </p:txBody>
       </p:sp>
@@ -13321,13 +13095,6 @@
   <p:clrMapOvr>
     <a:masterClrMapping/>
   </p:clrMapOvr>
-  <p:timing>
-    <p:tnLst>
-      <p:par>
-        <p:cTn id="1" dur="indefinite" restart="never" nodeType="tmRoot"/>
-      </p:par>
-    </p:tnLst>
-  </p:timing>
 </p:sld>
 </file>
 
@@ -13364,22 +13131,17 @@
           <a:lstStyle/>
           <a:p>
             <a:r>
-              <a:rPr lang="en-US" dirty="0" smtClean="0"/>
+              <a:rPr lang="en-US" dirty="0"/>
               <a:t>DevOps </a:t>
             </a:r>
             <a:r>
-              <a:rPr lang="en-US" dirty="0" err="1" smtClean="0"/>
+              <a:rPr lang="en-US" dirty="0" err="1"/>
               <a:t>WorkStream</a:t>
             </a:r>
             <a:r>
-              <a:rPr lang="en-US" dirty="0" smtClean="0"/>
-              <a:t> </a:t>
-            </a:r>
-            <a:r>
-              <a:rPr lang="en-US" dirty="0" smtClean="0"/>
-              <a:t>Agency Demo: Goals</a:t>
-            </a:r>
-            <a:endParaRPr lang="en-US" dirty="0"/>
+              <a:rPr lang="en-US" dirty="0"/>
+              <a:t> Agency Demo: Goals</a:t>
+            </a:r>
           </a:p>
         </p:txBody>
       </p:sp>
@@ -13423,10 +13185,9 @@
           <a:lstStyle/>
           <a:p>
             <a:r>
-              <a:rPr lang="en-US" smtClean="0"/>
+              <a:rPr lang="en-US"/>
               <a:t>This document is confidential and intended solely for the client to whom it is addressed.</a:t>
             </a:r>
-            <a:endParaRPr lang="en-US"/>
           </a:p>
         </p:txBody>
       </p:sp>
@@ -13631,7 +13392,7 @@
           <a:p>
             <a:pPr lvl="3"/>
             <a:r>
-              <a:rPr lang="en-US" dirty="0" smtClean="0"/>
+              <a:rPr lang="en-US" dirty="0"/>
               <a:t>Developer Support</a:t>
             </a:r>
           </a:p>
@@ -13651,33 +13412,33 @@
             <a:pPr marL="0" indent="0">
               <a:buNone/>
             </a:pPr>
-            <a:endParaRPr lang="en-US" dirty="0" smtClean="0"/>
+            <a:endParaRPr lang="en-US" dirty="0"/>
           </a:p>
           <a:p>
             <a:pPr lvl="1"/>
-            <a:endParaRPr lang="en-US" dirty="0" smtClean="0"/>
+            <a:endParaRPr lang="en-US" dirty="0"/>
           </a:p>
           <a:p>
             <a:pPr lvl="1"/>
-            <a:endParaRPr lang="en-US" dirty="0" smtClean="0"/>
+            <a:endParaRPr lang="en-US" dirty="0"/>
           </a:p>
           <a:p>
             <a:pPr lvl="1"/>
-            <a:endParaRPr lang="en-US" dirty="0" smtClean="0"/>
+            <a:endParaRPr lang="en-US" dirty="0"/>
           </a:p>
           <a:p>
             <a:pPr marL="296863" lvl="1" indent="0">
               <a:buFont typeface="LucidaGrande" charset="0"/>
               <a:buNone/>
             </a:pPr>
-            <a:endParaRPr lang="en-US" dirty="0" smtClean="0"/>
+            <a:endParaRPr lang="en-US" dirty="0"/>
           </a:p>
           <a:p>
             <a:pPr marL="296863" lvl="1" indent="0">
               <a:buFont typeface="LucidaGrande" charset="0"/>
               <a:buNone/>
             </a:pPr>
-            <a:endParaRPr lang="en-US" dirty="0" smtClean="0"/>
+            <a:endParaRPr lang="en-US" dirty="0"/>
           </a:p>
           <a:p>
             <a:pPr lvl="3"/>
@@ -13886,10 +13647,10 @@
           <a:p>
             <a:pPr lvl="3"/>
             <a:r>
-              <a:rPr lang="en-US" dirty="0" err="1" smtClean="0"/>
+              <a:rPr lang="en-US" dirty="0" err="1"/>
               <a:t>Devops</a:t>
             </a:r>
-            <a:endParaRPr lang="en-US" dirty="0" smtClean="0"/>
+            <a:endParaRPr lang="en-US" dirty="0"/>
           </a:p>
           <a:p>
             <a:r>
@@ -13914,21 +13675,13 @@
             </a:r>
             <a:r>
               <a:rPr lang="en-US" dirty="0"/>
-              <a:t>/Angular </a:t>
-            </a:r>
-            <a:r>
-              <a:rPr lang="en-US" dirty="0" smtClean="0"/>
-              <a:t>services</a:t>
-            </a:r>
-          </a:p>
-          <a:p>
-            <a:r>
-              <a:rPr lang="en-US" dirty="0" smtClean="0"/>
-              <a:t> Demo </a:t>
-            </a:r>
-            <a:r>
-              <a:rPr lang="en-US" dirty="0"/>
-              <a:t>creating of a new service)</a:t>
+              <a:t>/Angular services</a:t>
+            </a:r>
+          </a:p>
+          <a:p>
+            <a:r>
+              <a:rPr lang="en-US" dirty="0"/>
+              <a:t> Demo creating of a new service)</a:t>
             </a:r>
           </a:p>
           <a:p>
@@ -13942,33 +13695,32 @@
               <a:rPr lang="en-US" dirty="0"/>
               <a:t>Microservice Production Readiness Dashboard</a:t>
             </a:r>
-            <a:endParaRPr lang="en-US" dirty="0" smtClean="0"/>
           </a:p>
           <a:p>
             <a:pPr lvl="1"/>
-            <a:endParaRPr lang="en-US" dirty="0" smtClean="0"/>
+            <a:endParaRPr lang="en-US" dirty="0"/>
           </a:p>
           <a:p>
             <a:pPr lvl="1"/>
-            <a:endParaRPr lang="en-US" dirty="0" smtClean="0"/>
+            <a:endParaRPr lang="en-US" dirty="0"/>
           </a:p>
           <a:p>
             <a:pPr lvl="1"/>
-            <a:endParaRPr lang="en-US" dirty="0" smtClean="0"/>
+            <a:endParaRPr lang="en-US" dirty="0"/>
           </a:p>
           <a:p>
             <a:pPr marL="296863" lvl="1" indent="0">
               <a:buFont typeface="LucidaGrande" charset="0"/>
               <a:buNone/>
             </a:pPr>
-            <a:endParaRPr lang="en-US" dirty="0" smtClean="0"/>
+            <a:endParaRPr lang="en-US" dirty="0"/>
           </a:p>
           <a:p>
             <a:pPr marL="296863" lvl="1" indent="0">
               <a:buFont typeface="LucidaGrande" charset="0"/>
               <a:buNone/>
             </a:pPr>
-            <a:endParaRPr lang="en-US" dirty="0" smtClean="0"/>
+            <a:endParaRPr lang="en-US" dirty="0"/>
           </a:p>
           <a:p>
             <a:pPr lvl="3"/>
@@ -14177,7 +13929,7 @@
           <a:p>
             <a:pPr lvl="3"/>
             <a:r>
-              <a:rPr lang="en-US" dirty="0" smtClean="0"/>
+              <a:rPr lang="en-US" dirty="0"/>
               <a:t>Infrastructure</a:t>
             </a:r>
           </a:p>
@@ -14202,33 +13954,32 @@
               <a:rPr lang="en-US" dirty="0"/>
               <a:t>ELK Stack for Logging/Monitoring</a:t>
             </a:r>
-            <a:endParaRPr lang="en-US" dirty="0" smtClean="0"/>
           </a:p>
           <a:p>
             <a:pPr lvl="1"/>
-            <a:endParaRPr lang="en-US" dirty="0" smtClean="0"/>
+            <a:endParaRPr lang="en-US" dirty="0"/>
           </a:p>
           <a:p>
             <a:pPr lvl="1"/>
-            <a:endParaRPr lang="en-US" dirty="0" smtClean="0"/>
+            <a:endParaRPr lang="en-US" dirty="0"/>
           </a:p>
           <a:p>
             <a:pPr lvl="1"/>
-            <a:endParaRPr lang="en-US" dirty="0" smtClean="0"/>
+            <a:endParaRPr lang="en-US" dirty="0"/>
           </a:p>
           <a:p>
             <a:pPr marL="296863" lvl="1" indent="0">
               <a:buFont typeface="LucidaGrande" charset="0"/>
               <a:buNone/>
             </a:pPr>
-            <a:endParaRPr lang="en-US" dirty="0" smtClean="0"/>
+            <a:endParaRPr lang="en-US" dirty="0"/>
           </a:p>
           <a:p>
             <a:pPr marL="296863" lvl="1" indent="0">
               <a:buFont typeface="LucidaGrande" charset="0"/>
               <a:buNone/>
             </a:pPr>
-            <a:endParaRPr lang="en-US" dirty="0" smtClean="0"/>
+            <a:endParaRPr lang="en-US" dirty="0"/>
           </a:p>
           <a:p>
             <a:pPr lvl="3"/>
@@ -14437,7 +14188,7 @@
           <a:p>
             <a:pPr lvl="3"/>
             <a:r>
-              <a:rPr lang="en-US" dirty="0" smtClean="0"/>
+              <a:rPr lang="en-US" dirty="0"/>
               <a:t>Pipeline</a:t>
             </a:r>
           </a:p>
@@ -14450,50 +14201,42 @@
           <a:p>
             <a:r>
               <a:rPr lang="en-US" dirty="0"/>
-              <a:t>Test Stages</a:t>
-            </a:r>
-            <a:r>
-              <a:rPr lang="en-US" dirty="0" smtClean="0"/>
-              <a:t>:</a:t>
+              <a:t>Test Stages:</a:t>
             </a:r>
           </a:p>
           <a:p>
             <a:pPr lvl="1"/>
             <a:r>
-              <a:rPr lang="en-US" dirty="0" smtClean="0"/>
+              <a:rPr lang="en-US" dirty="0"/>
               <a:t>Unit</a:t>
             </a:r>
           </a:p>
           <a:p>
             <a:pPr lvl="1"/>
             <a:r>
-              <a:rPr lang="en-US" dirty="0" smtClean="0"/>
+              <a:rPr lang="en-US" dirty="0"/>
               <a:t>Lint</a:t>
             </a:r>
           </a:p>
           <a:p>
             <a:pPr lvl="1"/>
             <a:r>
-              <a:rPr lang="en-US" dirty="0" smtClean="0"/>
+              <a:rPr lang="en-US" dirty="0"/>
               <a:t>Coverage</a:t>
             </a:r>
           </a:p>
           <a:p>
             <a:pPr lvl="1"/>
             <a:r>
-              <a:rPr lang="en-US" dirty="0" smtClean="0"/>
+              <a:rPr lang="en-US" dirty="0"/>
               <a:t>Functional</a:t>
             </a:r>
           </a:p>
           <a:p>
             <a:pPr lvl="1"/>
             <a:r>
-              <a:rPr lang="en-US" dirty="0" smtClean="0"/>
-              <a:t>UI </a:t>
-            </a:r>
-            <a:r>
-              <a:rPr lang="en-US" dirty="0"/>
-              <a:t>Tests</a:t>
+              <a:rPr lang="en-US" dirty="0"/>
+              <a:t>UI Tests</a:t>
             </a:r>
           </a:p>
           <a:p>
@@ -14501,67 +14244,53 @@
               <a:rPr lang="en-US" dirty="0"/>
               <a:t>Security Stages: </a:t>
             </a:r>
-            <a:endParaRPr lang="en-US" dirty="0" smtClean="0"/>
           </a:p>
           <a:p>
             <a:pPr lvl="1"/>
             <a:r>
-              <a:rPr lang="en-US" dirty="0" smtClean="0"/>
+              <a:rPr lang="en-US" dirty="0"/>
               <a:t>Code Scan</a:t>
             </a:r>
           </a:p>
           <a:p>
             <a:pPr lvl="1"/>
             <a:r>
-              <a:rPr lang="en-US" dirty="0" smtClean="0"/>
-              <a:t>Container </a:t>
-            </a:r>
-            <a:r>
-              <a:rPr lang="en-US" dirty="0"/>
-              <a:t>Image </a:t>
-            </a:r>
-            <a:r>
-              <a:rPr lang="en-US" dirty="0" smtClean="0"/>
-              <a:t>Scan</a:t>
+              <a:rPr lang="en-US" dirty="0"/>
+              <a:t>Container Image Scan</a:t>
             </a:r>
           </a:p>
           <a:p>
             <a:pPr lvl="1"/>
             <a:r>
-              <a:rPr lang="en-US" dirty="0" smtClean="0"/>
-              <a:t>End </a:t>
-            </a:r>
-            <a:r>
-              <a:rPr lang="en-US" dirty="0"/>
-              <a:t>Point Tests</a:t>
-            </a:r>
-            <a:endParaRPr lang="en-US" dirty="0" smtClean="0"/>
+              <a:rPr lang="en-US" dirty="0"/>
+              <a:t>End Point Tests</a:t>
+            </a:r>
           </a:p>
           <a:p>
             <a:pPr lvl="1"/>
-            <a:endParaRPr lang="en-US" dirty="0" smtClean="0"/>
+            <a:endParaRPr lang="en-US" dirty="0"/>
           </a:p>
           <a:p>
             <a:pPr lvl="1"/>
-            <a:endParaRPr lang="en-US" dirty="0" smtClean="0"/>
+            <a:endParaRPr lang="en-US" dirty="0"/>
           </a:p>
           <a:p>
             <a:pPr lvl="1"/>
-            <a:endParaRPr lang="en-US" dirty="0" smtClean="0"/>
+            <a:endParaRPr lang="en-US" dirty="0"/>
           </a:p>
           <a:p>
             <a:pPr marL="296863" lvl="1" indent="0">
               <a:buFont typeface="LucidaGrande" charset="0"/>
               <a:buNone/>
             </a:pPr>
-            <a:endParaRPr lang="en-US" dirty="0" smtClean="0"/>
+            <a:endParaRPr lang="en-US" dirty="0"/>
           </a:p>
           <a:p>
             <a:pPr marL="296863" lvl="1" indent="0">
               <a:buFont typeface="LucidaGrande" charset="0"/>
               <a:buNone/>
             </a:pPr>
-            <a:endParaRPr lang="en-US" dirty="0" smtClean="0"/>
+            <a:endParaRPr lang="en-US" dirty="0"/>
           </a:p>
           <a:p>
             <a:pPr lvl="3"/>
@@ -14579,13 +14308,725 @@
   <p:clrMapOvr>
     <a:masterClrMapping/>
   </p:clrMapOvr>
-  <p:timing>
-    <p:tnLst>
-      <p:par>
-        <p:cTn id="1" dur="indefinite" restart="never" nodeType="tmRoot"/>
-      </p:par>
-    </p:tnLst>
-  </p:timing>
+</p:sld>
+</file>
+
+<file path=ppt/slides/slide15.xml><?xml version="1.0" encoding="utf-8"?>
+<p:sld xmlns:a="http://schemas.openxmlformats.org/drawingml/2006/main" xmlns:r="http://schemas.openxmlformats.org/officeDocument/2006/relationships" xmlns:p="http://schemas.openxmlformats.org/presentationml/2006/main">
+  <p:cSld>
+    <p:spTree>
+      <p:nvGrpSpPr>
+        <p:cNvPr id="1" name=""/>
+        <p:cNvGrpSpPr/>
+        <p:nvPr/>
+      </p:nvGrpSpPr>
+      <p:grpSpPr>
+        <a:xfrm>
+          <a:off x="0" y="0"/>
+          <a:ext cx="0" cy="0"/>
+          <a:chOff x="0" y="0"/>
+          <a:chExt cx="0" cy="0"/>
+        </a:xfrm>
+      </p:grpSpPr>
+      <p:sp>
+        <p:nvSpPr>
+          <p:cNvPr id="2" name="Title 1"/>
+          <p:cNvSpPr>
+            <a:spLocks noGrp="1"/>
+          </p:cNvSpPr>
+          <p:nvPr>
+            <p:ph type="title"/>
+          </p:nvPr>
+        </p:nvSpPr>
+        <p:spPr/>
+        <p:txBody>
+          <a:bodyPr/>
+          <a:lstStyle/>
+          <a:p>
+            <a:r>
+              <a:rPr lang="en-US" dirty="0"/>
+              <a:t>DevOps </a:t>
+            </a:r>
+            <a:r>
+              <a:rPr lang="en-US" dirty="0" err="1"/>
+              <a:t>WorkStream</a:t>
+            </a:r>
+            <a:r>
+              <a:rPr lang="en-US" dirty="0"/>
+              <a:t> Agency Demo: Scenarios</a:t>
+            </a:r>
+          </a:p>
+        </p:txBody>
+      </p:sp>
+      <p:sp>
+        <p:nvSpPr>
+          <p:cNvPr id="12" name="Slide Number Placeholder 11"/>
+          <p:cNvSpPr>
+            <a:spLocks noGrp="1"/>
+          </p:cNvSpPr>
+          <p:nvPr>
+            <p:ph type="sldNum" sz="quarter" idx="4"/>
+          </p:nvPr>
+        </p:nvSpPr>
+        <p:spPr/>
+        <p:txBody>
+          <a:bodyPr/>
+          <a:lstStyle/>
+          <a:p>
+            <a:fld id="{EACE6E22-E655-5947-A8B4-6F095FBA2C12}" type="slidenum">
+              <a:rPr lang="en-US" smtClean="0"/>
+              <a:pPr/>
+              <a:t>14</a:t>
+            </a:fld>
+            <a:endParaRPr lang="en-US"/>
+          </a:p>
+        </p:txBody>
+      </p:sp>
+      <p:sp>
+        <p:nvSpPr>
+          <p:cNvPr id="10" name="Footer Placeholder 9"/>
+          <p:cNvSpPr>
+            <a:spLocks noGrp="1"/>
+          </p:cNvSpPr>
+          <p:nvPr>
+            <p:ph type="ftr" sz="quarter" idx="3"/>
+          </p:nvPr>
+        </p:nvSpPr>
+        <p:spPr/>
+        <p:txBody>
+          <a:bodyPr/>
+          <a:lstStyle/>
+          <a:p>
+            <a:r>
+              <a:rPr lang="en-US"/>
+              <a:t>This document is confidential and intended solely for the client to whom it is addressed.</a:t>
+            </a:r>
+          </a:p>
+        </p:txBody>
+      </p:sp>
+      <p:sp>
+        <p:nvSpPr>
+          <p:cNvPr id="7" name="Content Placeholder 6"/>
+          <p:cNvSpPr txBox="1">
+            <a:spLocks/>
+          </p:cNvSpPr>
+          <p:nvPr/>
+        </p:nvSpPr>
+        <p:spPr>
+          <a:xfrm>
+            <a:off x="838200" y="1407444"/>
+            <a:ext cx="10715626" cy="4993356"/>
+          </a:xfrm>
+          <a:prstGeom prst="rect">
+            <a:avLst/>
+          </a:prstGeom>
+        </p:spPr>
+        <p:txBody>
+          <a:bodyPr/>
+          <a:lstStyle>
+            <a:lvl1pPr marL="285750" indent="-285750" algn="l" defTabSz="914400" rtl="0" eaLnBrk="1" latinLnBrk="0" hangingPunct="1">
+              <a:lnSpc>
+                <a:spcPct val="100000"/>
+              </a:lnSpc>
+              <a:spcBef>
+                <a:spcPts val="600"/>
+              </a:spcBef>
+              <a:spcAft>
+                <a:spcPts val="0"/>
+              </a:spcAft>
+              <a:buFont typeface="Arial" charset="0"/>
+              <a:buChar char="•"/>
+              <a:defRPr sz="1400" i="0" kern="1200" baseline="0">
+                <a:solidFill>
+                  <a:schemeClr val="tx1"/>
+                </a:solidFill>
+                <a:latin typeface="Calibri" charset="0"/>
+                <a:ea typeface="Calibri" charset="0"/>
+                <a:cs typeface="Calibri" charset="0"/>
+              </a:defRPr>
+            </a:lvl1pPr>
+            <a:lvl2pPr marL="576263" indent="-279400" algn="l" defTabSz="914400" rtl="0" eaLnBrk="1" latinLnBrk="0" hangingPunct="1">
+              <a:lnSpc>
+                <a:spcPct val="100000"/>
+              </a:lnSpc>
+              <a:spcBef>
+                <a:spcPts val="0"/>
+              </a:spcBef>
+              <a:spcAft>
+                <a:spcPts val="0"/>
+              </a:spcAft>
+              <a:buFont typeface="LucidaGrande" charset="0"/>
+              <a:buChar char="-"/>
+              <a:tabLst/>
+              <a:defRPr sz="1400" i="0" kern="1200" cap="none" spc="0" baseline="0">
+                <a:solidFill>
+                  <a:schemeClr val="tx1"/>
+                </a:solidFill>
+                <a:latin typeface="Calibri" charset="0"/>
+                <a:ea typeface="Calibri" charset="0"/>
+                <a:cs typeface="Calibri" charset="0"/>
+              </a:defRPr>
+            </a:lvl2pPr>
+            <a:lvl3pPr marL="0" indent="0" algn="l" defTabSz="914400" rtl="0" eaLnBrk="1" latinLnBrk="0" hangingPunct="1">
+              <a:lnSpc>
+                <a:spcPct val="100000"/>
+              </a:lnSpc>
+              <a:spcBef>
+                <a:spcPts val="2400"/>
+              </a:spcBef>
+              <a:spcAft>
+                <a:spcPts val="900"/>
+              </a:spcAft>
+              <a:buFont typeface="Arial"/>
+              <a:buNone/>
+              <a:tabLst/>
+              <a:defRPr sz="1200" i="1" kern="1200">
+                <a:solidFill>
+                  <a:schemeClr val="tx1"/>
+                </a:solidFill>
+                <a:latin typeface="Georgia" charset="0"/>
+                <a:ea typeface="Georgia" charset="0"/>
+                <a:cs typeface="Georgia" charset="0"/>
+              </a:defRPr>
+            </a:lvl3pPr>
+            <a:lvl4pPr marL="15875" indent="0" algn="l" defTabSz="914400" rtl="0" eaLnBrk="1" latinLnBrk="0" hangingPunct="1">
+              <a:lnSpc>
+                <a:spcPct val="100000"/>
+              </a:lnSpc>
+              <a:spcBef>
+                <a:spcPts val="2400"/>
+              </a:spcBef>
+              <a:buFont typeface="LucidaGrande" charset="0"/>
+              <a:buNone/>
+              <a:tabLst/>
+              <a:defRPr sz="1400" kern="1200" cap="all" spc="100" baseline="0">
+                <a:solidFill>
+                  <a:schemeClr val="accent2"/>
+                </a:solidFill>
+                <a:latin typeface="Oswald" charset="0"/>
+                <a:ea typeface="Oswald" charset="0"/>
+                <a:cs typeface="Oswald" charset="0"/>
+              </a:defRPr>
+            </a:lvl4pPr>
+            <a:lvl5pPr marL="0" indent="0" algn="l" defTabSz="914400" rtl="0" eaLnBrk="1" latinLnBrk="0" hangingPunct="1">
+              <a:lnSpc>
+                <a:spcPct val="100000"/>
+              </a:lnSpc>
+              <a:spcBef>
+                <a:spcPts val="1200"/>
+              </a:spcBef>
+              <a:buFont typeface="Arial"/>
+              <a:buNone/>
+              <a:tabLst/>
+              <a:defRPr sz="1200" i="1" kern="1200">
+                <a:solidFill>
+                  <a:schemeClr val="tx1"/>
+                </a:solidFill>
+                <a:latin typeface="+mj-lt"/>
+                <a:ea typeface="+mn-ea"/>
+                <a:cs typeface="+mn-cs"/>
+              </a:defRPr>
+            </a:lvl5pPr>
+            <a:lvl6pPr marL="2514600" indent="-228600" algn="l" defTabSz="914400" rtl="0" eaLnBrk="1" latinLnBrk="0" hangingPunct="1">
+              <a:lnSpc>
+                <a:spcPct val="90000"/>
+              </a:lnSpc>
+              <a:spcBef>
+                <a:spcPts val="500"/>
+              </a:spcBef>
+              <a:buFont typeface="Arial"/>
+              <a:buChar char="•"/>
+              <a:defRPr sz="1800" kern="1200">
+                <a:solidFill>
+                  <a:schemeClr val="tx1"/>
+                </a:solidFill>
+                <a:latin typeface="+mn-lt"/>
+                <a:ea typeface="+mn-ea"/>
+                <a:cs typeface="+mn-cs"/>
+              </a:defRPr>
+            </a:lvl6pPr>
+            <a:lvl7pPr marL="2971800" indent="-228600" algn="l" defTabSz="914400" rtl="0" eaLnBrk="1" latinLnBrk="0" hangingPunct="1">
+              <a:lnSpc>
+                <a:spcPct val="90000"/>
+              </a:lnSpc>
+              <a:spcBef>
+                <a:spcPts val="500"/>
+              </a:spcBef>
+              <a:buFont typeface="Arial"/>
+              <a:buChar char="•"/>
+              <a:defRPr sz="1800" kern="1200">
+                <a:solidFill>
+                  <a:schemeClr val="tx1"/>
+                </a:solidFill>
+                <a:latin typeface="+mn-lt"/>
+                <a:ea typeface="+mn-ea"/>
+                <a:cs typeface="+mn-cs"/>
+              </a:defRPr>
+            </a:lvl7pPr>
+            <a:lvl8pPr marL="3429000" indent="-228600" algn="l" defTabSz="914400" rtl="0" eaLnBrk="1" latinLnBrk="0" hangingPunct="1">
+              <a:lnSpc>
+                <a:spcPct val="90000"/>
+              </a:lnSpc>
+              <a:spcBef>
+                <a:spcPts val="500"/>
+              </a:spcBef>
+              <a:buFont typeface="Arial"/>
+              <a:buChar char="•"/>
+              <a:defRPr sz="1800" kern="1200">
+                <a:solidFill>
+                  <a:schemeClr val="tx1"/>
+                </a:solidFill>
+                <a:latin typeface="+mn-lt"/>
+                <a:ea typeface="+mn-ea"/>
+                <a:cs typeface="+mn-cs"/>
+              </a:defRPr>
+            </a:lvl8pPr>
+            <a:lvl9pPr marL="3886200" indent="-228600" algn="l" defTabSz="914400" rtl="0" eaLnBrk="1" latinLnBrk="0" hangingPunct="1">
+              <a:lnSpc>
+                <a:spcPct val="90000"/>
+              </a:lnSpc>
+              <a:spcBef>
+                <a:spcPts val="500"/>
+              </a:spcBef>
+              <a:buFont typeface="Arial"/>
+              <a:buChar char="•"/>
+              <a:defRPr sz="1800" kern="1200">
+                <a:solidFill>
+                  <a:schemeClr val="tx1"/>
+                </a:solidFill>
+                <a:latin typeface="+mn-lt"/>
+                <a:ea typeface="+mn-ea"/>
+                <a:cs typeface="+mn-cs"/>
+              </a:defRPr>
+            </a:lvl9pPr>
+          </a:lstStyle>
+          <a:p>
+            <a:pPr marL="301625" lvl="3" indent="-285750">
+              <a:buFont typeface="Arial" panose="020B0604020202020204" pitchFamily="34" charset="0"/>
+              <a:buChar char="•"/>
+            </a:pPr>
+            <a:r>
+              <a:rPr lang="en-US" dirty="0"/>
+              <a:t>Adding a New Service</a:t>
+            </a:r>
+          </a:p>
+          <a:p>
+            <a:pPr marL="301625" lvl="3" indent="-285750">
+              <a:buFont typeface="Arial" panose="020B0604020202020204" pitchFamily="34" charset="0"/>
+              <a:buChar char="•"/>
+            </a:pPr>
+            <a:r>
+              <a:rPr lang="en-US" dirty="0"/>
+              <a:t>Modifying a service </a:t>
+            </a:r>
+          </a:p>
+          <a:p>
+            <a:r>
+              <a:rPr lang="en-US" dirty="0">
+                <a:sym typeface="Wingdings" panose="05000000000000000000" pitchFamily="2" charset="2"/>
+              </a:rPr>
+              <a:t>Blue-Green Deployment</a:t>
+            </a:r>
+          </a:p>
+          <a:p>
+            <a:r>
+              <a:rPr lang="en-US" dirty="0">
+                <a:sym typeface="Wingdings" panose="05000000000000000000" pitchFamily="2" charset="2"/>
+              </a:rPr>
+              <a:t>Introducing Errors into the code, show pipeline response (blocking deployment and rollback functionality)</a:t>
+            </a:r>
+          </a:p>
+          <a:p>
+            <a:r>
+              <a:rPr lang="en-US" dirty="0">
+                <a:sym typeface="Wingdings" panose="05000000000000000000" pitchFamily="2" charset="2"/>
+              </a:rPr>
+              <a:t>Changing quality gates for a service</a:t>
+            </a:r>
+            <a:endParaRPr lang="en-US" dirty="0"/>
+          </a:p>
+          <a:p>
+            <a:pPr marL="301625" lvl="3" indent="-285750">
+              <a:buFont typeface="Arial" panose="020B0604020202020204" pitchFamily="34" charset="0"/>
+              <a:buChar char="•"/>
+            </a:pPr>
+            <a:r>
+              <a:rPr lang="en-US" dirty="0"/>
+              <a:t>Service Scaling </a:t>
+            </a:r>
+          </a:p>
+          <a:p>
+            <a:r>
+              <a:rPr lang="en-US" dirty="0">
+                <a:sym typeface="Wingdings" panose="05000000000000000000" pitchFamily="2" charset="2"/>
+              </a:rPr>
+              <a:t>Load the service</a:t>
+            </a:r>
+          </a:p>
+          <a:p>
+            <a:r>
+              <a:rPr lang="en-US" dirty="0">
+                <a:sym typeface="Wingdings" panose="05000000000000000000" pitchFamily="2" charset="2"/>
+              </a:rPr>
+              <a:t>Configure </a:t>
+            </a:r>
+            <a:r>
+              <a:rPr lang="en-US" dirty="0" err="1">
+                <a:sym typeface="Wingdings" panose="05000000000000000000" pitchFamily="2" charset="2"/>
+              </a:rPr>
+              <a:t>autoscaling</a:t>
+            </a:r>
+            <a:endParaRPr lang="en-US" dirty="0">
+              <a:sym typeface="Wingdings" panose="05000000000000000000" pitchFamily="2" charset="2"/>
+            </a:endParaRPr>
+          </a:p>
+          <a:p>
+            <a:r>
+              <a:rPr lang="en-US" dirty="0">
+                <a:sym typeface="Wingdings" panose="05000000000000000000" pitchFamily="2" charset="2"/>
+              </a:rPr>
+              <a:t>Configure </a:t>
+            </a:r>
+            <a:r>
+              <a:rPr lang="en-US" dirty="0" err="1">
+                <a:sym typeface="Wingdings" panose="05000000000000000000" pitchFamily="2" charset="2"/>
+              </a:rPr>
+              <a:t>autoscaling</a:t>
+            </a:r>
+            <a:r>
+              <a:rPr lang="en-US" dirty="0">
+                <a:sym typeface="Wingdings" panose="05000000000000000000" pitchFamily="2" charset="2"/>
+              </a:rPr>
+              <a:t> limits</a:t>
+            </a:r>
+          </a:p>
+          <a:p>
+            <a:r>
+              <a:rPr lang="en-US" dirty="0">
+                <a:sym typeface="Wingdings" panose="05000000000000000000" pitchFamily="2" charset="2"/>
+              </a:rPr>
+              <a:t>Throw alerts are the limits are approached</a:t>
+            </a:r>
+          </a:p>
+          <a:p>
+            <a:pPr marL="301625" lvl="3" indent="-285750">
+              <a:buFont typeface="Arial" panose="020B0604020202020204" pitchFamily="34" charset="0"/>
+              <a:buChar char="•"/>
+            </a:pPr>
+            <a:endParaRPr lang="en-US" dirty="0"/>
+          </a:p>
+          <a:p>
+            <a:pPr marL="301625" lvl="3" indent="-285750">
+              <a:buFont typeface="Arial" panose="020B0604020202020204" pitchFamily="34" charset="0"/>
+              <a:buChar char="•"/>
+            </a:pPr>
+            <a:endParaRPr lang="en-US" dirty="0"/>
+          </a:p>
+          <a:p>
+            <a:pPr lvl="3"/>
+            <a:endParaRPr lang="en-US" dirty="0"/>
+          </a:p>
+          <a:p>
+            <a:pPr marL="301625" lvl="3" indent="-285750">
+              <a:buFont typeface="Arial" panose="020B0604020202020204" pitchFamily="34" charset="0"/>
+              <a:buChar char="•"/>
+            </a:pPr>
+            <a:endParaRPr lang="en-US" dirty="0"/>
+          </a:p>
+          <a:p>
+            <a:pPr marL="0" indent="0">
+              <a:buNone/>
+            </a:pPr>
+            <a:endParaRPr lang="en-US" dirty="0"/>
+          </a:p>
+        </p:txBody>
+      </p:sp>
+    </p:spTree>
+    <p:extLst>
+      <p:ext uri="{BB962C8B-B14F-4D97-AF65-F5344CB8AC3E}">
+        <p14:creationId xmlns:p14="http://schemas.microsoft.com/office/powerpoint/2010/main" val="59576800"/>
+      </p:ext>
+    </p:extLst>
+  </p:cSld>
+  <p:clrMapOvr>
+    <a:masterClrMapping/>
+  </p:clrMapOvr>
+</p:sld>
+</file>
+
+<file path=ppt/slides/slide16.xml><?xml version="1.0" encoding="utf-8"?>
+<p:sld xmlns:a="http://schemas.openxmlformats.org/drawingml/2006/main" xmlns:r="http://schemas.openxmlformats.org/officeDocument/2006/relationships" xmlns:p="http://schemas.openxmlformats.org/presentationml/2006/main">
+  <p:cSld>
+    <p:spTree>
+      <p:nvGrpSpPr>
+        <p:cNvPr id="1" name=""/>
+        <p:cNvGrpSpPr/>
+        <p:nvPr/>
+      </p:nvGrpSpPr>
+      <p:grpSpPr>
+        <a:xfrm>
+          <a:off x="0" y="0"/>
+          <a:ext cx="0" cy="0"/>
+          <a:chOff x="0" y="0"/>
+          <a:chExt cx="0" cy="0"/>
+        </a:xfrm>
+      </p:grpSpPr>
+      <p:sp>
+        <p:nvSpPr>
+          <p:cNvPr id="2" name="Title 1"/>
+          <p:cNvSpPr>
+            <a:spLocks noGrp="1"/>
+          </p:cNvSpPr>
+          <p:nvPr>
+            <p:ph type="title"/>
+          </p:nvPr>
+        </p:nvSpPr>
+        <p:spPr/>
+        <p:txBody>
+          <a:bodyPr/>
+          <a:lstStyle/>
+          <a:p>
+            <a:r>
+              <a:rPr lang="en-US" dirty="0" err="1"/>
+              <a:t>BackUP</a:t>
+            </a:r>
+            <a:r>
+              <a:rPr lang="en-US" dirty="0"/>
+              <a:t> Slides</a:t>
+            </a:r>
+          </a:p>
+        </p:txBody>
+      </p:sp>
+      <p:sp>
+        <p:nvSpPr>
+          <p:cNvPr id="3" name="Content Placeholder 2"/>
+          <p:cNvSpPr>
+            <a:spLocks noGrp="1"/>
+          </p:cNvSpPr>
+          <p:nvPr>
+            <p:ph idx="1"/>
+          </p:nvPr>
+        </p:nvSpPr>
+        <p:spPr/>
+        <p:txBody>
+          <a:bodyPr/>
+          <a:lstStyle/>
+          <a:p>
+            <a:endParaRPr lang="en-US" dirty="0"/>
+          </a:p>
+        </p:txBody>
+      </p:sp>
+      <p:sp>
+        <p:nvSpPr>
+          <p:cNvPr id="4" name="Content Placeholder 3"/>
+          <p:cNvSpPr>
+            <a:spLocks noGrp="1"/>
+          </p:cNvSpPr>
+          <p:nvPr>
+            <p:ph idx="10"/>
+          </p:nvPr>
+        </p:nvSpPr>
+        <p:spPr/>
+        <p:txBody>
+          <a:bodyPr/>
+          <a:lstStyle/>
+          <a:p>
+            <a:endParaRPr lang="en-US"/>
+          </a:p>
+        </p:txBody>
+      </p:sp>
+      <p:sp>
+        <p:nvSpPr>
+          <p:cNvPr id="5" name="Slide Number Placeholder 4"/>
+          <p:cNvSpPr>
+            <a:spLocks noGrp="1"/>
+          </p:cNvSpPr>
+          <p:nvPr>
+            <p:ph type="sldNum" sz="quarter" idx="4"/>
+          </p:nvPr>
+        </p:nvSpPr>
+        <p:spPr/>
+        <p:txBody>
+          <a:bodyPr/>
+          <a:lstStyle/>
+          <a:p>
+            <a:fld id="{EACE6E22-E655-5947-A8B4-6F095FBA2C12}" type="slidenum">
+              <a:rPr lang="en-US" smtClean="0"/>
+              <a:pPr/>
+              <a:t>15</a:t>
+            </a:fld>
+            <a:endParaRPr lang="en-US" dirty="0"/>
+          </a:p>
+        </p:txBody>
+      </p:sp>
+      <p:sp>
+        <p:nvSpPr>
+          <p:cNvPr id="6" name="Footer Placeholder 5"/>
+          <p:cNvSpPr>
+            <a:spLocks noGrp="1"/>
+          </p:cNvSpPr>
+          <p:nvPr>
+            <p:ph type="ftr" sz="quarter" idx="3"/>
+          </p:nvPr>
+        </p:nvSpPr>
+        <p:spPr/>
+        <p:txBody>
+          <a:bodyPr/>
+          <a:lstStyle/>
+          <a:p>
+            <a:r>
+              <a:rPr lang="en-US"/>
+              <a:t>This document is confidential and intended solely for the client to whom it is addressed.</a:t>
+            </a:r>
+          </a:p>
+        </p:txBody>
+      </p:sp>
+    </p:spTree>
+    <p:extLst>
+      <p:ext uri="{BB962C8B-B14F-4D97-AF65-F5344CB8AC3E}">
+        <p14:creationId xmlns:p14="http://schemas.microsoft.com/office/powerpoint/2010/main" val="3600291520"/>
+      </p:ext>
+    </p:extLst>
+  </p:cSld>
+  <p:clrMapOvr>
+    <a:masterClrMapping/>
+  </p:clrMapOvr>
+</p:sld>
+</file>
+
+<file path=ppt/slides/slide17.xml><?xml version="1.0" encoding="utf-8"?>
+<p:sld xmlns:a="http://schemas.openxmlformats.org/drawingml/2006/main" xmlns:r="http://schemas.openxmlformats.org/officeDocument/2006/relationships" xmlns:p="http://schemas.openxmlformats.org/presentationml/2006/main">
+  <p:cSld>
+    <p:spTree>
+      <p:nvGrpSpPr>
+        <p:cNvPr id="1" name=""/>
+        <p:cNvGrpSpPr/>
+        <p:nvPr/>
+      </p:nvGrpSpPr>
+      <p:grpSpPr>
+        <a:xfrm>
+          <a:off x="0" y="0"/>
+          <a:ext cx="0" cy="0"/>
+          <a:chOff x="0" y="0"/>
+          <a:chExt cx="0" cy="0"/>
+        </a:xfrm>
+      </p:grpSpPr>
+      <p:sp>
+        <p:nvSpPr>
+          <p:cNvPr id="2" name="Title 1"/>
+          <p:cNvSpPr>
+            <a:spLocks noGrp="1"/>
+          </p:cNvSpPr>
+          <p:nvPr>
+            <p:ph type="title"/>
+          </p:nvPr>
+        </p:nvSpPr>
+        <p:spPr/>
+        <p:txBody>
+          <a:bodyPr/>
+          <a:lstStyle/>
+          <a:p>
+            <a:r>
+              <a:rPr lang="en-US" dirty="0"/>
+              <a:t>Branching Strategy</a:t>
+            </a:r>
+          </a:p>
+        </p:txBody>
+      </p:sp>
+      <p:sp>
+        <p:nvSpPr>
+          <p:cNvPr id="3" name="Content Placeholder 2"/>
+          <p:cNvSpPr>
+            <a:spLocks noGrp="1"/>
+          </p:cNvSpPr>
+          <p:nvPr>
+            <p:ph idx="1"/>
+          </p:nvPr>
+        </p:nvSpPr>
+        <p:spPr/>
+        <p:txBody>
+          <a:bodyPr/>
+          <a:lstStyle/>
+          <a:p>
+            <a:endParaRPr lang="en-US"/>
+          </a:p>
+        </p:txBody>
+      </p:sp>
+      <p:sp>
+        <p:nvSpPr>
+          <p:cNvPr id="4" name="Content Placeholder 3"/>
+          <p:cNvSpPr>
+            <a:spLocks noGrp="1"/>
+          </p:cNvSpPr>
+          <p:nvPr>
+            <p:ph idx="10"/>
+          </p:nvPr>
+        </p:nvSpPr>
+        <p:spPr/>
+        <p:txBody>
+          <a:bodyPr/>
+          <a:lstStyle/>
+          <a:p>
+            <a:endParaRPr lang="en-US"/>
+          </a:p>
+        </p:txBody>
+      </p:sp>
+      <p:sp>
+        <p:nvSpPr>
+          <p:cNvPr id="5" name="Slide Number Placeholder 4"/>
+          <p:cNvSpPr>
+            <a:spLocks noGrp="1"/>
+          </p:cNvSpPr>
+          <p:nvPr>
+            <p:ph type="sldNum" sz="quarter" idx="4"/>
+          </p:nvPr>
+        </p:nvSpPr>
+        <p:spPr/>
+        <p:txBody>
+          <a:bodyPr/>
+          <a:lstStyle/>
+          <a:p>
+            <a:fld id="{EACE6E22-E655-5947-A8B4-6F095FBA2C12}" type="slidenum">
+              <a:rPr lang="en-US" smtClean="0"/>
+              <a:pPr/>
+              <a:t>16</a:t>
+            </a:fld>
+            <a:endParaRPr lang="en-US" dirty="0"/>
+          </a:p>
+        </p:txBody>
+      </p:sp>
+      <p:sp>
+        <p:nvSpPr>
+          <p:cNvPr id="6" name="Footer Placeholder 5"/>
+          <p:cNvSpPr>
+            <a:spLocks noGrp="1"/>
+          </p:cNvSpPr>
+          <p:nvPr>
+            <p:ph type="ftr" sz="quarter" idx="3"/>
+          </p:nvPr>
+        </p:nvSpPr>
+        <p:spPr/>
+        <p:txBody>
+          <a:bodyPr/>
+          <a:lstStyle/>
+          <a:p>
+            <a:r>
+              <a:rPr lang="en-US"/>
+              <a:t>This document is confidential and intended solely for the client to whom it is addressed.</a:t>
+            </a:r>
+          </a:p>
+        </p:txBody>
+      </p:sp>
+    </p:spTree>
+    <p:extLst>
+      <p:ext uri="{BB962C8B-B14F-4D97-AF65-F5344CB8AC3E}">
+        <p14:creationId xmlns:p14="http://schemas.microsoft.com/office/powerpoint/2010/main" val="1926558822"/>
+      </p:ext>
+    </p:extLst>
+  </p:cSld>
+  <p:clrMapOvr>
+    <a:masterClrMapping/>
+  </p:clrMapOvr>
 </p:sld>
 </file>
 
@@ -14621,31 +15062,28 @@
           <a:bodyPr/>
           <a:lstStyle/>
           <a:p>
-            <a:endParaRPr lang="en-US" dirty="0" smtClean="0"/>
-          </a:p>
-          <a:p>
             <a:endParaRPr lang="en-US" dirty="0"/>
           </a:p>
           <a:p>
-            <a:r>
-              <a:rPr lang="en-US" dirty="0" smtClean="0"/>
+            <a:endParaRPr lang="en-US" dirty="0"/>
+          </a:p>
+          <a:p>
+            <a:r>
+              <a:rPr lang="en-US" dirty="0"/>
               <a:t>Everything as a service	</a:t>
             </a:r>
-            <a:endParaRPr lang="en-US" dirty="0"/>
-          </a:p>
-          <a:p>
-            <a:r>
-              <a:rPr lang="en-US" dirty="0" smtClean="0"/>
+          </a:p>
+          <a:p>
+            <a:r>
+              <a:rPr lang="en-US" dirty="0"/>
               <a:t>Interchangeable components</a:t>
             </a:r>
-            <a:endParaRPr lang="en-US" dirty="0"/>
-          </a:p>
-          <a:p>
-            <a:r>
-              <a:rPr lang="en-US" dirty="0" smtClean="0"/>
+          </a:p>
+          <a:p>
+            <a:r>
+              <a:rPr lang="en-US" dirty="0"/>
               <a:t>DevOps visibility</a:t>
             </a:r>
-            <a:endParaRPr lang="en-US" dirty="0"/>
           </a:p>
         </p:txBody>
       </p:sp>
@@ -14665,10 +15103,9 @@
           <a:lstStyle/>
           <a:p>
             <a:r>
-              <a:rPr lang="en-US" dirty="0" smtClean="0"/>
+              <a:rPr lang="en-US" dirty="0"/>
               <a:t>Guiding Principles</a:t>
             </a:r>
-            <a:endParaRPr lang="en-US" dirty="0"/>
           </a:p>
         </p:txBody>
       </p:sp>
@@ -14724,10 +15161,9 @@
           <a:lstStyle/>
           <a:p>
             <a:r>
-              <a:rPr lang="en-US" smtClean="0"/>
+              <a:rPr lang="en-US"/>
               <a:t>This document is confidential and intended solely for the client to whom it is addressed.</a:t>
             </a:r>
-            <a:endParaRPr lang="en-US"/>
           </a:p>
         </p:txBody>
       </p:sp>
@@ -14820,7 +15256,7 @@
           <a:lstStyle/>
           <a:p>
             <a:r>
-              <a:rPr lang="en-US" dirty="0" smtClean="0"/>
+              <a:rPr lang="en-US" dirty="0"/>
               <a:t>Additional layout options can be found in the master pages or in the Wide Slide Library</a:t>
             </a:r>
           </a:p>
@@ -14836,13 +15272,6 @@
   <p:clrMapOvr>
     <a:masterClrMapping/>
   </p:clrMapOvr>
-  <p:timing>
-    <p:tnLst>
-      <p:par>
-        <p:cTn id="1" dur="indefinite" restart="never" nodeType="tmRoot"/>
-      </p:par>
-    </p:tnLst>
-  </p:timing>
 </p:sld>
 </file>
 
@@ -14878,41 +15307,40 @@
           <a:bodyPr/>
           <a:lstStyle/>
           <a:p>
-            <a:endParaRPr lang="en-US" dirty="0" smtClean="0"/>
-          </a:p>
-          <a:p>
             <a:endParaRPr lang="en-US" dirty="0"/>
           </a:p>
           <a:p>
-            <a:r>
-              <a:rPr lang="en-US" dirty="0" smtClean="0"/>
+            <a:endParaRPr lang="en-US" dirty="0"/>
+          </a:p>
+          <a:p>
+            <a:r>
+              <a:rPr lang="en-US" dirty="0"/>
               <a:t>Continuous integration and deployment </a:t>
             </a:r>
           </a:p>
           <a:p>
             <a:r>
-              <a:rPr lang="en-US" dirty="0" smtClean="0"/>
+              <a:rPr lang="en-US" dirty="0"/>
               <a:t>Scalability and performance</a:t>
             </a:r>
           </a:p>
           <a:p>
             <a:r>
-              <a:rPr lang="en-US" dirty="0" smtClean="0"/>
+              <a:rPr lang="en-US" dirty="0"/>
               <a:t>Fault tolerance and catastrophe-preparedness</a:t>
             </a:r>
           </a:p>
           <a:p>
             <a:r>
-              <a:rPr lang="en-US" dirty="0" smtClean="0"/>
+              <a:rPr lang="en-US" dirty="0"/>
               <a:t>Security and monitoring</a:t>
             </a:r>
           </a:p>
           <a:p>
             <a:r>
-              <a:rPr lang="en-US" dirty="0" smtClean="0"/>
+              <a:rPr lang="en-US" dirty="0"/>
               <a:t>Deployment to an agency</a:t>
             </a:r>
-            <a:endParaRPr lang="en-US" dirty="0"/>
           </a:p>
         </p:txBody>
       </p:sp>
@@ -14932,18 +15360,17 @@
           <a:lstStyle/>
           <a:p>
             <a:r>
-              <a:rPr lang="en-US" dirty="0" smtClean="0"/>
+              <a:rPr lang="en-US" dirty="0"/>
               <a:t>Features of </a:t>
             </a:r>
             <a:r>
-              <a:rPr lang="en-US" dirty="0" err="1" smtClean="0"/>
+              <a:rPr lang="en-US" dirty="0" err="1"/>
               <a:t>devops</a:t>
             </a:r>
             <a:r>
-              <a:rPr lang="en-US" dirty="0" smtClean="0"/>
+              <a:rPr lang="en-US" dirty="0"/>
               <a:t> – Key areas</a:t>
             </a:r>
-            <a:endParaRPr lang="en-US" dirty="0"/>
           </a:p>
         </p:txBody>
       </p:sp>
@@ -14999,10 +15426,9 @@
           <a:lstStyle/>
           <a:p>
             <a:r>
-              <a:rPr lang="en-US" smtClean="0"/>
+              <a:rPr lang="en-US"/>
               <a:t>This document is confidential and intended solely for the client to whom it is addressed.</a:t>
             </a:r>
-            <a:endParaRPr lang="en-US"/>
           </a:p>
         </p:txBody>
       </p:sp>
@@ -15095,7 +15521,7 @@
           <a:lstStyle/>
           <a:p>
             <a:r>
-              <a:rPr lang="en-US" dirty="0" smtClean="0"/>
+              <a:rPr lang="en-US" dirty="0"/>
               <a:t>Additional layout options can be found in the master pages or in the Wide Slide Library</a:t>
             </a:r>
           </a:p>
@@ -15111,13 +15537,6 @@
   <p:clrMapOvr>
     <a:masterClrMapping/>
   </p:clrMapOvr>
-  <p:timing>
-    <p:tnLst>
-      <p:par>
-        <p:cTn id="1" dur="indefinite" restart="never" nodeType="tmRoot"/>
-      </p:par>
-    </p:tnLst>
-  </p:timing>
 </p:sld>
 </file>
 
@@ -15184,19 +15603,14 @@
           <a:p>
             <a:pPr lvl="3"/>
             <a:r>
-              <a:rPr lang="en-US" dirty="0" smtClean="0"/>
+              <a:rPr lang="en-US" dirty="0"/>
               <a:t>Development</a:t>
             </a:r>
-            <a:endParaRPr lang="en-US" dirty="0"/>
-          </a:p>
-          <a:p>
-            <a:r>
-              <a:rPr lang="en-US" dirty="0" smtClean="0"/>
-              <a:t>Jenkins </a:t>
-            </a:r>
-            <a:r>
-              <a:rPr lang="en-US" dirty="0"/>
-              <a:t>Pipeline Magic </a:t>
+          </a:p>
+          <a:p>
+            <a:r>
+              <a:rPr lang="en-US" dirty="0"/>
+              <a:t>Jenkins Pipeline Magic </a:t>
             </a:r>
           </a:p>
           <a:p>
@@ -15212,20 +15626,14 @@
               <a:rPr lang="en-US" dirty="0"/>
               <a:t>Level 2 is a nested bullet</a:t>
             </a:r>
-          </a:p>
-          <a:p>
-            <a:pPr lvl="1"/>
-            <a:endParaRPr lang="en-US" dirty="0" smtClean="0"/>
           </a:p>
           <a:p>
             <a:pPr lvl="1"/>
             <a:endParaRPr lang="en-US" dirty="0"/>
           </a:p>
           <a:p>
-            <a:pPr marL="296863" lvl="1" indent="0">
-              <a:buNone/>
-            </a:pPr>
-            <a:endParaRPr lang="en-US" dirty="0" smtClean="0"/>
+            <a:pPr lvl="1"/>
+            <a:endParaRPr lang="en-US" dirty="0"/>
           </a:p>
           <a:p>
             <a:pPr marL="296863" lvl="1" indent="0">
@@ -15234,6 +15642,12 @@
             <a:endParaRPr lang="en-US" dirty="0"/>
           </a:p>
           <a:p>
+            <a:pPr marL="296863" lvl="1" indent="0">
+              <a:buNone/>
+            </a:pPr>
+            <a:endParaRPr lang="en-US" dirty="0"/>
+          </a:p>
+          <a:p>
             <a:pPr lvl="3"/>
             <a:endParaRPr lang="en-US" dirty="0"/>
           </a:p>
@@ -15263,19 +15677,14 @@
           <a:p>
             <a:pPr lvl="3"/>
             <a:r>
-              <a:rPr lang="en-US" dirty="0" smtClean="0"/>
+              <a:rPr lang="en-US" dirty="0"/>
               <a:t>Operations</a:t>
             </a:r>
-            <a:endParaRPr lang="en-US" dirty="0"/>
-          </a:p>
-          <a:p>
-            <a:r>
-              <a:rPr lang="en-US" dirty="0" smtClean="0"/>
-              <a:t>More Jenkins </a:t>
-            </a:r>
-            <a:r>
-              <a:rPr lang="en-US" dirty="0"/>
-              <a:t>Pipeline Magic </a:t>
+          </a:p>
+          <a:p>
+            <a:r>
+              <a:rPr lang="en-US" dirty="0"/>
+              <a:t>More Jenkins Pipeline Magic </a:t>
             </a:r>
           </a:p>
           <a:p>
@@ -15334,10 +15743,9 @@
           <a:lstStyle/>
           <a:p>
             <a:r>
-              <a:rPr lang="en-US" smtClean="0"/>
+              <a:rPr lang="en-US"/>
               <a:t>This document is confidential and intended solely for the client to whom it is addressed.</a:t>
             </a:r>
-            <a:endParaRPr lang="en-US"/>
           </a:p>
         </p:txBody>
       </p:sp>
@@ -15543,31 +15951,31 @@
               <a:buChar char="•"/>
             </a:pPr>
             <a:r>
-              <a:rPr lang="en-US" dirty="0" smtClean="0"/>
+              <a:rPr lang="en-US" dirty="0"/>
               <a:t>Overview of DevOps</a:t>
             </a:r>
           </a:p>
           <a:p>
             <a:r>
-              <a:rPr lang="en-US" dirty="0" smtClean="0"/>
+              <a:rPr lang="en-US" dirty="0"/>
               <a:t>…</a:t>
             </a:r>
           </a:p>
           <a:p>
             <a:r>
-              <a:rPr lang="en-US" dirty="0" smtClean="0"/>
+              <a:rPr lang="en-US" dirty="0"/>
               <a:t>…</a:t>
             </a:r>
           </a:p>
           <a:p>
             <a:r>
-              <a:rPr lang="en-US" dirty="0" smtClean="0"/>
+              <a:rPr lang="en-US" dirty="0"/>
               <a:t>…</a:t>
             </a:r>
           </a:p>
           <a:p>
             <a:pPr lvl="3"/>
-            <a:endParaRPr lang="en-US" dirty="0" smtClean="0"/>
+            <a:endParaRPr lang="en-US" dirty="0"/>
           </a:p>
           <a:p>
             <a:pPr lvl="3"/>
@@ -15585,13 +15993,6 @@
   <p:clrMapOvr>
     <a:masterClrMapping/>
   </p:clrMapOvr>
-  <p:timing>
-    <p:tnLst>
-      <p:par>
-        <p:cTn id="1" dur="indefinite" restart="never" nodeType="tmRoot"/>
-      </p:par>
-    </p:tnLst>
-  </p:timing>
 </p:sld>
 </file>
 
@@ -15629,13 +16030,8 @@
           <a:p>
             <a:r>
               <a:rPr lang="en-US" dirty="0"/>
-              <a:t>Continuous integration and </a:t>
-            </a:r>
-            <a:r>
-              <a:rPr lang="en-US" dirty="0" smtClean="0"/>
-              <a:t>deployment</a:t>
-            </a:r>
-            <a:endParaRPr lang="en-US" dirty="0"/>
+              <a:t>Continuous integration and deployment</a:t>
+            </a:r>
           </a:p>
         </p:txBody>
       </p:sp>
@@ -15679,10 +16075,9 @@
           <a:lstStyle/>
           <a:p>
             <a:r>
-              <a:rPr lang="en-US" smtClean="0"/>
+              <a:rPr lang="en-US"/>
               <a:t>This document is confidential and intended solely for the client to whom it is addressed.</a:t>
             </a:r>
-            <a:endParaRPr lang="en-US"/>
           </a:p>
         </p:txBody>
       </p:sp>
@@ -15750,13 +16145,6 @@
   <p:clrMapOvr>
     <a:masterClrMapping/>
   </p:clrMapOvr>
-  <p:timing>
-    <p:tnLst>
-      <p:par>
-        <p:cTn id="1" dur="indefinite" restart="never" nodeType="tmRoot"/>
-      </p:par>
-    </p:tnLst>
-  </p:timing>
 </p:sld>
 </file>
 
@@ -15823,21 +16211,19 @@
           <a:p>
             <a:pPr lvl="3"/>
             <a:r>
-              <a:rPr lang="en-US" dirty="0" smtClean="0"/>
+              <a:rPr lang="en-US" dirty="0"/>
               <a:t>Development</a:t>
             </a:r>
-            <a:endParaRPr lang="en-US" dirty="0"/>
-          </a:p>
-          <a:p>
-            <a:r>
-              <a:rPr lang="en-US" dirty="0" err="1" smtClean="0"/>
+          </a:p>
+          <a:p>
+            <a:r>
+              <a:rPr lang="en-US" dirty="0" err="1"/>
               <a:t>OpenShift</a:t>
             </a:r>
             <a:r>
-              <a:rPr lang="en-US" dirty="0" smtClean="0"/>
+              <a:rPr lang="en-US" dirty="0"/>
               <a:t> Magic </a:t>
             </a:r>
-            <a:endParaRPr lang="en-US" dirty="0"/>
           </a:p>
           <a:p>
             <a:pPr lvl="1"/>
@@ -15852,20 +16238,14 @@
               <a:rPr lang="en-US" dirty="0"/>
               <a:t>Level 2 is a nested bullet</a:t>
             </a:r>
-          </a:p>
-          <a:p>
-            <a:pPr lvl="1"/>
-            <a:endParaRPr lang="en-US" dirty="0" smtClean="0"/>
           </a:p>
           <a:p>
             <a:pPr lvl="1"/>
             <a:endParaRPr lang="en-US" dirty="0"/>
           </a:p>
           <a:p>
-            <a:pPr marL="296863" lvl="1" indent="0">
-              <a:buNone/>
-            </a:pPr>
-            <a:endParaRPr lang="en-US" dirty="0" smtClean="0"/>
+            <a:pPr lvl="1"/>
+            <a:endParaRPr lang="en-US" dirty="0"/>
           </a:p>
           <a:p>
             <a:pPr marL="296863" lvl="1" indent="0">
@@ -15874,6 +16254,12 @@
             <a:endParaRPr lang="en-US" dirty="0"/>
           </a:p>
           <a:p>
+            <a:pPr marL="296863" lvl="1" indent="0">
+              <a:buNone/>
+            </a:pPr>
+            <a:endParaRPr lang="en-US" dirty="0"/>
+          </a:p>
+          <a:p>
             <a:pPr lvl="3"/>
             <a:endParaRPr lang="en-US" dirty="0"/>
           </a:p>
@@ -15903,21 +16289,19 @@
           <a:p>
             <a:pPr lvl="3"/>
             <a:r>
-              <a:rPr lang="en-US" dirty="0" smtClean="0"/>
+              <a:rPr lang="en-US" dirty="0"/>
               <a:t>Operations</a:t>
             </a:r>
-            <a:endParaRPr lang="en-US" dirty="0"/>
-          </a:p>
-          <a:p>
-            <a:r>
-              <a:rPr lang="en-US" dirty="0" err="1" smtClean="0"/>
+          </a:p>
+          <a:p>
+            <a:r>
+              <a:rPr lang="en-US" dirty="0" err="1"/>
               <a:t>OpenShift</a:t>
             </a:r>
             <a:r>
-              <a:rPr lang="en-US" dirty="0" smtClean="0"/>
+              <a:rPr lang="en-US" dirty="0"/>
               <a:t> Magic</a:t>
             </a:r>
-            <a:endParaRPr lang="en-US" dirty="0"/>
           </a:p>
           <a:p>
             <a:pPr lvl="1"/>
@@ -15930,19 +16314,14 @@
             <a:pPr lvl="1"/>
             <a:r>
               <a:rPr lang="en-US" dirty="0"/>
-              <a:t>Level 2 is a nested </a:t>
-            </a:r>
-            <a:r>
-              <a:rPr lang="en-US" dirty="0" smtClean="0"/>
-              <a:t>bullet</a:t>
-            </a:r>
-          </a:p>
-          <a:p>
-            <a:r>
-              <a:rPr lang="en-US" dirty="0" smtClean="0"/>
+              <a:t>Level 2 is a nested bullet</a:t>
+            </a:r>
+          </a:p>
+          <a:p>
+            <a:r>
+              <a:rPr lang="en-US" dirty="0"/>
               <a:t>AWS Magic</a:t>
             </a:r>
-            <a:endParaRPr lang="en-US" dirty="0"/>
           </a:p>
           <a:p>
             <a:pPr lvl="1"/>
@@ -16004,10 +16383,9 @@
           <a:lstStyle/>
           <a:p>
             <a:r>
-              <a:rPr lang="en-US" smtClean="0"/>
+              <a:rPr lang="en-US"/>
               <a:t>This document is confidential and intended solely for the client to whom it is addressed.</a:t>
             </a:r>
-            <a:endParaRPr lang="en-US"/>
           </a:p>
         </p:txBody>
       </p:sp>
@@ -16213,31 +16591,31 @@
               <a:buChar char="•"/>
             </a:pPr>
             <a:r>
-              <a:rPr lang="en-US" dirty="0" smtClean="0"/>
+              <a:rPr lang="en-US" dirty="0"/>
               <a:t>Overview of DevOps</a:t>
             </a:r>
           </a:p>
           <a:p>
             <a:r>
-              <a:rPr lang="en-US" dirty="0" smtClean="0"/>
+              <a:rPr lang="en-US" dirty="0"/>
               <a:t>…</a:t>
             </a:r>
           </a:p>
           <a:p>
             <a:r>
-              <a:rPr lang="en-US" dirty="0" smtClean="0"/>
+              <a:rPr lang="en-US" dirty="0"/>
               <a:t>…</a:t>
             </a:r>
           </a:p>
           <a:p>
             <a:r>
-              <a:rPr lang="en-US" dirty="0" smtClean="0"/>
+              <a:rPr lang="en-US" dirty="0"/>
               <a:t>…</a:t>
             </a:r>
           </a:p>
           <a:p>
             <a:pPr lvl="3"/>
-            <a:endParaRPr lang="en-US" dirty="0" smtClean="0"/>
+            <a:endParaRPr lang="en-US" dirty="0"/>
           </a:p>
           <a:p>
             <a:pPr lvl="3"/>
@@ -16255,13 +16633,6 @@
   <p:clrMapOvr>
     <a:masterClrMapping/>
   </p:clrMapOvr>
-  <p:timing>
-    <p:tnLst>
-      <p:par>
-        <p:cTn id="1" dur="indefinite" restart="never" nodeType="tmRoot"/>
-      </p:par>
-    </p:tnLst>
-  </p:timing>
 </p:sld>
 </file>
 
@@ -16298,10 +16669,9 @@
           <a:lstStyle/>
           <a:p>
             <a:r>
-              <a:rPr lang="en-US" dirty="0" smtClean="0"/>
+              <a:rPr lang="en-US" dirty="0"/>
               <a:t>Fault Tolerance and Catastrophe-Preparedness</a:t>
             </a:r>
-            <a:endParaRPr lang="en-US" dirty="0"/>
           </a:p>
         </p:txBody>
       </p:sp>
@@ -16329,14 +16699,13 @@
           <a:p>
             <a:pPr lvl="3"/>
             <a:r>
-              <a:rPr lang="en-US" dirty="0" smtClean="0"/>
+              <a:rPr lang="en-US" dirty="0"/>
               <a:t>Development</a:t>
             </a:r>
-            <a:endParaRPr lang="en-US" dirty="0"/>
-          </a:p>
-          <a:p>
-            <a:r>
-              <a:rPr lang="en-US" dirty="0" smtClean="0"/>
+          </a:p>
+          <a:p>
+            <a:r>
+              <a:rPr lang="en-US" dirty="0"/>
               <a:t>Automate getting the applications up</a:t>
             </a:r>
           </a:p>
@@ -16346,17 +16715,11 @@
           </a:p>
           <a:p>
             <a:pPr lvl="1"/>
-            <a:endParaRPr lang="en-US" dirty="0" smtClean="0"/>
+            <a:endParaRPr lang="en-US" dirty="0"/>
           </a:p>
           <a:p>
             <a:pPr lvl="1"/>
             <a:endParaRPr lang="en-US" dirty="0"/>
-          </a:p>
-          <a:p>
-            <a:pPr marL="296863" lvl="1" indent="0">
-              <a:buNone/>
-            </a:pPr>
-            <a:endParaRPr lang="en-US" dirty="0" smtClean="0"/>
           </a:p>
           <a:p>
             <a:pPr marL="296863" lvl="1" indent="0">
@@ -16365,6 +16728,12 @@
             <a:endParaRPr lang="en-US" dirty="0"/>
           </a:p>
           <a:p>
+            <a:pPr marL="296863" lvl="1" indent="0">
+              <a:buNone/>
+            </a:pPr>
+            <a:endParaRPr lang="en-US" dirty="0"/>
+          </a:p>
+          <a:p>
             <a:pPr lvl="3"/>
             <a:endParaRPr lang="en-US" dirty="0"/>
           </a:p>
@@ -16394,42 +16763,41 @@
           <a:p>
             <a:pPr lvl="3"/>
             <a:r>
-              <a:rPr lang="en-US" dirty="0" smtClean="0"/>
+              <a:rPr lang="en-US" dirty="0"/>
               <a:t>Operations</a:t>
             </a:r>
-            <a:endParaRPr lang="en-US" dirty="0"/>
-          </a:p>
-          <a:p>
-            <a:r>
-              <a:rPr lang="en-US" dirty="0" smtClean="0"/>
+          </a:p>
+          <a:p>
+            <a:r>
+              <a:rPr lang="en-US" dirty="0"/>
               <a:t>Scripted AWS configuration</a:t>
             </a:r>
           </a:p>
           <a:p>
             <a:r>
-              <a:rPr lang="en-US" dirty="0" smtClean="0"/>
+              <a:rPr lang="en-US" dirty="0"/>
               <a:t>Scripted deployment and </a:t>
             </a:r>
             <a:r>
-              <a:rPr lang="en-US" dirty="0" err="1" smtClean="0"/>
+              <a:rPr lang="en-US" dirty="0" err="1"/>
               <a:t>OpenShift</a:t>
             </a:r>
             <a:r>
-              <a:rPr lang="en-US" dirty="0" smtClean="0"/>
+              <a:rPr lang="en-US" dirty="0"/>
               <a:t> and Jenkins clusters</a:t>
             </a:r>
           </a:p>
           <a:p>
             <a:r>
-              <a:rPr lang="en-US" dirty="0" smtClean="0"/>
+              <a:rPr lang="en-US" dirty="0"/>
               <a:t>Scripted configuration of </a:t>
             </a:r>
             <a:r>
-              <a:rPr lang="en-US" dirty="0" err="1" smtClean="0"/>
+              <a:rPr lang="en-US" dirty="0" err="1"/>
               <a:t>OpenShift</a:t>
             </a:r>
             <a:r>
-              <a:rPr lang="en-US" dirty="0" smtClean="0"/>
+              <a:rPr lang="en-US" dirty="0"/>
               <a:t> and Jenkins clusters </a:t>
             </a:r>
           </a:p>
@@ -16475,10 +16843,9 @@
           <a:lstStyle/>
           <a:p>
             <a:r>
-              <a:rPr lang="en-US" smtClean="0"/>
+              <a:rPr lang="en-US"/>
               <a:t>This document is confidential and intended solely for the client to whom it is addressed.</a:t>
             </a:r>
-            <a:endParaRPr lang="en-US"/>
           </a:p>
         </p:txBody>
       </p:sp>
@@ -16684,31 +17051,31 @@
               <a:buChar char="•"/>
             </a:pPr>
             <a:r>
-              <a:rPr lang="en-US" dirty="0" smtClean="0"/>
+              <a:rPr lang="en-US" dirty="0"/>
               <a:t>Three Pronged Approach </a:t>
             </a:r>
           </a:p>
           <a:p>
             <a:r>
-              <a:rPr lang="en-US" dirty="0" smtClean="0"/>
+              <a:rPr lang="en-US" dirty="0"/>
               <a:t>Staying Up – High Availability</a:t>
             </a:r>
           </a:p>
           <a:p>
             <a:r>
-              <a:rPr lang="en-US" dirty="0" smtClean="0"/>
+              <a:rPr lang="en-US" dirty="0"/>
               <a:t>Getting Back Up – Recovery: Backups and Scripting</a:t>
             </a:r>
           </a:p>
           <a:p>
             <a:r>
-              <a:rPr lang="en-US" dirty="0" smtClean="0"/>
+              <a:rPr lang="en-US" dirty="0"/>
               <a:t>Rectify – Extensive Audits and Logs</a:t>
             </a:r>
           </a:p>
           <a:p>
             <a:pPr lvl="3"/>
-            <a:endParaRPr lang="en-US" dirty="0" smtClean="0"/>
+            <a:endParaRPr lang="en-US" dirty="0"/>
           </a:p>
           <a:p>
             <a:pPr lvl="3"/>
@@ -16726,13 +17093,6 @@
   <p:clrMapOvr>
     <a:masterClrMapping/>
   </p:clrMapOvr>
-  <p:timing>
-    <p:tnLst>
-      <p:par>
-        <p:cTn id="1" dur="indefinite" restart="never" nodeType="tmRoot"/>
-      </p:par>
-    </p:tnLst>
-  </p:timing>
 </p:sld>
 </file>
 
@@ -16769,10 +17129,9 @@
           <a:lstStyle/>
           <a:p>
             <a:r>
-              <a:rPr lang="en-US" dirty="0" smtClean="0"/>
+              <a:rPr lang="en-US" dirty="0"/>
               <a:t>Security And Monitoring</a:t>
             </a:r>
-            <a:endParaRPr lang="en-US" dirty="0"/>
           </a:p>
         </p:txBody>
       </p:sp>
@@ -16800,14 +17159,13 @@
           <a:p>
             <a:pPr lvl="3"/>
             <a:r>
-              <a:rPr lang="en-US" dirty="0" smtClean="0"/>
+              <a:rPr lang="en-US" dirty="0"/>
               <a:t>Development</a:t>
             </a:r>
-            <a:endParaRPr lang="en-US" dirty="0"/>
-          </a:p>
-          <a:p>
-            <a:r>
-              <a:rPr lang="en-US" dirty="0" smtClean="0"/>
+          </a:p>
+          <a:p>
+            <a:r>
+              <a:rPr lang="en-US" dirty="0"/>
               <a:t>Application Health</a:t>
             </a:r>
           </a:p>
@@ -16817,17 +17175,11 @@
           </a:p>
           <a:p>
             <a:pPr lvl="1"/>
-            <a:endParaRPr lang="en-US" dirty="0" smtClean="0"/>
+            <a:endParaRPr lang="en-US" dirty="0"/>
           </a:p>
           <a:p>
             <a:pPr lvl="1"/>
             <a:endParaRPr lang="en-US" dirty="0"/>
-          </a:p>
-          <a:p>
-            <a:pPr marL="296863" lvl="1" indent="0">
-              <a:buNone/>
-            </a:pPr>
-            <a:endParaRPr lang="en-US" dirty="0" smtClean="0"/>
           </a:p>
           <a:p>
             <a:pPr marL="296863" lvl="1" indent="0">
@@ -16836,6 +17188,12 @@
             <a:endParaRPr lang="en-US" dirty="0"/>
           </a:p>
           <a:p>
+            <a:pPr marL="296863" lvl="1" indent="0">
+              <a:buNone/>
+            </a:pPr>
+            <a:endParaRPr lang="en-US" dirty="0"/>
+          </a:p>
+          <a:p>
             <a:pPr lvl="3"/>
             <a:endParaRPr lang="en-US" dirty="0"/>
           </a:p>
@@ -16865,14 +17223,13 @@
           <a:p>
             <a:pPr lvl="3"/>
             <a:r>
-              <a:rPr lang="en-US" dirty="0" smtClean="0"/>
+              <a:rPr lang="en-US" dirty="0"/>
               <a:t>Operations</a:t>
             </a:r>
-            <a:endParaRPr lang="en-US" dirty="0"/>
-          </a:p>
-          <a:p>
-            <a:r>
-              <a:rPr lang="en-US" dirty="0" smtClean="0"/>
+          </a:p>
+          <a:p>
+            <a:r>
+              <a:rPr lang="en-US" dirty="0"/>
               <a:t>Locking down the AWS console</a:t>
             </a:r>
           </a:p>
@@ -16918,10 +17275,9 @@
           <a:lstStyle/>
           <a:p>
             <a:r>
-              <a:rPr lang="en-US" smtClean="0"/>
+              <a:rPr lang="en-US"/>
               <a:t>This document is confidential and intended solely for the client to whom it is addressed.</a:t>
             </a:r>
-            <a:endParaRPr lang="en-US"/>
           </a:p>
         </p:txBody>
       </p:sp>
@@ -17158,11 +17514,7 @@
           <a:p>
             <a:r>
               <a:rPr lang="en-US" dirty="0"/>
-              <a:t>Infrastructure </a:t>
-            </a:r>
-            <a:r>
-              <a:rPr lang="en-US" dirty="0" smtClean="0"/>
-              <a:t>Scanning</a:t>
+              <a:t>Infrastructure Scanning</a:t>
             </a:r>
           </a:p>
           <a:p>
@@ -17171,13 +17523,13 @@
               <a:buChar char="•"/>
             </a:pPr>
             <a:r>
-              <a:rPr lang="en-US" dirty="0" smtClean="0"/>
+              <a:rPr lang="en-US" dirty="0"/>
               <a:t>Monitoring</a:t>
             </a:r>
           </a:p>
           <a:p>
             <a:r>
-              <a:rPr lang="en-US" dirty="0" smtClean="0"/>
+              <a:rPr lang="en-US" dirty="0"/>
               <a:t>ELK Stack</a:t>
             </a:r>
           </a:p>
@@ -17193,13 +17545,6 @@
   <p:clrMapOvr>
     <a:masterClrMapping/>
   </p:clrMapOvr>
-  <p:timing>
-    <p:tnLst>
-      <p:par>
-        <p:cTn id="1" dur="indefinite" restart="never" nodeType="tmRoot"/>
-      </p:par>
-    </p:tnLst>
-  </p:timing>
 </p:sld>
 </file>
 
@@ -17236,10 +17581,9 @@
           <a:lstStyle/>
           <a:p>
             <a:r>
-              <a:rPr lang="en-US" dirty="0" smtClean="0"/>
+              <a:rPr lang="en-US" dirty="0"/>
               <a:t>Governance and monitoring</a:t>
             </a:r>
-            <a:endParaRPr lang="en-US" dirty="0"/>
           </a:p>
         </p:txBody>
       </p:sp>
@@ -17267,32 +17611,31 @@
           <a:p>
             <a:pPr lvl="3"/>
             <a:r>
-              <a:rPr lang="en-US" dirty="0" smtClean="0"/>
+              <a:rPr lang="en-US" dirty="0"/>
               <a:t>Development</a:t>
             </a:r>
-            <a:endParaRPr lang="en-US" dirty="0"/>
-          </a:p>
-          <a:p>
-            <a:r>
-              <a:rPr lang="en-US" dirty="0" smtClean="0"/>
+          </a:p>
+          <a:p>
+            <a:r>
+              <a:rPr lang="en-US" dirty="0"/>
               <a:t>Pipeline Status Dashboard</a:t>
             </a:r>
           </a:p>
           <a:p>
             <a:r>
-              <a:rPr lang="en-US" dirty="0" smtClean="0"/>
+              <a:rPr lang="en-US" dirty="0"/>
               <a:t>Service Health Dashboard </a:t>
             </a:r>
           </a:p>
           <a:p>
             <a:r>
-              <a:rPr lang="en-US" dirty="0" smtClean="0"/>
+              <a:rPr lang="en-US" dirty="0"/>
               <a:t>Agile Development Boards</a:t>
             </a:r>
           </a:p>
           <a:p>
             <a:r>
-              <a:rPr lang="en-US" dirty="0" smtClean="0"/>
+              <a:rPr lang="en-US" dirty="0"/>
               <a:t>Microservice Production-Readiness Dashboard</a:t>
             </a:r>
           </a:p>
@@ -17302,17 +17645,11 @@
           </a:p>
           <a:p>
             <a:pPr lvl="1"/>
-            <a:endParaRPr lang="en-US" dirty="0" smtClean="0"/>
+            <a:endParaRPr lang="en-US" dirty="0"/>
           </a:p>
           <a:p>
             <a:pPr lvl="1"/>
             <a:endParaRPr lang="en-US" dirty="0"/>
-          </a:p>
-          <a:p>
-            <a:pPr marL="296863" lvl="1" indent="0">
-              <a:buNone/>
-            </a:pPr>
-            <a:endParaRPr lang="en-US" dirty="0" smtClean="0"/>
           </a:p>
           <a:p>
             <a:pPr marL="296863" lvl="1" indent="0">
@@ -17321,6 +17658,12 @@
             <a:endParaRPr lang="en-US" dirty="0"/>
           </a:p>
           <a:p>
+            <a:pPr marL="296863" lvl="1" indent="0">
+              <a:buNone/>
+            </a:pPr>
+            <a:endParaRPr lang="en-US" dirty="0"/>
+          </a:p>
+          <a:p>
             <a:pPr lvl="3"/>
             <a:endParaRPr lang="en-US" dirty="0"/>
           </a:p>
@@ -17350,41 +17693,39 @@
           <a:p>
             <a:pPr lvl="3"/>
             <a:r>
-              <a:rPr lang="en-US" dirty="0" smtClean="0"/>
+              <a:rPr lang="en-US" dirty="0"/>
               <a:t>Operations</a:t>
             </a:r>
+          </a:p>
+          <a:p>
+            <a:r>
+              <a:rPr lang="en-US" dirty="0"/>
+              <a:t>Pipeline Status</a:t>
+            </a:r>
+          </a:p>
+          <a:p>
+            <a:r>
+              <a:rPr lang="en-US" dirty="0"/>
+              <a:t>Infrastructure Health</a:t>
+            </a:r>
+          </a:p>
+          <a:p>
+            <a:pPr lvl="1"/>
+            <a:r>
+              <a:rPr lang="en-US" dirty="0"/>
+              <a:t>Node Alarms and Load Notifications</a:t>
+            </a:r>
+          </a:p>
+          <a:p>
+            <a:pPr lvl="1"/>
+            <a:r>
+              <a:rPr lang="en-US" dirty="0"/>
+              <a:t>Automated Responses and Elevation</a:t>
+            </a:r>
+          </a:p>
+          <a:p>
+            <a:pPr lvl="1"/>
             <a:endParaRPr lang="en-US" dirty="0"/>
-          </a:p>
-          <a:p>
-            <a:r>
-              <a:rPr lang="en-US" dirty="0" smtClean="0"/>
-              <a:t>Pipeline Status</a:t>
-            </a:r>
-          </a:p>
-          <a:p>
-            <a:r>
-              <a:rPr lang="en-US" dirty="0" smtClean="0"/>
-              <a:t>Infrastructure Health</a:t>
-            </a:r>
-          </a:p>
-          <a:p>
-            <a:pPr lvl="1"/>
-            <a:r>
-              <a:rPr lang="en-US" dirty="0" smtClean="0"/>
-              <a:t>Node Alarms and Load Notifications</a:t>
-            </a:r>
-            <a:endParaRPr lang="en-US" dirty="0"/>
-          </a:p>
-          <a:p>
-            <a:pPr lvl="1"/>
-            <a:r>
-              <a:rPr lang="en-US" dirty="0" smtClean="0"/>
-              <a:t>Automated Responses and Elevation</a:t>
-            </a:r>
-          </a:p>
-          <a:p>
-            <a:pPr lvl="1"/>
-            <a:endParaRPr lang="en-US" dirty="0" smtClean="0"/>
           </a:p>
         </p:txBody>
       </p:sp>
@@ -17428,10 +17769,9 @@
           <a:lstStyle/>
           <a:p>
             <a:r>
-              <a:rPr lang="en-US" smtClean="0"/>
+              <a:rPr lang="en-US"/>
               <a:t>This document is confidential and intended solely for the client to whom it is addressed.</a:t>
             </a:r>
-            <a:endParaRPr lang="en-US"/>
           </a:p>
         </p:txBody>
       </p:sp>
@@ -17637,31 +17977,31 @@
               <a:buChar char="•"/>
             </a:pPr>
             <a:r>
-              <a:rPr lang="en-US" dirty="0" smtClean="0"/>
+              <a:rPr lang="en-US" dirty="0"/>
               <a:t>Governance Suggestions</a:t>
             </a:r>
           </a:p>
           <a:p>
             <a:r>
-              <a:rPr lang="en-US" dirty="0" smtClean="0"/>
+              <a:rPr lang="en-US" dirty="0"/>
               <a:t>Team Roles</a:t>
             </a:r>
           </a:p>
           <a:p>
             <a:r>
-              <a:rPr lang="en-US" dirty="0" smtClean="0"/>
+              <a:rPr lang="en-US" dirty="0"/>
               <a:t>CI/CD – pipeline architecture enforces software engineering processes, policies and regulations</a:t>
             </a:r>
           </a:p>
           <a:p>
             <a:r>
-              <a:rPr lang="en-US" dirty="0" smtClean="0"/>
+              <a:rPr lang="en-US" dirty="0"/>
               <a:t>Microservice Documentation Standards</a:t>
             </a:r>
           </a:p>
           <a:p>
             <a:r>
-              <a:rPr lang="en-US" dirty="0" smtClean="0"/>
+              <a:rPr lang="en-US" dirty="0"/>
               <a:t>Microservice Development Standards</a:t>
             </a:r>
           </a:p>
@@ -17671,16 +18011,15 @@
               <a:buChar char="•"/>
             </a:pPr>
             <a:r>
-              <a:rPr lang="en-US" dirty="0" smtClean="0"/>
+              <a:rPr lang="en-US" dirty="0"/>
               <a:t>Monitoring</a:t>
             </a:r>
           </a:p>
           <a:p>
             <a:r>
-              <a:rPr lang="en-US" dirty="0" smtClean="0"/>
+              <a:rPr lang="en-US" dirty="0"/>
               <a:t>Dashboards</a:t>
             </a:r>
-            <a:endParaRPr lang="en-US" dirty="0"/>
           </a:p>
         </p:txBody>
       </p:sp>
@@ -17694,13 +18033,6 @@
   <p:clrMapOvr>
     <a:masterClrMapping/>
   </p:clrMapOvr>
-  <p:timing>
-    <p:tnLst>
-      <p:par>
-        <p:cTn id="1" dur="indefinite" restart="never" nodeType="tmRoot"/>
-      </p:par>
-    </p:tnLst>
-  </p:timing>
 </p:sld>
 </file>
 
